--- a/New Microsoft PowerPoint Presentation.pptx
+++ b/New Microsoft PowerPoint Presentation.pptx
@@ -5,21 +5,27 @@
     <p:sldMasterId id="2147483648" r:id="rId1"/>
   </p:sldMasterIdLst>
   <p:notesMasterIdLst>
-    <p:notesMasterId r:id="rId14"/>
+    <p:notesMasterId r:id="rId20"/>
   </p:notesMasterIdLst>
   <p:sldIdLst>
-    <p:sldId id="260" r:id="rId2"/>
-    <p:sldId id="261" r:id="rId3"/>
-    <p:sldId id="262" r:id="rId4"/>
-    <p:sldId id="263" r:id="rId5"/>
-    <p:sldId id="264" r:id="rId6"/>
-    <p:sldId id="265" r:id="rId7"/>
-    <p:sldId id="266" r:id="rId8"/>
-    <p:sldId id="267" r:id="rId9"/>
-    <p:sldId id="256" r:id="rId10"/>
-    <p:sldId id="258" r:id="rId11"/>
-    <p:sldId id="257" r:id="rId12"/>
-    <p:sldId id="259" r:id="rId13"/>
+    <p:sldId id="268" r:id="rId2"/>
+    <p:sldId id="269" r:id="rId3"/>
+    <p:sldId id="270" r:id="rId4"/>
+    <p:sldId id="261" r:id="rId5"/>
+    <p:sldId id="262" r:id="rId6"/>
+    <p:sldId id="263" r:id="rId7"/>
+    <p:sldId id="264" r:id="rId8"/>
+    <p:sldId id="265" r:id="rId9"/>
+    <p:sldId id="266" r:id="rId10"/>
+    <p:sldId id="256" r:id="rId11"/>
+    <p:sldId id="271" r:id="rId12"/>
+    <p:sldId id="258" r:id="rId13"/>
+    <p:sldId id="257" r:id="rId14"/>
+    <p:sldId id="259" r:id="rId15"/>
+    <p:sldId id="272" r:id="rId16"/>
+    <p:sldId id="273" r:id="rId17"/>
+    <p:sldId id="274" r:id="rId18"/>
+    <p:sldId id="275" r:id="rId19"/>
   </p:sldIdLst>
   <p:sldSz cx="12192000" cy="6858000"/>
   <p:notesSz cx="6858000" cy="9144000"/>
@@ -118,6 +124,11 @@
       </a:defRPr>
     </a:lvl9pPr>
   </p:defaultTextStyle>
+  <p:extLst>
+    <p:ext uri="{EFAFB233-063F-42B5-8137-9DF3F51BA10A}">
+      <p15:sldGuideLst xmlns:p15="http://schemas.microsoft.com/office/powerpoint/2012/main"/>
+    </p:ext>
+  </p:extLst>
 </p:presentation>
 </file>
 
@@ -547,7 +558,7 @@
           <a:p>
             <a:fld id="{C33B947B-B3F5-42A9-B8C1-F3451165DB93}" type="slidenum">
               <a:rPr lang="en-US" smtClean="0"/>
-              <a:t>12</a:t>
+              <a:t>14</a:t>
             </a:fld>
             <a:endParaRPr lang="en-US"/>
           </a:p>
@@ -3785,7 +3796,7 @@
           <p:cNvPr id="2" name="Title 1">
             <a:extLst>
               <a:ext uri="{FF2B5EF4-FFF2-40B4-BE49-F238E27FC236}">
-                <a16:creationId xmlns:a16="http://schemas.microsoft.com/office/drawing/2014/main" id="{EFAFB644-996A-4C03-8BAD-9C770653E5D1}"/>
+                <a16:creationId xmlns:a16="http://schemas.microsoft.com/office/drawing/2014/main" id="{A78BD63C-0F61-4982-A130-0955ECD041CE}"/>
               </a:ext>
             </a:extLst>
           </p:cNvPr>
@@ -3796,12 +3807,39 @@
             <p:ph type="ctrTitle"/>
           </p:nvPr>
         </p:nvSpPr>
-        <p:spPr/>
+        <p:spPr>
+          <a:xfrm>
+            <a:off x="1590502" y="1462656"/>
+            <a:ext cx="9144000" cy="2387600"/>
+          </a:xfrm>
+        </p:spPr>
         <p:txBody>
-          <a:bodyPr/>
+          <a:bodyPr>
+            <a:normAutofit fontScale="90000"/>
+          </a:bodyPr>
           <a:lstStyle/>
           <a:p>
-            <a:endParaRPr lang="en-US" dirty="0"/>
+            <a:r>
+              <a:rPr lang="en-US" dirty="0">
+                <a:latin typeface="Arial" panose="020B0604020202020204" pitchFamily="34" charset="0"/>
+                <a:cs typeface="Arial" panose="020B0604020202020204" pitchFamily="34" charset="0"/>
+              </a:rPr>
+              <a:t>the criterion for a</a:t>
+            </a:r>
+            <a:r>
+              <a:rPr lang="zh-CN" altLang="en-US" dirty="0">
+                <a:latin typeface="Arial" panose="020B0604020202020204" pitchFamily="34" charset="0"/>
+                <a:cs typeface="Arial" panose="020B0604020202020204" pitchFamily="34" charset="0"/>
+              </a:rPr>
+              <a:t> </a:t>
+            </a:r>
+            <a:r>
+              <a:rPr lang="en-US" dirty="0">
+                <a:latin typeface="Arial" panose="020B0604020202020204" pitchFamily="34" charset="0"/>
+                <a:cs typeface="Arial" panose="020B0604020202020204" pitchFamily="34" charset="0"/>
+              </a:rPr>
+              <a:t>two-photon entanglement state in real space</a:t>
+            </a:r>
           </a:p>
         </p:txBody>
       </p:sp>
@@ -3810,7 +3848,7 @@
           <p:cNvPr id="3" name="Subtitle 2">
             <a:extLst>
               <a:ext uri="{FF2B5EF4-FFF2-40B4-BE49-F238E27FC236}">
-                <a16:creationId xmlns:a16="http://schemas.microsoft.com/office/drawing/2014/main" id="{0784FE72-DD7D-4E10-9134-655DA4DEF354}"/>
+                <a16:creationId xmlns:a16="http://schemas.microsoft.com/office/drawing/2014/main" id="{73D4072B-ACCD-4D74-A162-0A79040CB40D}"/>
               </a:ext>
             </a:extLst>
           </p:cNvPr>
@@ -3821,19 +3859,30 @@
             <p:ph type="subTitle" idx="1"/>
           </p:nvPr>
         </p:nvSpPr>
-        <p:spPr/>
+        <p:spPr>
+          <a:xfrm>
+            <a:off x="1590502" y="4567463"/>
+            <a:ext cx="9144000" cy="1655762"/>
+          </a:xfrm>
+        </p:spPr>
         <p:txBody>
           <a:bodyPr/>
           <a:lstStyle/>
           <a:p>
-            <a:endParaRPr lang="en-US"/>
+            <a:r>
+              <a:rPr lang="en-US" dirty="0">
+                <a:latin typeface="Arial" panose="020B0604020202020204" pitchFamily="34" charset="0"/>
+                <a:cs typeface="Arial" panose="020B0604020202020204" pitchFamily="34" charset="0"/>
+              </a:rPr>
+              <a:t>Jieyu You</a:t>
+            </a:r>
           </a:p>
         </p:txBody>
       </p:sp>
     </p:spTree>
     <p:extLst>
       <p:ext uri="{BB962C8B-B14F-4D97-AF65-F5344CB8AC3E}">
-        <p14:creationId xmlns:p14="http://schemas.microsoft.com/office/powerpoint/2010/main" val="2323538967"/>
+        <p14:creationId xmlns:p14="http://schemas.microsoft.com/office/powerpoint/2010/main" val="3197217423"/>
       </p:ext>
     </p:extLst>
   </p:cSld>
@@ -3844,6 +3893,825 @@
 </file>
 
 <file path=ppt/slides/slide10.xml><?xml version="1.0" encoding="utf-8"?>
+<p:sld xmlns:a="http://schemas.openxmlformats.org/drawingml/2006/main" xmlns:r="http://schemas.openxmlformats.org/officeDocument/2006/relationships" xmlns:p="http://schemas.openxmlformats.org/presentationml/2006/main">
+  <p:cSld>
+    <p:spTree>
+      <p:nvGrpSpPr>
+        <p:cNvPr id="1" name=""/>
+        <p:cNvGrpSpPr/>
+        <p:nvPr/>
+      </p:nvGrpSpPr>
+      <p:grpSpPr>
+        <a:xfrm>
+          <a:off x="0" y="0"/>
+          <a:ext cx="0" cy="0"/>
+          <a:chOff x="0" y="0"/>
+          <a:chExt cx="0" cy="0"/>
+        </a:xfrm>
+      </p:grpSpPr>
+      <p:pic>
+        <p:nvPicPr>
+          <p:cNvPr id="6" name="Picture 5">
+            <a:extLst>
+              <a:ext uri="{FF2B5EF4-FFF2-40B4-BE49-F238E27FC236}">
+                <a16:creationId xmlns:a16="http://schemas.microsoft.com/office/drawing/2014/main" id="{3726642A-230B-4B22-BD76-BBCF77C8E28D}"/>
+              </a:ext>
+            </a:extLst>
+          </p:cNvPr>
+          <p:cNvPicPr>
+            <a:picLocks noChangeAspect="1"/>
+          </p:cNvPicPr>
+          <p:nvPr/>
+        </p:nvPicPr>
+        <p:blipFill>
+          <a:blip r:embed="rId2"/>
+          <a:stretch>
+            <a:fillRect/>
+          </a:stretch>
+        </p:blipFill>
+        <p:spPr>
+          <a:xfrm>
+            <a:off x="5058718" y="3563577"/>
+            <a:ext cx="5935798" cy="2036228"/>
+          </a:xfrm>
+          <a:prstGeom prst="rect">
+            <a:avLst/>
+          </a:prstGeom>
+        </p:spPr>
+      </p:pic>
+      <p:sp>
+        <p:nvSpPr>
+          <p:cNvPr id="2" name="TextBox 1">
+            <a:extLst>
+              <a:ext uri="{FF2B5EF4-FFF2-40B4-BE49-F238E27FC236}">
+                <a16:creationId xmlns:a16="http://schemas.microsoft.com/office/drawing/2014/main" id="{DC088EF3-3B98-4358-8FF5-A4987B6C0D99}"/>
+              </a:ext>
+            </a:extLst>
+          </p:cNvPr>
+          <p:cNvSpPr txBox="1"/>
+          <p:nvPr/>
+        </p:nvSpPr>
+        <p:spPr>
+          <a:xfrm>
+            <a:off x="789450" y="444926"/>
+            <a:ext cx="6827510" cy="646331"/>
+          </a:xfrm>
+          <a:prstGeom prst="rect">
+            <a:avLst/>
+          </a:prstGeom>
+          <a:noFill/>
+        </p:spPr>
+        <p:txBody>
+          <a:bodyPr wrap="none" rtlCol="0">
+            <a:spAutoFit/>
+          </a:bodyPr>
+          <a:lstStyle/>
+          <a:p>
+            <a:r>
+              <a:rPr lang="en-US" sz="3600" dirty="0">
+                <a:latin typeface="Arial" panose="020B0604020202020204" pitchFamily="34" charset="0"/>
+                <a:cs typeface="Arial" panose="020B0604020202020204" pitchFamily="34" charset="0"/>
+              </a:rPr>
+              <a:t>back to the two-photon cascade:</a:t>
+            </a:r>
+          </a:p>
+        </p:txBody>
+      </p:sp>
+      <p:pic>
+        <p:nvPicPr>
+          <p:cNvPr id="11" name="Picture 10">
+            <a:extLst>
+              <a:ext uri="{FF2B5EF4-FFF2-40B4-BE49-F238E27FC236}">
+                <a16:creationId xmlns:a16="http://schemas.microsoft.com/office/drawing/2014/main" id="{0AD950F7-7542-4144-9B8B-FDC802EFCDAF}"/>
+              </a:ext>
+            </a:extLst>
+          </p:cNvPr>
+          <p:cNvPicPr>
+            <a:picLocks noChangeAspect="1"/>
+          </p:cNvPicPr>
+          <p:nvPr/>
+        </p:nvPicPr>
+        <p:blipFill>
+          <a:blip r:embed="rId3"/>
+          <a:stretch>
+            <a:fillRect/>
+          </a:stretch>
+        </p:blipFill>
+        <p:spPr>
+          <a:xfrm>
+            <a:off x="789450" y="1865133"/>
+            <a:ext cx="4269268" cy="4031536"/>
+          </a:xfrm>
+          <a:prstGeom prst="rect">
+            <a:avLst/>
+          </a:prstGeom>
+        </p:spPr>
+      </p:pic>
+      <p:pic>
+        <p:nvPicPr>
+          <p:cNvPr id="4" name="Picture 3">
+            <a:extLst>
+              <a:ext uri="{FF2B5EF4-FFF2-40B4-BE49-F238E27FC236}">
+                <a16:creationId xmlns:a16="http://schemas.microsoft.com/office/drawing/2014/main" id="{3AF42650-38F6-401B-B6CD-A50156C24DE5}"/>
+              </a:ext>
+            </a:extLst>
+          </p:cNvPr>
+          <p:cNvPicPr>
+            <a:picLocks noChangeAspect="1"/>
+          </p:cNvPicPr>
+          <p:nvPr/>
+        </p:nvPicPr>
+        <p:blipFill>
+          <a:blip r:embed="rId4"/>
+          <a:stretch>
+            <a:fillRect/>
+          </a:stretch>
+        </p:blipFill>
+        <p:spPr>
+          <a:xfrm>
+            <a:off x="5192733" y="1980189"/>
+            <a:ext cx="6081988" cy="917081"/>
+          </a:xfrm>
+          <a:prstGeom prst="rect">
+            <a:avLst/>
+          </a:prstGeom>
+        </p:spPr>
+      </p:pic>
+      <p:sp>
+        <p:nvSpPr>
+          <p:cNvPr id="8" name="Rectangle 7">
+            <a:extLst>
+              <a:ext uri="{FF2B5EF4-FFF2-40B4-BE49-F238E27FC236}">
+                <a16:creationId xmlns:a16="http://schemas.microsoft.com/office/drawing/2014/main" id="{704AEB1E-6D0D-443A-B14A-BA7488A4FACA}"/>
+              </a:ext>
+            </a:extLst>
+          </p:cNvPr>
+          <p:cNvSpPr/>
+          <p:nvPr/>
+        </p:nvSpPr>
+        <p:spPr>
+          <a:xfrm>
+            <a:off x="7187664" y="4519864"/>
+            <a:ext cx="1590576" cy="917081"/>
+          </a:xfrm>
+          <a:prstGeom prst="rect">
+            <a:avLst/>
+          </a:prstGeom>
+          <a:noFill/>
+          <a:ln w="38100">
+            <a:solidFill>
+              <a:srgbClr val="FF0000"/>
+            </a:solidFill>
+          </a:ln>
+        </p:spPr>
+        <p:style>
+          <a:lnRef idx="2">
+            <a:schemeClr val="accent1">
+              <a:shade val="50000"/>
+            </a:schemeClr>
+          </a:lnRef>
+          <a:fillRef idx="1">
+            <a:schemeClr val="accent1"/>
+          </a:fillRef>
+          <a:effectRef idx="0">
+            <a:schemeClr val="accent1"/>
+          </a:effectRef>
+          <a:fontRef idx="minor">
+            <a:schemeClr val="lt1"/>
+          </a:fontRef>
+        </p:style>
+        <p:txBody>
+          <a:bodyPr rtlCol="0" anchor="ctr"/>
+          <a:lstStyle/>
+          <a:p>
+            <a:pPr algn="ctr"/>
+            <a:endParaRPr lang="en-US"/>
+          </a:p>
+        </p:txBody>
+      </p:sp>
+    </p:spTree>
+    <p:extLst>
+      <p:ext uri="{BB962C8B-B14F-4D97-AF65-F5344CB8AC3E}">
+        <p14:creationId xmlns:p14="http://schemas.microsoft.com/office/powerpoint/2010/main" val="1576109682"/>
+      </p:ext>
+    </p:extLst>
+  </p:cSld>
+  <p:clrMapOvr>
+    <a:masterClrMapping/>
+  </p:clrMapOvr>
+</p:sld>
+</file>
+
+<file path=ppt/slides/slide11.xml><?xml version="1.0" encoding="utf-8"?>
+<p:sld xmlns:a="http://schemas.openxmlformats.org/drawingml/2006/main" xmlns:r="http://schemas.openxmlformats.org/officeDocument/2006/relationships" xmlns:p="http://schemas.openxmlformats.org/presentationml/2006/main">
+  <p:cSld>
+    <p:spTree>
+      <p:nvGrpSpPr>
+        <p:cNvPr id="1" name=""/>
+        <p:cNvGrpSpPr/>
+        <p:nvPr/>
+      </p:nvGrpSpPr>
+      <p:grpSpPr>
+        <a:xfrm>
+          <a:off x="0" y="0"/>
+          <a:ext cx="0" cy="0"/>
+          <a:chOff x="0" y="0"/>
+          <a:chExt cx="0" cy="0"/>
+        </a:xfrm>
+      </p:grpSpPr>
+      <p:grpSp>
+        <p:nvGrpSpPr>
+          <p:cNvPr id="4" name="Group 3">
+            <a:extLst>
+              <a:ext uri="{FF2B5EF4-FFF2-40B4-BE49-F238E27FC236}">
+                <a16:creationId xmlns:a16="http://schemas.microsoft.com/office/drawing/2014/main" id="{CA6DACC5-B4DA-4724-B692-072CF9FBA2BA}"/>
+              </a:ext>
+            </a:extLst>
+          </p:cNvPr>
+          <p:cNvGrpSpPr/>
+          <p:nvPr/>
+        </p:nvGrpSpPr>
+        <p:grpSpPr>
+          <a:xfrm>
+            <a:off x="432296" y="1108034"/>
+            <a:ext cx="11558447" cy="3431104"/>
+            <a:chOff x="555859" y="798869"/>
+            <a:chExt cx="11558447" cy="3431104"/>
+          </a:xfrm>
+        </p:grpSpPr>
+        <p:pic>
+          <p:nvPicPr>
+            <p:cNvPr id="5" name="Picture 4">
+              <a:extLst>
+                <a:ext uri="{FF2B5EF4-FFF2-40B4-BE49-F238E27FC236}">
+                  <a16:creationId xmlns:a16="http://schemas.microsoft.com/office/drawing/2014/main" id="{F45DD93B-7707-4C5A-8BEA-C6FB058C80AE}"/>
+                </a:ext>
+              </a:extLst>
+            </p:cNvPr>
+            <p:cNvPicPr>
+              <a:picLocks noChangeAspect="1"/>
+            </p:cNvPicPr>
+            <p:nvPr/>
+          </p:nvPicPr>
+          <p:blipFill>
+            <a:blip r:embed="rId2"/>
+            <a:stretch>
+              <a:fillRect/>
+            </a:stretch>
+          </p:blipFill>
+          <p:spPr>
+            <a:xfrm>
+              <a:off x="555859" y="1067673"/>
+              <a:ext cx="9201150" cy="3162300"/>
+            </a:xfrm>
+            <a:prstGeom prst="rect">
+              <a:avLst/>
+            </a:prstGeom>
+          </p:spPr>
+        </p:pic>
+        <p:cxnSp>
+          <p:nvCxnSpPr>
+            <p:cNvPr id="6" name="Straight Arrow Connector 5">
+              <a:extLst>
+                <a:ext uri="{FF2B5EF4-FFF2-40B4-BE49-F238E27FC236}">
+                  <a16:creationId xmlns:a16="http://schemas.microsoft.com/office/drawing/2014/main" id="{35205732-0C36-4C20-8411-2C9E8FC4C37B}"/>
+                </a:ext>
+              </a:extLst>
+            </p:cNvPr>
+            <p:cNvCxnSpPr>
+              <a:cxnSpLocks/>
+            </p:cNvCxnSpPr>
+            <p:nvPr/>
+          </p:nvCxnSpPr>
+          <p:spPr>
+            <a:xfrm flipH="1">
+              <a:off x="7147421" y="2080470"/>
+              <a:ext cx="2743199" cy="369117"/>
+            </a:xfrm>
+            <a:prstGeom prst="straightConnector1">
+              <a:avLst/>
+            </a:prstGeom>
+            <a:ln w="38100">
+              <a:tailEnd type="triangle"/>
+            </a:ln>
+          </p:spPr>
+          <p:style>
+            <a:lnRef idx="1">
+              <a:schemeClr val="accent1"/>
+            </a:lnRef>
+            <a:fillRef idx="0">
+              <a:schemeClr val="accent1"/>
+            </a:fillRef>
+            <a:effectRef idx="0">
+              <a:schemeClr val="accent1"/>
+            </a:effectRef>
+            <a:fontRef idx="minor">
+              <a:schemeClr val="tx1"/>
+            </a:fontRef>
+          </p:style>
+        </p:cxnSp>
+        <p:cxnSp>
+          <p:nvCxnSpPr>
+            <p:cNvPr id="7" name="Straight Arrow Connector 6">
+              <a:extLst>
+                <a:ext uri="{FF2B5EF4-FFF2-40B4-BE49-F238E27FC236}">
+                  <a16:creationId xmlns:a16="http://schemas.microsoft.com/office/drawing/2014/main" id="{A2CEC675-7976-42C2-9830-F2785F5779D2}"/>
+                </a:ext>
+              </a:extLst>
+            </p:cNvPr>
+            <p:cNvCxnSpPr>
+              <a:cxnSpLocks/>
+            </p:cNvCxnSpPr>
+            <p:nvPr/>
+          </p:nvCxnSpPr>
+          <p:spPr>
+            <a:xfrm flipH="1">
+              <a:off x="7013810" y="3155221"/>
+              <a:ext cx="2743199" cy="369117"/>
+            </a:xfrm>
+            <a:prstGeom prst="straightConnector1">
+              <a:avLst/>
+            </a:prstGeom>
+            <a:ln w="38100">
+              <a:tailEnd type="triangle"/>
+            </a:ln>
+          </p:spPr>
+          <p:style>
+            <a:lnRef idx="1">
+              <a:schemeClr val="accent1"/>
+            </a:lnRef>
+            <a:fillRef idx="0">
+              <a:schemeClr val="accent1"/>
+            </a:fillRef>
+            <a:effectRef idx="0">
+              <a:schemeClr val="accent1"/>
+            </a:effectRef>
+            <a:fontRef idx="minor">
+              <a:schemeClr val="tx1"/>
+            </a:fontRef>
+          </p:style>
+        </p:cxnSp>
+        <p:cxnSp>
+          <p:nvCxnSpPr>
+            <p:cNvPr id="8" name="Straight Arrow Connector 7">
+              <a:extLst>
+                <a:ext uri="{FF2B5EF4-FFF2-40B4-BE49-F238E27FC236}">
+                  <a16:creationId xmlns:a16="http://schemas.microsoft.com/office/drawing/2014/main" id="{2439E536-EE61-4F51-B731-07CBEF892252}"/>
+                </a:ext>
+              </a:extLst>
+            </p:cNvPr>
+            <p:cNvCxnSpPr>
+              <a:cxnSpLocks/>
+            </p:cNvCxnSpPr>
+            <p:nvPr/>
+          </p:nvCxnSpPr>
+          <p:spPr>
+            <a:xfrm flipH="1">
+              <a:off x="6452328" y="1067673"/>
+              <a:ext cx="2743199" cy="369117"/>
+            </a:xfrm>
+            <a:prstGeom prst="straightConnector1">
+              <a:avLst/>
+            </a:prstGeom>
+            <a:ln w="38100">
+              <a:tailEnd type="triangle"/>
+            </a:ln>
+          </p:spPr>
+          <p:style>
+            <a:lnRef idx="1">
+              <a:schemeClr val="accent1"/>
+            </a:lnRef>
+            <a:fillRef idx="0">
+              <a:schemeClr val="accent1"/>
+            </a:fillRef>
+            <a:effectRef idx="0">
+              <a:schemeClr val="accent1"/>
+            </a:effectRef>
+            <a:fontRef idx="minor">
+              <a:schemeClr val="tx1"/>
+            </a:fontRef>
+          </p:style>
+        </p:cxnSp>
+        <p:sp>
+          <p:nvSpPr>
+            <p:cNvPr id="9" name="TextBox 8">
+              <a:extLst>
+                <a:ext uri="{FF2B5EF4-FFF2-40B4-BE49-F238E27FC236}">
+                  <a16:creationId xmlns:a16="http://schemas.microsoft.com/office/drawing/2014/main" id="{5985F5D2-50F8-4CE3-83D8-89304709C133}"/>
+                </a:ext>
+              </a:extLst>
+            </p:cNvPr>
+            <p:cNvSpPr txBox="1"/>
+            <p:nvPr/>
+          </p:nvSpPr>
+          <p:spPr>
+            <a:xfrm>
+              <a:off x="9363232" y="798869"/>
+              <a:ext cx="1843774" cy="461665"/>
+            </a:xfrm>
+            <a:prstGeom prst="rect">
+              <a:avLst/>
+            </a:prstGeom>
+            <a:noFill/>
+          </p:spPr>
+          <p:txBody>
+            <a:bodyPr wrap="none" rtlCol="0">
+              <a:spAutoFit/>
+            </a:bodyPr>
+            <a:lstStyle/>
+            <a:p>
+              <a:r>
+                <a:rPr lang="en-US" sz="2400" dirty="0">
+                  <a:latin typeface="Arial" panose="020B0604020202020204" pitchFamily="34" charset="0"/>
+                  <a:cs typeface="Arial" panose="020B0604020202020204" pitchFamily="34" charset="0"/>
+                </a:rPr>
+                <a:t>steady state</a:t>
+              </a:r>
+            </a:p>
+          </p:txBody>
+        </p:sp>
+        <p:sp>
+          <p:nvSpPr>
+            <p:cNvPr id="10" name="TextBox 9">
+              <a:extLst>
+                <a:ext uri="{FF2B5EF4-FFF2-40B4-BE49-F238E27FC236}">
+                  <a16:creationId xmlns:a16="http://schemas.microsoft.com/office/drawing/2014/main" id="{E53E8A0D-AF46-416B-BBBA-BB5ACEF479D8}"/>
+                </a:ext>
+              </a:extLst>
+            </p:cNvPr>
+            <p:cNvSpPr txBox="1"/>
+            <p:nvPr/>
+          </p:nvSpPr>
+          <p:spPr>
+            <a:xfrm>
+              <a:off x="9890620" y="1759097"/>
+              <a:ext cx="2223686" cy="461665"/>
+            </a:xfrm>
+            <a:prstGeom prst="rect">
+              <a:avLst/>
+            </a:prstGeom>
+            <a:noFill/>
+          </p:spPr>
+          <p:txBody>
+            <a:bodyPr wrap="none" rtlCol="0">
+              <a:spAutoFit/>
+            </a:bodyPr>
+            <a:lstStyle/>
+            <a:p>
+              <a:r>
+                <a:rPr lang="en-US" sz="2400" dirty="0">
+                  <a:latin typeface="Arial" panose="020B0604020202020204" pitchFamily="34" charset="0"/>
+                  <a:cs typeface="Arial" panose="020B0604020202020204" pitchFamily="34" charset="0"/>
+                </a:rPr>
+                <a:t>decay from |a&gt;</a:t>
+              </a:r>
+            </a:p>
+          </p:txBody>
+        </p:sp>
+        <p:sp>
+          <p:nvSpPr>
+            <p:cNvPr id="11" name="TextBox 10">
+              <a:extLst>
+                <a:ext uri="{FF2B5EF4-FFF2-40B4-BE49-F238E27FC236}">
+                  <a16:creationId xmlns:a16="http://schemas.microsoft.com/office/drawing/2014/main" id="{38F4EDFA-E1E2-4F65-B972-389A0B2444FA}"/>
+                </a:ext>
+              </a:extLst>
+            </p:cNvPr>
+            <p:cNvSpPr txBox="1"/>
+            <p:nvPr/>
+          </p:nvSpPr>
+          <p:spPr>
+            <a:xfrm>
+              <a:off x="9890620" y="2889647"/>
+              <a:ext cx="2223686" cy="461665"/>
+            </a:xfrm>
+            <a:prstGeom prst="rect">
+              <a:avLst/>
+            </a:prstGeom>
+            <a:noFill/>
+          </p:spPr>
+          <p:txBody>
+            <a:bodyPr wrap="none" rtlCol="0">
+              <a:spAutoFit/>
+            </a:bodyPr>
+            <a:lstStyle/>
+            <a:p>
+              <a:r>
+                <a:rPr lang="en-US" sz="2400" dirty="0">
+                  <a:latin typeface="Arial" panose="020B0604020202020204" pitchFamily="34" charset="0"/>
+                  <a:cs typeface="Arial" panose="020B0604020202020204" pitchFamily="34" charset="0"/>
+                </a:rPr>
+                <a:t>decay from |b&gt;</a:t>
+              </a:r>
+            </a:p>
+          </p:txBody>
+        </p:sp>
+      </p:grpSp>
+      <mc:AlternateContent xmlns:mc="http://schemas.openxmlformats.org/markup-compatibility/2006">
+        <mc:Choice xmlns:a14="http://schemas.microsoft.com/office/drawing/2010/main" Requires="a14">
+          <p:sp>
+            <p:nvSpPr>
+              <p:cNvPr id="12" name="TextBox 11">
+                <a:extLst>
+                  <a:ext uri="{FF2B5EF4-FFF2-40B4-BE49-F238E27FC236}">
+                    <a16:creationId xmlns:a16="http://schemas.microsoft.com/office/drawing/2014/main" id="{2F41E2FC-A436-41E7-AE2D-8216C81B92F9}"/>
+                  </a:ext>
+                </a:extLst>
+              </p:cNvPr>
+              <p:cNvSpPr txBox="1"/>
+              <p:nvPr/>
+            </p:nvSpPr>
+            <p:spPr>
+              <a:xfrm>
+                <a:off x="2851265" y="5057240"/>
+                <a:ext cx="5048498" cy="1200329"/>
+              </a:xfrm>
+              <a:prstGeom prst="rect">
+                <a:avLst/>
+              </a:prstGeom>
+              <a:noFill/>
+            </p:spPr>
+            <p:txBody>
+              <a:bodyPr wrap="none" rtlCol="0">
+                <a:spAutoFit/>
+              </a:bodyPr>
+              <a:lstStyle/>
+              <a:p>
+                <a14:m>
+                  <m:oMathPara xmlns:m="http://schemas.openxmlformats.org/officeDocument/2006/math">
+                    <m:oMathParaPr>
+                      <m:jc m:val="centerGroup"/>
+                    </m:oMathParaPr>
+                    <m:oMath xmlns:m="http://schemas.openxmlformats.org/officeDocument/2006/math">
+                      <m:r>
+                        <a:rPr lang="en-US" sz="3600" b="0" i="1" smtClean="0">
+                          <a:latin typeface="Cambria Math" panose="02040503050406030204" pitchFamily="18" charset="0"/>
+                        </a:rPr>
+                        <m:t>𝑓</m:t>
+                      </m:r>
+                      <m:d>
+                        <m:dPr>
+                          <m:ctrlPr>
+                            <a:rPr lang="en-US" sz="3600" b="0" i="1" smtClean="0">
+                              <a:latin typeface="Cambria Math" panose="02040503050406030204" pitchFamily="18" charset="0"/>
+                            </a:rPr>
+                          </m:ctrlPr>
+                        </m:dPr>
+                        <m:e>
+                          <m:sSub>
+                            <m:sSubPr>
+                              <m:ctrlPr>
+                                <a:rPr lang="en-US" sz="3600" b="0" i="1" smtClean="0">
+                                  <a:latin typeface="Cambria Math" panose="02040503050406030204" pitchFamily="18" charset="0"/>
+                                </a:rPr>
+                              </m:ctrlPr>
+                            </m:sSubPr>
+                            <m:e>
+                              <m:r>
+                                <a:rPr lang="en-US" sz="3600" b="0" i="1" smtClean="0">
+                                  <a:latin typeface="Cambria Math" panose="02040503050406030204" pitchFamily="18" charset="0"/>
+                                </a:rPr>
+                                <m:t>𝑥</m:t>
+                              </m:r>
+                            </m:e>
+                            <m:sub>
+                              <m:r>
+                                <a:rPr lang="en-US" sz="3600" b="0" i="1" smtClean="0">
+                                  <a:latin typeface="Cambria Math" panose="02040503050406030204" pitchFamily="18" charset="0"/>
+                                </a:rPr>
+                                <m:t>1</m:t>
+                              </m:r>
+                            </m:sub>
+                          </m:sSub>
+                          <m:r>
+                            <a:rPr lang="en-US" sz="3600" b="0" i="1" smtClean="0">
+                              <a:latin typeface="Cambria Math" panose="02040503050406030204" pitchFamily="18" charset="0"/>
+                            </a:rPr>
+                            <m:t>,</m:t>
+                          </m:r>
+                          <m:sSub>
+                            <m:sSubPr>
+                              <m:ctrlPr>
+                                <a:rPr lang="en-US" sz="3600" b="0" i="1" smtClean="0">
+                                  <a:latin typeface="Cambria Math" panose="02040503050406030204" pitchFamily="18" charset="0"/>
+                                </a:rPr>
+                              </m:ctrlPr>
+                            </m:sSubPr>
+                            <m:e>
+                              <m:r>
+                                <a:rPr lang="en-US" sz="3600" b="0" i="1" smtClean="0">
+                                  <a:latin typeface="Cambria Math" panose="02040503050406030204" pitchFamily="18" charset="0"/>
+                                </a:rPr>
+                                <m:t>𝑥</m:t>
+                              </m:r>
+                            </m:e>
+                            <m:sub>
+                              <m:r>
+                                <a:rPr lang="en-US" sz="3600" b="0" i="1" smtClean="0">
+                                  <a:latin typeface="Cambria Math" panose="02040503050406030204" pitchFamily="18" charset="0"/>
+                                </a:rPr>
+                                <m:t>2</m:t>
+                              </m:r>
+                            </m:sub>
+                          </m:sSub>
+                        </m:e>
+                      </m:d>
+                      <m:r>
+                        <a:rPr lang="en-US" sz="3600" b="0" i="1" smtClean="0">
+                          <a:latin typeface="Cambria Math" panose="02040503050406030204" pitchFamily="18" charset="0"/>
+                        </a:rPr>
+                        <m:t>=</m:t>
+                      </m:r>
+                      <m:r>
+                        <a:rPr lang="en-US" sz="3600" b="0" i="1" smtClean="0">
+                          <a:latin typeface="Cambria Math" panose="02040503050406030204" pitchFamily="18" charset="0"/>
+                        </a:rPr>
+                        <m:t>𝑓</m:t>
+                      </m:r>
+                      <m:r>
+                        <a:rPr lang="en-US" sz="3600" b="0" i="1" smtClean="0">
+                          <a:latin typeface="Cambria Math" panose="02040503050406030204" pitchFamily="18" charset="0"/>
+                        </a:rPr>
+                        <m:t>(−</m:t>
+                      </m:r>
+                      <m:sSub>
+                        <m:sSubPr>
+                          <m:ctrlPr>
+                            <a:rPr lang="en-US" sz="3600" b="0" i="1" smtClean="0">
+                              <a:latin typeface="Cambria Math" panose="02040503050406030204" pitchFamily="18" charset="0"/>
+                            </a:rPr>
+                          </m:ctrlPr>
+                        </m:sSubPr>
+                        <m:e>
+                          <m:r>
+                            <a:rPr lang="en-US" sz="3600" b="0" i="1" smtClean="0">
+                              <a:latin typeface="Cambria Math" panose="02040503050406030204" pitchFamily="18" charset="0"/>
+                            </a:rPr>
+                            <m:t>𝑥</m:t>
+                          </m:r>
+                        </m:e>
+                        <m:sub>
+                          <m:r>
+                            <a:rPr lang="en-US" sz="3600" b="0" i="1" smtClean="0">
+                              <a:latin typeface="Cambria Math" panose="02040503050406030204" pitchFamily="18" charset="0"/>
+                            </a:rPr>
+                            <m:t>1</m:t>
+                          </m:r>
+                        </m:sub>
+                      </m:sSub>
+                      <m:r>
+                        <a:rPr lang="en-US" sz="3600" b="0" i="1" smtClean="0">
+                          <a:latin typeface="Cambria Math" panose="02040503050406030204" pitchFamily="18" charset="0"/>
+                        </a:rPr>
+                        <m:t>,−</m:t>
+                      </m:r>
+                      <m:sSub>
+                        <m:sSubPr>
+                          <m:ctrlPr>
+                            <a:rPr lang="en-US" sz="3600" b="0" i="1" smtClean="0">
+                              <a:latin typeface="Cambria Math" panose="02040503050406030204" pitchFamily="18" charset="0"/>
+                            </a:rPr>
+                          </m:ctrlPr>
+                        </m:sSubPr>
+                        <m:e>
+                          <m:r>
+                            <a:rPr lang="en-US" sz="3600" b="0" i="1" smtClean="0">
+                              <a:latin typeface="Cambria Math" panose="02040503050406030204" pitchFamily="18" charset="0"/>
+                            </a:rPr>
+                            <m:t>𝑥</m:t>
+                          </m:r>
+                        </m:e>
+                        <m:sub>
+                          <m:r>
+                            <a:rPr lang="en-US" sz="3600" b="0" i="1" smtClean="0">
+                              <a:latin typeface="Cambria Math" panose="02040503050406030204" pitchFamily="18" charset="0"/>
+                            </a:rPr>
+                            <m:t>2</m:t>
+                          </m:r>
+                        </m:sub>
+                      </m:sSub>
+                      <m:r>
+                        <a:rPr lang="en-US" sz="3600" b="0" i="1" smtClean="0">
+                          <a:latin typeface="Cambria Math" panose="02040503050406030204" pitchFamily="18" charset="0"/>
+                        </a:rPr>
+                        <m:t>)</m:t>
+                      </m:r>
+                    </m:oMath>
+                  </m:oMathPara>
+                </a14:m>
+                <a:endParaRPr lang="en-US" sz="3600" dirty="0">
+                  <a:latin typeface="Arial" panose="020B0604020202020204" pitchFamily="34" charset="0"/>
+                  <a:cs typeface="Arial" panose="020B0604020202020204" pitchFamily="34" charset="0"/>
+                </a:endParaRPr>
+              </a:p>
+              <a:p>
+                <a14:m>
+                  <m:oMathPara xmlns:m="http://schemas.openxmlformats.org/officeDocument/2006/math">
+                    <m:oMathParaPr>
+                      <m:jc m:val="centerGroup"/>
+                    </m:oMathParaPr>
+                    <m:oMath xmlns:m="http://schemas.openxmlformats.org/officeDocument/2006/math">
+                      <m:sSub>
+                        <m:sSubPr>
+                          <m:ctrlPr>
+                            <a:rPr lang="en-US" sz="3600" b="0" i="1" smtClean="0">
+                              <a:latin typeface="Cambria Math" panose="02040503050406030204" pitchFamily="18" charset="0"/>
+                            </a:rPr>
+                          </m:ctrlPr>
+                        </m:sSubPr>
+                        <m:e>
+                          <m:r>
+                            <a:rPr lang="en-US" sz="3600" b="0" i="1" smtClean="0">
+                              <a:latin typeface="Cambria Math" panose="02040503050406030204" pitchFamily="18" charset="0"/>
+                            </a:rPr>
+                            <m:t>𝑥</m:t>
+                          </m:r>
+                        </m:e>
+                        <m:sub>
+                          <m:r>
+                            <a:rPr lang="en-US" sz="3600" b="0" i="1" smtClean="0">
+                              <a:latin typeface="Cambria Math" panose="02040503050406030204" pitchFamily="18" charset="0"/>
+                            </a:rPr>
+                            <m:t>2</m:t>
+                          </m:r>
+                        </m:sub>
+                      </m:sSub>
+                      <m:r>
+                        <a:rPr lang="en-US" sz="3600" b="0" i="1" smtClean="0">
+                          <a:latin typeface="Cambria Math" panose="02040503050406030204" pitchFamily="18" charset="0"/>
+                        </a:rPr>
+                        <m:t>&gt;0</m:t>
+                      </m:r>
+                    </m:oMath>
+                  </m:oMathPara>
+                </a14:m>
+                <a:endParaRPr lang="en-US" sz="3600" dirty="0">
+                  <a:latin typeface="Arial" panose="020B0604020202020204" pitchFamily="34" charset="0"/>
+                  <a:cs typeface="Arial" panose="020B0604020202020204" pitchFamily="34" charset="0"/>
+                </a:endParaRPr>
+              </a:p>
+            </p:txBody>
+          </p:sp>
+        </mc:Choice>
+        <mc:Fallback>
+          <p:sp>
+            <p:nvSpPr>
+              <p:cNvPr id="12" name="TextBox 11">
+                <a:extLst>
+                  <a:ext uri="{FF2B5EF4-FFF2-40B4-BE49-F238E27FC236}">
+                    <a16:creationId xmlns:a16="http://schemas.microsoft.com/office/drawing/2014/main" id="{2F41E2FC-A436-41E7-AE2D-8216C81B92F9}"/>
+                  </a:ext>
+                </a:extLst>
+              </p:cNvPr>
+              <p:cNvSpPr txBox="1">
+                <a:spLocks noRot="1" noChangeAspect="1" noMove="1" noResize="1" noEditPoints="1" noAdjustHandles="1" noChangeArrowheads="1" noChangeShapeType="1" noTextEdit="1"/>
+              </p:cNvSpPr>
+              <p:nvPr/>
+            </p:nvSpPr>
+            <p:spPr>
+              <a:xfrm>
+                <a:off x="2851265" y="5057240"/>
+                <a:ext cx="5048498" cy="1200329"/>
+              </a:xfrm>
+              <a:prstGeom prst="rect">
+                <a:avLst/>
+              </a:prstGeom>
+              <a:blipFill>
+                <a:blip r:embed="rId3"/>
+                <a:stretch>
+                  <a:fillRect/>
+                </a:stretch>
+              </a:blipFill>
+            </p:spPr>
+            <p:txBody>
+              <a:bodyPr/>
+              <a:lstStyle/>
+              <a:p>
+                <a:r>
+                  <a:rPr lang="en-US">
+                    <a:noFill/>
+                  </a:rPr>
+                  <a:t> </a:t>
+                </a:r>
+              </a:p>
+            </p:txBody>
+          </p:sp>
+        </mc:Fallback>
+      </mc:AlternateContent>
+    </p:spTree>
+    <p:extLst>
+      <p:ext uri="{BB962C8B-B14F-4D97-AF65-F5344CB8AC3E}">
+        <p14:creationId xmlns:p14="http://schemas.microsoft.com/office/powerpoint/2010/main" val="2316556483"/>
+      </p:ext>
+    </p:extLst>
+  </p:cSld>
+  <p:clrMapOvr>
+    <a:masterClrMapping/>
+  </p:clrMapOvr>
+</p:sld>
+</file>
+
+<file path=ppt/slides/slide12.xml><?xml version="1.0" encoding="utf-8"?>
 <p:sld xmlns:a="http://schemas.openxmlformats.org/drawingml/2006/main" xmlns:r="http://schemas.openxmlformats.org/officeDocument/2006/relationships" xmlns:p="http://schemas.openxmlformats.org/presentationml/2006/main">
   <p:cSld>
     <p:spTree>
@@ -3925,8 +4793,8 @@
           </a:prstGeom>
         </p:spPr>
       </p:pic>
-      <mc:AlternateContent xmlns:mc="http://schemas.openxmlformats.org/markup-compatibility/2006">
-        <mc:Choice xmlns:a14="http://schemas.microsoft.com/office/drawing/2010/main" Requires="a14">
+      <mc:AlternateContent xmlns:mc="http://schemas.openxmlformats.org/markup-compatibility/2006" xmlns:a14="http://schemas.microsoft.com/office/drawing/2010/main">
+        <mc:Choice Requires="a14">
           <p:sp>
             <p:nvSpPr>
               <p:cNvPr id="5" name="TextBox 4">
@@ -4228,7 +5096,7 @@
             </p:txBody>
           </p:sp>
         </mc:Choice>
-        <mc:Fallback>
+        <mc:Fallback xmlns="">
           <p:sp>
             <p:nvSpPr>
               <p:cNvPr id="5" name="TextBox 4">
@@ -4381,8 +5249,8 @@
             </a:fontRef>
           </p:style>
         </p:cxnSp>
-        <mc:AlternateContent xmlns:mc="http://schemas.openxmlformats.org/markup-compatibility/2006">
-          <mc:Choice xmlns:a14="http://schemas.microsoft.com/office/drawing/2010/main" Requires="a14">
+        <mc:AlternateContent xmlns:mc="http://schemas.openxmlformats.org/markup-compatibility/2006" xmlns:a14="http://schemas.microsoft.com/office/drawing/2010/main">
+          <mc:Choice Requires="a14">
             <p:sp>
               <p:nvSpPr>
                 <p:cNvPr id="12" name="TextBox 11">
@@ -4551,7 +5419,7 @@
               </p:txBody>
             </p:sp>
           </mc:Choice>
-          <mc:Fallback>
+          <mc:Fallback xmlns="">
             <p:sp>
               <p:nvSpPr>
                 <p:cNvPr id="12" name="TextBox 11">
@@ -4756,7 +5624,7 @@
 </p:sld>
 </file>
 
-<file path=ppt/slides/slide11.xml><?xml version="1.0" encoding="utf-8"?>
+<file path=ppt/slides/slide13.xml><?xml version="1.0" encoding="utf-8"?>
 <p:sld xmlns:a="http://schemas.openxmlformats.org/drawingml/2006/main" xmlns:r="http://schemas.openxmlformats.org/officeDocument/2006/relationships" xmlns:p="http://schemas.openxmlformats.org/presentationml/2006/main">
   <p:cSld>
     <p:spTree>
@@ -4836,8 +5704,8 @@
           </a:prstGeom>
         </p:spPr>
       </p:pic>
-      <mc:AlternateContent xmlns:mc="http://schemas.openxmlformats.org/markup-compatibility/2006">
-        <mc:Choice xmlns:a14="http://schemas.microsoft.com/office/drawing/2010/main" Requires="a14">
+      <mc:AlternateContent xmlns:mc="http://schemas.openxmlformats.org/markup-compatibility/2006" xmlns:a14="http://schemas.microsoft.com/office/drawing/2010/main">
+        <mc:Choice Requires="a14">
           <p:sp>
             <p:nvSpPr>
               <p:cNvPr id="5" name="TextBox 4">
@@ -5139,7 +6007,7 @@
             </p:txBody>
           </p:sp>
         </mc:Choice>
-        <mc:Fallback>
+        <mc:Fallback xmlns="">
           <p:sp>
             <p:nvSpPr>
               <p:cNvPr id="5" name="TextBox 4">
@@ -5292,8 +6160,8 @@
             </a:fontRef>
           </p:style>
         </p:cxnSp>
-        <mc:AlternateContent xmlns:mc="http://schemas.openxmlformats.org/markup-compatibility/2006">
-          <mc:Choice xmlns:a14="http://schemas.microsoft.com/office/drawing/2010/main" Requires="a14">
+        <mc:AlternateContent xmlns:mc="http://schemas.openxmlformats.org/markup-compatibility/2006" xmlns:a14="http://schemas.microsoft.com/office/drawing/2010/main">
+          <mc:Choice Requires="a14">
             <p:sp>
               <p:nvSpPr>
                 <p:cNvPr id="9" name="TextBox 8">
@@ -5431,7 +6299,7 @@
               </p:txBody>
             </p:sp>
           </mc:Choice>
-          <mc:Fallback>
+          <mc:Fallback xmlns="">
             <p:sp>
               <p:nvSpPr>
                 <p:cNvPr id="9" name="TextBox 8">
@@ -5636,7 +6504,7 @@
 </p:sld>
 </file>
 
-<file path=ppt/slides/slide12.xml><?xml version="1.0" encoding="utf-8"?>
+<file path=ppt/slides/slide14.xml><?xml version="1.0" encoding="utf-8"?>
 <p:sld xmlns:a="http://schemas.openxmlformats.org/drawingml/2006/main" xmlns:r="http://schemas.openxmlformats.org/officeDocument/2006/relationships" xmlns:p="http://schemas.openxmlformats.org/presentationml/2006/main">
   <p:cSld>
     <p:spTree>
@@ -5716,6 +6584,1332 @@
           </a:prstGeom>
         </p:spPr>
       </p:pic>
+      <p:grpSp>
+        <p:nvGrpSpPr>
+          <p:cNvPr id="5" name="Group 4">
+            <a:extLst>
+              <a:ext uri="{FF2B5EF4-FFF2-40B4-BE49-F238E27FC236}">
+                <a16:creationId xmlns:a16="http://schemas.microsoft.com/office/drawing/2014/main" id="{8D66B773-171C-4D9D-8028-0884111CE3FE}"/>
+              </a:ext>
+            </a:extLst>
+          </p:cNvPr>
+          <p:cNvGrpSpPr/>
+          <p:nvPr/>
+        </p:nvGrpSpPr>
+        <p:grpSpPr>
+          <a:xfrm>
+            <a:off x="1591664" y="4295452"/>
+            <a:ext cx="3197612" cy="1439375"/>
+            <a:chOff x="764881" y="3756214"/>
+            <a:chExt cx="3197612" cy="1439375"/>
+          </a:xfrm>
+        </p:grpSpPr>
+        <p:sp>
+          <p:nvSpPr>
+            <p:cNvPr id="6" name="Oval 5">
+              <a:extLst>
+                <a:ext uri="{FF2B5EF4-FFF2-40B4-BE49-F238E27FC236}">
+                  <a16:creationId xmlns:a16="http://schemas.microsoft.com/office/drawing/2014/main" id="{84F2ABFA-B137-47C8-899E-A659E2FD3F5B}"/>
+                </a:ext>
+              </a:extLst>
+            </p:cNvPr>
+            <p:cNvSpPr/>
+            <p:nvPr/>
+          </p:nvSpPr>
+          <p:spPr>
+            <a:xfrm>
+              <a:off x="1065760" y="4348162"/>
+              <a:ext cx="267393" cy="257175"/>
+            </a:xfrm>
+            <a:prstGeom prst="ellipse">
+              <a:avLst/>
+            </a:prstGeom>
+          </p:spPr>
+          <p:style>
+            <a:lnRef idx="2">
+              <a:schemeClr val="accent1">
+                <a:shade val="50000"/>
+              </a:schemeClr>
+            </a:lnRef>
+            <a:fillRef idx="1">
+              <a:schemeClr val="accent1"/>
+            </a:fillRef>
+            <a:effectRef idx="0">
+              <a:schemeClr val="accent1"/>
+            </a:effectRef>
+            <a:fontRef idx="minor">
+              <a:schemeClr val="lt1"/>
+            </a:fontRef>
+          </p:style>
+          <p:txBody>
+            <a:bodyPr rtlCol="0" anchor="ctr"/>
+            <a:lstStyle/>
+            <a:p>
+              <a:pPr algn="ctr"/>
+              <a:endParaRPr lang="en-US"/>
+            </a:p>
+          </p:txBody>
+        </p:sp>
+        <p:cxnSp>
+          <p:nvCxnSpPr>
+            <p:cNvPr id="7" name="Straight Arrow Connector 6">
+              <a:extLst>
+                <a:ext uri="{FF2B5EF4-FFF2-40B4-BE49-F238E27FC236}">
+                  <a16:creationId xmlns:a16="http://schemas.microsoft.com/office/drawing/2014/main" id="{2750F83E-9229-462E-B3C8-760636CA3B50}"/>
+                </a:ext>
+              </a:extLst>
+            </p:cNvPr>
+            <p:cNvCxnSpPr/>
+            <p:nvPr/>
+          </p:nvCxnSpPr>
+          <p:spPr>
+            <a:xfrm>
+              <a:off x="1199456" y="4476749"/>
+              <a:ext cx="1277044" cy="0"/>
+            </a:xfrm>
+            <a:prstGeom prst="straightConnector1">
+              <a:avLst/>
+            </a:prstGeom>
+            <a:ln w="25400">
+              <a:solidFill>
+                <a:schemeClr val="tx1"/>
+              </a:solidFill>
+              <a:tailEnd type="triangle"/>
+            </a:ln>
+          </p:spPr>
+          <p:style>
+            <a:lnRef idx="1">
+              <a:schemeClr val="accent1"/>
+            </a:lnRef>
+            <a:fillRef idx="0">
+              <a:schemeClr val="accent1"/>
+            </a:fillRef>
+            <a:effectRef idx="0">
+              <a:schemeClr val="accent1"/>
+            </a:effectRef>
+            <a:fontRef idx="minor">
+              <a:schemeClr val="tx1"/>
+            </a:fontRef>
+          </p:style>
+        </p:cxnSp>
+        <p:cxnSp>
+          <p:nvCxnSpPr>
+            <p:cNvPr id="8" name="Straight Connector 7">
+              <a:extLst>
+                <a:ext uri="{FF2B5EF4-FFF2-40B4-BE49-F238E27FC236}">
+                  <a16:creationId xmlns:a16="http://schemas.microsoft.com/office/drawing/2014/main" id="{D176DD84-209A-45A1-9167-FFB72B5C82CF}"/>
+                </a:ext>
+              </a:extLst>
+            </p:cNvPr>
+            <p:cNvCxnSpPr/>
+            <p:nvPr/>
+          </p:nvCxnSpPr>
+          <p:spPr>
+            <a:xfrm flipH="1">
+              <a:off x="2400300" y="4348162"/>
+              <a:ext cx="209550" cy="257175"/>
+            </a:xfrm>
+            <a:prstGeom prst="line">
+              <a:avLst/>
+            </a:prstGeom>
+            <a:ln w="38100"/>
+          </p:spPr>
+          <p:style>
+            <a:lnRef idx="1">
+              <a:schemeClr val="dk1"/>
+            </a:lnRef>
+            <a:fillRef idx="0">
+              <a:schemeClr val="dk1"/>
+            </a:fillRef>
+            <a:effectRef idx="0">
+              <a:schemeClr val="dk1"/>
+            </a:effectRef>
+            <a:fontRef idx="minor">
+              <a:schemeClr val="tx1"/>
+            </a:fontRef>
+          </p:style>
+        </p:cxnSp>
+        <p:cxnSp>
+          <p:nvCxnSpPr>
+            <p:cNvPr id="9" name="Straight Connector 8">
+              <a:extLst>
+                <a:ext uri="{FF2B5EF4-FFF2-40B4-BE49-F238E27FC236}">
+                  <a16:creationId xmlns:a16="http://schemas.microsoft.com/office/drawing/2014/main" id="{BC8180CC-15FE-46EF-B906-07ADACD39EBE}"/>
+                </a:ext>
+              </a:extLst>
+            </p:cNvPr>
+            <p:cNvCxnSpPr>
+              <a:cxnSpLocks/>
+            </p:cNvCxnSpPr>
+            <p:nvPr/>
+          </p:nvCxnSpPr>
+          <p:spPr>
+            <a:xfrm>
+              <a:off x="2400300" y="4348162"/>
+              <a:ext cx="209550" cy="257175"/>
+            </a:xfrm>
+            <a:prstGeom prst="line">
+              <a:avLst/>
+            </a:prstGeom>
+            <a:ln w="38100"/>
+          </p:spPr>
+          <p:style>
+            <a:lnRef idx="1">
+              <a:schemeClr val="dk1"/>
+            </a:lnRef>
+            <a:fillRef idx="0">
+              <a:schemeClr val="dk1"/>
+            </a:fillRef>
+            <a:effectRef idx="0">
+              <a:schemeClr val="dk1"/>
+            </a:effectRef>
+            <a:fontRef idx="minor">
+              <a:schemeClr val="tx1"/>
+            </a:fontRef>
+          </p:style>
+        </p:cxnSp>
+        <p:sp>
+          <p:nvSpPr>
+            <p:cNvPr id="10" name="TextBox 9">
+              <a:extLst>
+                <a:ext uri="{FF2B5EF4-FFF2-40B4-BE49-F238E27FC236}">
+                  <a16:creationId xmlns:a16="http://schemas.microsoft.com/office/drawing/2014/main" id="{C7ABBA0C-F81C-43DF-BD8A-27B5E06092B5}"/>
+                </a:ext>
+              </a:extLst>
+            </p:cNvPr>
+            <p:cNvSpPr txBox="1"/>
+            <p:nvPr/>
+          </p:nvSpPr>
+          <p:spPr>
+            <a:xfrm>
+              <a:off x="764881" y="4733924"/>
+              <a:ext cx="869149" cy="461665"/>
+            </a:xfrm>
+            <a:prstGeom prst="rect">
+              <a:avLst/>
+            </a:prstGeom>
+            <a:noFill/>
+          </p:spPr>
+          <p:txBody>
+            <a:bodyPr wrap="none" rtlCol="0">
+              <a:spAutoFit/>
+            </a:bodyPr>
+            <a:lstStyle/>
+            <a:p>
+              <a:r>
+                <a:rPr lang="en-US" sz="2400" dirty="0">
+                  <a:latin typeface="Arial" panose="020B0604020202020204" pitchFamily="34" charset="0"/>
+                  <a:cs typeface="Arial" panose="020B0604020202020204" pitchFamily="34" charset="0"/>
+                </a:rPr>
+                <a:t>atom</a:t>
+              </a:r>
+            </a:p>
+          </p:txBody>
+        </p:sp>
+        <mc:AlternateContent xmlns:mc="http://schemas.openxmlformats.org/markup-compatibility/2006">
+          <mc:Choice xmlns:a14="http://schemas.microsoft.com/office/drawing/2010/main" Requires="a14">
+            <p:sp>
+              <p:nvSpPr>
+                <p:cNvPr id="11" name="TextBox 10">
+                  <a:extLst>
+                    <a:ext uri="{FF2B5EF4-FFF2-40B4-BE49-F238E27FC236}">
+                      <a16:creationId xmlns:a16="http://schemas.microsoft.com/office/drawing/2014/main" id="{D5B9ED65-8688-46EC-963D-06E7F6B8E306}"/>
+                    </a:ext>
+                  </a:extLst>
+                </p:cNvPr>
+                <p:cNvSpPr txBox="1"/>
+                <p:nvPr/>
+              </p:nvSpPr>
+              <p:spPr>
+                <a:xfrm>
+                  <a:off x="2070500" y="4733924"/>
+                  <a:ext cx="1891993" cy="461665"/>
+                </a:xfrm>
+                <a:prstGeom prst="rect">
+                  <a:avLst/>
+                </a:prstGeom>
+                <a:noFill/>
+              </p:spPr>
+              <p:txBody>
+                <a:bodyPr wrap="none" rtlCol="0">
+                  <a:spAutoFit/>
+                </a:bodyPr>
+                <a:lstStyle/>
+                <a:p>
+                  <a:r>
+                    <a:rPr lang="en-US" sz="2400" dirty="0">
+                      <a:latin typeface="Arial" panose="020B0604020202020204" pitchFamily="34" charset="0"/>
+                      <a:cs typeface="Arial" panose="020B0604020202020204" pitchFamily="34" charset="0"/>
+                    </a:rPr>
+                    <a:t>field point </a:t>
+                  </a:r>
+                  <a14:m>
+                    <m:oMath xmlns:m="http://schemas.openxmlformats.org/officeDocument/2006/math">
+                      <m:sSub>
+                        <m:sSubPr>
+                          <m:ctrlPr>
+                            <a:rPr lang="en-US" sz="2400" b="0" i="1" smtClean="0">
+                              <a:latin typeface="Cambria Math" panose="02040503050406030204" pitchFamily="18" charset="0"/>
+                              <a:cs typeface="Arial" panose="020B0604020202020204" pitchFamily="34" charset="0"/>
+                            </a:rPr>
+                          </m:ctrlPr>
+                        </m:sSubPr>
+                        <m:e>
+                          <m:r>
+                            <a:rPr lang="en-US" sz="2400" b="0" i="1" smtClean="0">
+                              <a:latin typeface="Cambria Math" panose="02040503050406030204" pitchFamily="18" charset="0"/>
+                              <a:cs typeface="Arial" panose="020B0604020202020204" pitchFamily="34" charset="0"/>
+                            </a:rPr>
+                            <m:t>𝑥</m:t>
+                          </m:r>
+                        </m:e>
+                        <m:sub>
+                          <m:r>
+                            <a:rPr lang="en-US" sz="2400" b="0" i="1" smtClean="0">
+                              <a:latin typeface="Cambria Math" panose="02040503050406030204" pitchFamily="18" charset="0"/>
+                              <a:cs typeface="Arial" panose="020B0604020202020204" pitchFamily="34" charset="0"/>
+                            </a:rPr>
+                            <m:t>2</m:t>
+                          </m:r>
+                        </m:sub>
+                      </m:sSub>
+                    </m:oMath>
+                  </a14:m>
+                  <a:endParaRPr lang="en-US" sz="2400" dirty="0">
+                    <a:latin typeface="Arial" panose="020B0604020202020204" pitchFamily="34" charset="0"/>
+                    <a:cs typeface="Arial" panose="020B0604020202020204" pitchFamily="34" charset="0"/>
+                  </a:endParaRPr>
+                </a:p>
+              </p:txBody>
+            </p:sp>
+          </mc:Choice>
+          <mc:Fallback>
+            <p:sp>
+              <p:nvSpPr>
+                <p:cNvPr id="11" name="TextBox 10">
+                  <a:extLst>
+                    <a:ext uri="{FF2B5EF4-FFF2-40B4-BE49-F238E27FC236}">
+                      <a16:creationId xmlns:a16="http://schemas.microsoft.com/office/drawing/2014/main" id="{D5B9ED65-8688-46EC-963D-06E7F6B8E306}"/>
+                    </a:ext>
+                  </a:extLst>
+                </p:cNvPr>
+                <p:cNvSpPr txBox="1">
+                  <a:spLocks noRot="1" noChangeAspect="1" noMove="1" noResize="1" noEditPoints="1" noAdjustHandles="1" noChangeArrowheads="1" noChangeShapeType="1" noTextEdit="1"/>
+                </p:cNvSpPr>
+                <p:nvPr/>
+              </p:nvSpPr>
+              <p:spPr>
+                <a:xfrm>
+                  <a:off x="2070500" y="4733924"/>
+                  <a:ext cx="1891993" cy="461665"/>
+                </a:xfrm>
+                <a:prstGeom prst="rect">
+                  <a:avLst/>
+                </a:prstGeom>
+                <a:blipFill>
+                  <a:blip r:embed="rId4"/>
+                  <a:stretch>
+                    <a:fillRect l="-4823" t="-9211" b="-30263"/>
+                  </a:stretch>
+                </a:blipFill>
+              </p:spPr>
+              <p:txBody>
+                <a:bodyPr/>
+                <a:lstStyle/>
+                <a:p>
+                  <a:r>
+                    <a:rPr lang="en-US">
+                      <a:noFill/>
+                    </a:rPr>
+                    <a:t> </a:t>
+                  </a:r>
+                </a:p>
+              </p:txBody>
+            </p:sp>
+          </mc:Fallback>
+        </mc:AlternateContent>
+        <mc:AlternateContent xmlns:mc="http://schemas.openxmlformats.org/markup-compatibility/2006" xmlns:a14="http://schemas.microsoft.com/office/drawing/2010/main">
+          <mc:Choice Requires="a14">
+            <p:sp>
+              <p:nvSpPr>
+                <p:cNvPr id="12" name="TextBox 11">
+                  <a:extLst>
+                    <a:ext uri="{FF2B5EF4-FFF2-40B4-BE49-F238E27FC236}">
+                      <a16:creationId xmlns:a16="http://schemas.microsoft.com/office/drawing/2014/main" id="{E93A3E79-3371-4FC7-909C-8C862995B17D}"/>
+                    </a:ext>
+                  </a:extLst>
+                </p:cNvPr>
+                <p:cNvSpPr txBox="1"/>
+                <p:nvPr/>
+              </p:nvSpPr>
+              <p:spPr>
+                <a:xfrm>
+                  <a:off x="2023594" y="3756214"/>
+                  <a:ext cx="753411" cy="523220"/>
+                </a:xfrm>
+                <a:prstGeom prst="rect">
+                  <a:avLst/>
+                </a:prstGeom>
+                <a:noFill/>
+              </p:spPr>
+              <p:txBody>
+                <a:bodyPr wrap="none" rtlCol="0">
+                  <a:spAutoFit/>
+                </a:bodyPr>
+                <a:lstStyle/>
+                <a:p>
+                  <a:pPr/>
+                  <a14:m>
+                    <m:oMathPara xmlns:m="http://schemas.openxmlformats.org/officeDocument/2006/math">
+                      <m:oMathParaPr>
+                        <m:jc m:val="centerGroup"/>
+                      </m:oMathParaPr>
+                      <m:oMath xmlns:m="http://schemas.openxmlformats.org/officeDocument/2006/math">
+                        <m:r>
+                          <a:rPr lang="en-US" sz="2800" b="0" i="1" smtClean="0">
+                            <a:latin typeface="Cambria Math" panose="02040503050406030204" pitchFamily="18" charset="0"/>
+                            <a:cs typeface="Arial" panose="020B0604020202020204" pitchFamily="34" charset="0"/>
+                          </a:rPr>
+                          <m:t>+</m:t>
+                        </m:r>
+                        <m:r>
+                          <a:rPr lang="en-US" sz="2800" b="0" i="1" smtClean="0">
+                            <a:latin typeface="Cambria Math" panose="02040503050406030204" pitchFamily="18" charset="0"/>
+                            <a:cs typeface="Arial" panose="020B0604020202020204" pitchFamily="34" charset="0"/>
+                          </a:rPr>
+                          <m:t>𝑥</m:t>
+                        </m:r>
+                      </m:oMath>
+                    </m:oMathPara>
+                  </a14:m>
+                  <a:endParaRPr lang="en-US" sz="2800" dirty="0">
+                    <a:latin typeface="Arial" panose="020B0604020202020204" pitchFamily="34" charset="0"/>
+                    <a:cs typeface="Arial" panose="020B0604020202020204" pitchFamily="34" charset="0"/>
+                  </a:endParaRPr>
+                </a:p>
+              </p:txBody>
+            </p:sp>
+          </mc:Choice>
+          <mc:Fallback xmlns="">
+            <p:sp>
+              <p:nvSpPr>
+                <p:cNvPr id="51" name="TextBox 50">
+                  <a:extLst>
+                    <a:ext uri="{FF2B5EF4-FFF2-40B4-BE49-F238E27FC236}">
+                      <a16:creationId xmlns:a16="http://schemas.microsoft.com/office/drawing/2014/main" id="{23D09E34-F81D-4469-8E8B-6B37F50297A7}"/>
+                    </a:ext>
+                  </a:extLst>
+                </p:cNvPr>
+                <p:cNvSpPr txBox="1">
+                  <a:spLocks noRot="1" noChangeAspect="1" noMove="1" noResize="1" noEditPoints="1" noAdjustHandles="1" noChangeArrowheads="1" noChangeShapeType="1" noTextEdit="1"/>
+                </p:cNvSpPr>
+                <p:nvPr/>
+              </p:nvSpPr>
+              <p:spPr>
+                <a:xfrm>
+                  <a:off x="2023594" y="3756214"/>
+                  <a:ext cx="753411" cy="523220"/>
+                </a:xfrm>
+                <a:prstGeom prst="rect">
+                  <a:avLst/>
+                </a:prstGeom>
+                <a:blipFill>
+                  <a:blip r:embed="rId5"/>
+                  <a:stretch>
+                    <a:fillRect/>
+                  </a:stretch>
+                </a:blipFill>
+              </p:spPr>
+              <p:txBody>
+                <a:bodyPr/>
+                <a:lstStyle/>
+                <a:p>
+                  <a:r>
+                    <a:rPr lang="en-US">
+                      <a:noFill/>
+                    </a:rPr>
+                    <a:t> </a:t>
+                  </a:r>
+                </a:p>
+              </p:txBody>
+            </p:sp>
+          </mc:Fallback>
+        </mc:AlternateContent>
+      </p:grpSp>
+      <p:pic>
+        <p:nvPicPr>
+          <p:cNvPr id="13" name="Picture 12">
+            <a:extLst>
+              <a:ext uri="{FF2B5EF4-FFF2-40B4-BE49-F238E27FC236}">
+                <a16:creationId xmlns:a16="http://schemas.microsoft.com/office/drawing/2014/main" id="{2CE3E887-6C1A-4A98-8678-3C2A40481487}"/>
+              </a:ext>
+            </a:extLst>
+          </p:cNvPr>
+          <p:cNvPicPr>
+            <a:picLocks noChangeAspect="1"/>
+          </p:cNvPicPr>
+          <p:nvPr/>
+        </p:nvPicPr>
+        <p:blipFill>
+          <a:blip r:embed="rId6"/>
+          <a:stretch>
+            <a:fillRect/>
+          </a:stretch>
+        </p:blipFill>
+        <p:spPr>
+          <a:xfrm>
+            <a:off x="5881333" y="2960550"/>
+            <a:ext cx="2418138" cy="764096"/>
+          </a:xfrm>
+          <a:prstGeom prst="rect">
+            <a:avLst/>
+          </a:prstGeom>
+        </p:spPr>
+      </p:pic>
+      <p:sp>
+        <p:nvSpPr>
+          <p:cNvPr id="14" name="TextBox 13">
+            <a:extLst>
+              <a:ext uri="{FF2B5EF4-FFF2-40B4-BE49-F238E27FC236}">
+                <a16:creationId xmlns:a16="http://schemas.microsoft.com/office/drawing/2014/main" id="{9A7695CE-A574-46E7-A5F2-217FEDBE030E}"/>
+              </a:ext>
+            </a:extLst>
+          </p:cNvPr>
+          <p:cNvSpPr txBox="1"/>
+          <p:nvPr/>
+        </p:nvSpPr>
+        <p:spPr>
+          <a:xfrm>
+            <a:off x="1856838" y="3095565"/>
+            <a:ext cx="3985386" cy="523220"/>
+          </a:xfrm>
+          <a:prstGeom prst="rect">
+            <a:avLst/>
+          </a:prstGeom>
+          <a:noFill/>
+        </p:spPr>
+        <p:txBody>
+          <a:bodyPr wrap="none" rtlCol="0">
+            <a:spAutoFit/>
+          </a:bodyPr>
+          <a:lstStyle/>
+          <a:p>
+            <a:r>
+              <a:rPr lang="en-US" sz="2800" dirty="0">
+                <a:latin typeface="Arial" panose="020B0604020202020204" pitchFamily="34" charset="0"/>
+                <a:cs typeface="Arial" panose="020B0604020202020204" pitchFamily="34" charset="0"/>
+              </a:rPr>
+              <a:t>drop the incoming wave</a:t>
+            </a:r>
+          </a:p>
+        </p:txBody>
+      </p:sp>
+      <p:grpSp>
+        <p:nvGrpSpPr>
+          <p:cNvPr id="15" name="Group 14">
+            <a:extLst>
+              <a:ext uri="{FF2B5EF4-FFF2-40B4-BE49-F238E27FC236}">
+                <a16:creationId xmlns:a16="http://schemas.microsoft.com/office/drawing/2014/main" id="{37C2A86B-A989-4A0A-8CB5-478099ECD56F}"/>
+              </a:ext>
+            </a:extLst>
+          </p:cNvPr>
+          <p:cNvGrpSpPr/>
+          <p:nvPr/>
+        </p:nvGrpSpPr>
+        <p:grpSpPr>
+          <a:xfrm>
+            <a:off x="5126889" y="3914725"/>
+            <a:ext cx="6493776" cy="2817410"/>
+            <a:chOff x="939335" y="289674"/>
+            <a:chExt cx="7838825" cy="3665261"/>
+          </a:xfrm>
+        </p:grpSpPr>
+        <p:cxnSp>
+          <p:nvCxnSpPr>
+            <p:cNvPr id="16" name="Straight Arrow Connector 15">
+              <a:extLst>
+                <a:ext uri="{FF2B5EF4-FFF2-40B4-BE49-F238E27FC236}">
+                  <a16:creationId xmlns:a16="http://schemas.microsoft.com/office/drawing/2014/main" id="{BC3E47F3-54A9-4578-AAC0-B3B0A547DDFD}"/>
+                </a:ext>
+              </a:extLst>
+            </p:cNvPr>
+            <p:cNvCxnSpPr>
+              <a:cxnSpLocks/>
+            </p:cNvCxnSpPr>
+            <p:nvPr/>
+          </p:nvCxnSpPr>
+          <p:spPr>
+            <a:xfrm flipV="1">
+              <a:off x="939335" y="2054006"/>
+              <a:ext cx="5865542" cy="13506"/>
+            </a:xfrm>
+            <a:prstGeom prst="straightConnector1">
+              <a:avLst/>
+            </a:prstGeom>
+            <a:ln w="38100">
+              <a:solidFill>
+                <a:schemeClr val="tx1"/>
+              </a:solidFill>
+              <a:tailEnd type="triangle"/>
+            </a:ln>
+          </p:spPr>
+          <p:style>
+            <a:lnRef idx="1">
+              <a:schemeClr val="accent1"/>
+            </a:lnRef>
+            <a:fillRef idx="0">
+              <a:schemeClr val="accent1"/>
+            </a:fillRef>
+            <a:effectRef idx="0">
+              <a:schemeClr val="accent1"/>
+            </a:effectRef>
+            <a:fontRef idx="minor">
+              <a:schemeClr val="tx1"/>
+            </a:fontRef>
+          </p:style>
+        </p:cxnSp>
+        <p:cxnSp>
+          <p:nvCxnSpPr>
+            <p:cNvPr id="17" name="Straight Arrow Connector 16">
+              <a:extLst>
+                <a:ext uri="{FF2B5EF4-FFF2-40B4-BE49-F238E27FC236}">
+                  <a16:creationId xmlns:a16="http://schemas.microsoft.com/office/drawing/2014/main" id="{02CA1E8D-DC04-4467-8E0F-222B4A01F35C}"/>
+                </a:ext>
+              </a:extLst>
+            </p:cNvPr>
+            <p:cNvCxnSpPr>
+              <a:cxnSpLocks/>
+            </p:cNvCxnSpPr>
+            <p:nvPr/>
+          </p:nvCxnSpPr>
+          <p:spPr>
+            <a:xfrm flipV="1">
+              <a:off x="3823784" y="573251"/>
+              <a:ext cx="0" cy="3381684"/>
+            </a:xfrm>
+            <a:prstGeom prst="straightConnector1">
+              <a:avLst/>
+            </a:prstGeom>
+            <a:ln w="38100">
+              <a:solidFill>
+                <a:schemeClr val="tx1"/>
+              </a:solidFill>
+              <a:tailEnd type="triangle"/>
+            </a:ln>
+          </p:spPr>
+          <p:style>
+            <a:lnRef idx="1">
+              <a:schemeClr val="accent1"/>
+            </a:lnRef>
+            <a:fillRef idx="0">
+              <a:schemeClr val="accent1"/>
+            </a:fillRef>
+            <a:effectRef idx="0">
+              <a:schemeClr val="accent1"/>
+            </a:effectRef>
+            <a:fontRef idx="minor">
+              <a:schemeClr val="tx1"/>
+            </a:fontRef>
+          </p:style>
+        </p:cxnSp>
+        <p:grpSp>
+          <p:nvGrpSpPr>
+            <p:cNvPr id="18" name="Group 17">
+              <a:extLst>
+                <a:ext uri="{FF2B5EF4-FFF2-40B4-BE49-F238E27FC236}">
+                  <a16:creationId xmlns:a16="http://schemas.microsoft.com/office/drawing/2014/main" id="{00A43F9D-12F4-467F-BB2F-BFA10C352410}"/>
+                </a:ext>
+              </a:extLst>
+            </p:cNvPr>
+            <p:cNvGrpSpPr/>
+            <p:nvPr/>
+          </p:nvGrpSpPr>
+          <p:grpSpPr>
+            <a:xfrm>
+              <a:off x="1669412" y="289674"/>
+              <a:ext cx="7108748" cy="3555677"/>
+              <a:chOff x="1669412" y="289674"/>
+              <a:chExt cx="7108748" cy="3555677"/>
+            </a:xfrm>
+          </p:grpSpPr>
+          <mc:AlternateContent xmlns:mc="http://schemas.openxmlformats.org/markup-compatibility/2006">
+            <mc:Choice xmlns:a14="http://schemas.microsoft.com/office/drawing/2010/main" Requires="a14">
+              <p:sp>
+                <p:nvSpPr>
+                  <p:cNvPr id="19" name="TextBox 18">
+                    <a:extLst>
+                      <a:ext uri="{FF2B5EF4-FFF2-40B4-BE49-F238E27FC236}">
+                        <a16:creationId xmlns:a16="http://schemas.microsoft.com/office/drawing/2014/main" id="{9641CE34-B2C8-4E83-8D43-85CAA1545AD2}"/>
+                      </a:ext>
+                    </a:extLst>
+                  </p:cNvPr>
+                  <p:cNvSpPr txBox="1"/>
+                  <p:nvPr/>
+                </p:nvSpPr>
+                <p:spPr>
+                  <a:xfrm>
+                    <a:off x="4463556" y="1179054"/>
+                    <a:ext cx="3653436" cy="627671"/>
+                  </a:xfrm>
+                  <a:prstGeom prst="rect">
+                    <a:avLst/>
+                  </a:prstGeom>
+                  <a:noFill/>
+                </p:spPr>
+                <p:txBody>
+                  <a:bodyPr wrap="none" rtlCol="0">
+                    <a:spAutoFit/>
+                  </a:bodyPr>
+                  <a:lstStyle/>
+                  <a:p>
+                    <a:r>
+                      <a:rPr lang="en-US" sz="2400" dirty="0"/>
+                      <a:t>pole: </a:t>
+                    </a:r>
+                    <a14:m>
+                      <m:oMath xmlns:m="http://schemas.openxmlformats.org/officeDocument/2006/math">
+                        <m:sSub>
+                          <m:sSubPr>
+                            <m:ctrlPr>
+                              <a:rPr lang="en-US" sz="2400" b="0" i="1" smtClean="0">
+                                <a:latin typeface="Cambria Math" panose="02040503050406030204" pitchFamily="18" charset="0"/>
+                              </a:rPr>
+                            </m:ctrlPr>
+                          </m:sSubPr>
+                          <m:e>
+                            <m:r>
+                              <a:rPr lang="en-US" sz="2400" b="0" i="1" smtClean="0">
+                                <a:latin typeface="Cambria Math" panose="02040503050406030204" pitchFamily="18" charset="0"/>
+                              </a:rPr>
+                              <m:t>𝑞</m:t>
+                            </m:r>
+                          </m:e>
+                          <m:sub>
+                            <m:r>
+                              <a:rPr lang="en-US" sz="2400" b="0" i="1" smtClean="0">
+                                <a:latin typeface="Cambria Math" panose="02040503050406030204" pitchFamily="18" charset="0"/>
+                              </a:rPr>
+                              <m:t>2</m:t>
+                            </m:r>
+                          </m:sub>
+                        </m:sSub>
+                        <m:r>
+                          <a:rPr lang="en-US" sz="2400" b="0" i="1" smtClean="0">
+                            <a:latin typeface="Cambria Math" panose="02040503050406030204" pitchFamily="18" charset="0"/>
+                          </a:rPr>
+                          <m:t>=</m:t>
+                        </m:r>
+                        <m:sSub>
+                          <m:sSubPr>
+                            <m:ctrlPr>
+                              <a:rPr lang="en-US" sz="2400" b="0" i="1" smtClean="0">
+                                <a:latin typeface="Cambria Math" panose="02040503050406030204" pitchFamily="18" charset="0"/>
+                              </a:rPr>
+                            </m:ctrlPr>
+                          </m:sSubPr>
+                          <m:e>
+                            <m:r>
+                              <a:rPr lang="en-US" sz="2400" b="0" i="1" smtClean="0">
+                                <a:latin typeface="Cambria Math" panose="02040503050406030204" pitchFamily="18" charset="0"/>
+                              </a:rPr>
+                              <m:t>𝜔</m:t>
+                            </m:r>
+                          </m:e>
+                          <m:sub>
+                            <m:r>
+                              <a:rPr lang="en-US" sz="2400" b="0" i="1" smtClean="0">
+                                <a:latin typeface="Cambria Math" panose="02040503050406030204" pitchFamily="18" charset="0"/>
+                              </a:rPr>
+                              <m:t>𝑎𝑐</m:t>
+                            </m:r>
+                          </m:sub>
+                        </m:sSub>
+                        <m:r>
+                          <a:rPr lang="en-US" sz="2400" b="0" i="1" smtClean="0">
+                            <a:latin typeface="Cambria Math" panose="02040503050406030204" pitchFamily="18" charset="0"/>
+                          </a:rPr>
+                          <m:t>−</m:t>
+                        </m:r>
+                        <m:sSub>
+                          <m:sSubPr>
+                            <m:ctrlPr>
+                              <a:rPr lang="en-US" sz="2400" i="1" smtClean="0">
+                                <a:latin typeface="Cambria Math" panose="02040503050406030204" pitchFamily="18" charset="0"/>
+                              </a:rPr>
+                            </m:ctrlPr>
+                          </m:sSubPr>
+                          <m:e>
+                            <m:r>
+                              <a:rPr lang="en-US" sz="2400" b="0" i="1" smtClean="0">
+                                <a:latin typeface="Cambria Math" panose="02040503050406030204" pitchFamily="18" charset="0"/>
+                              </a:rPr>
+                              <m:t>𝜔</m:t>
+                            </m:r>
+                          </m:e>
+                          <m:sub>
+                            <m:r>
+                              <a:rPr lang="en-US" sz="2400" b="0" i="1" smtClean="0">
+                                <a:latin typeface="Cambria Math" panose="02040503050406030204" pitchFamily="18" charset="0"/>
+                              </a:rPr>
+                              <m:t>𝑘</m:t>
+                            </m:r>
+                          </m:sub>
+                        </m:sSub>
+                        <m:r>
+                          <a:rPr lang="en-US" sz="2400" b="0" i="1" smtClean="0">
+                            <a:latin typeface="Cambria Math" panose="02040503050406030204" pitchFamily="18" charset="0"/>
+                          </a:rPr>
+                          <m:t>−</m:t>
+                        </m:r>
+                        <m:f>
+                          <m:fPr>
+                            <m:ctrlPr>
+                              <a:rPr lang="en-US" sz="2400" b="0" i="1" smtClean="0">
+                                <a:latin typeface="Cambria Math" panose="02040503050406030204" pitchFamily="18" charset="0"/>
+                              </a:rPr>
+                            </m:ctrlPr>
+                          </m:fPr>
+                          <m:num>
+                            <m:r>
+                              <a:rPr lang="en-US" sz="2400" b="0" i="1" smtClean="0">
+                                <a:latin typeface="Cambria Math" panose="02040503050406030204" pitchFamily="18" charset="0"/>
+                              </a:rPr>
+                              <m:t>𝑖</m:t>
+                            </m:r>
+                          </m:num>
+                          <m:den>
+                            <m:r>
+                              <a:rPr lang="en-US" sz="2400" b="0" i="1" smtClean="0">
+                                <a:latin typeface="Cambria Math" panose="02040503050406030204" pitchFamily="18" charset="0"/>
+                              </a:rPr>
+                              <m:t>2</m:t>
+                            </m:r>
+                          </m:den>
+                        </m:f>
+                        <m:sSub>
+                          <m:sSubPr>
+                            <m:ctrlPr>
+                              <a:rPr lang="en-US" sz="2400" b="0" i="1" smtClean="0">
+                                <a:latin typeface="Cambria Math" panose="02040503050406030204" pitchFamily="18" charset="0"/>
+                              </a:rPr>
+                            </m:ctrlPr>
+                          </m:sSubPr>
+                          <m:e>
+                            <m:r>
+                              <m:rPr>
+                                <m:sty m:val="p"/>
+                              </m:rPr>
+                              <a:rPr lang="en-US" sz="2400" b="0" i="0" smtClean="0">
+                                <a:latin typeface="Cambria Math" panose="02040503050406030204" pitchFamily="18" charset="0"/>
+                              </a:rPr>
+                              <m:t>Γ</m:t>
+                            </m:r>
+                          </m:e>
+                          <m:sub>
+                            <m:r>
+                              <a:rPr lang="en-US" sz="2400" b="0" i="1" smtClean="0">
+                                <a:latin typeface="Cambria Math" panose="02040503050406030204" pitchFamily="18" charset="0"/>
+                              </a:rPr>
+                              <m:t>𝑎</m:t>
+                            </m:r>
+                          </m:sub>
+                        </m:sSub>
+                      </m:oMath>
+                    </a14:m>
+                    <a:endParaRPr lang="en-US" sz="2400" dirty="0"/>
+                  </a:p>
+                </p:txBody>
+              </p:sp>
+            </mc:Choice>
+            <mc:Fallback>
+              <p:sp>
+                <p:nvSpPr>
+                  <p:cNvPr id="19" name="TextBox 18">
+                    <a:extLst>
+                      <a:ext uri="{FF2B5EF4-FFF2-40B4-BE49-F238E27FC236}">
+                        <a16:creationId xmlns:a16="http://schemas.microsoft.com/office/drawing/2014/main" id="{9641CE34-B2C8-4E83-8D43-85CAA1545AD2}"/>
+                      </a:ext>
+                    </a:extLst>
+                  </p:cNvPr>
+                  <p:cNvSpPr txBox="1">
+                    <a:spLocks noRot="1" noChangeAspect="1" noMove="1" noResize="1" noEditPoints="1" noAdjustHandles="1" noChangeArrowheads="1" noChangeShapeType="1" noTextEdit="1"/>
+                  </p:cNvSpPr>
+                  <p:nvPr/>
+                </p:nvSpPr>
+                <p:spPr>
+                  <a:xfrm>
+                    <a:off x="4463556" y="1179054"/>
+                    <a:ext cx="3653436" cy="627671"/>
+                  </a:xfrm>
+                  <a:prstGeom prst="rect">
+                    <a:avLst/>
+                  </a:prstGeom>
+                  <a:blipFill>
+                    <a:blip r:embed="rId7"/>
+                    <a:stretch>
+                      <a:fillRect l="-3226" r="-16129" b="-43038"/>
+                    </a:stretch>
+                  </a:blipFill>
+                </p:spPr>
+                <p:txBody>
+                  <a:bodyPr/>
+                  <a:lstStyle/>
+                  <a:p>
+                    <a:r>
+                      <a:rPr lang="en-US">
+                        <a:noFill/>
+                      </a:rPr>
+                      <a:t> </a:t>
+                    </a:r>
+                  </a:p>
+                </p:txBody>
+              </p:sp>
+            </mc:Fallback>
+          </mc:AlternateContent>
+          <p:sp>
+            <p:nvSpPr>
+              <p:cNvPr id="20" name="Oval 19">
+                <a:extLst>
+                  <a:ext uri="{FF2B5EF4-FFF2-40B4-BE49-F238E27FC236}">
+                    <a16:creationId xmlns:a16="http://schemas.microsoft.com/office/drawing/2014/main" id="{B8EF961F-3706-4B26-AF26-7434667916E7}"/>
+                  </a:ext>
+                </a:extLst>
+              </p:cNvPr>
+              <p:cNvSpPr/>
+              <p:nvPr/>
+            </p:nvSpPr>
+            <p:spPr>
+              <a:xfrm>
+                <a:off x="4492857" y="2589065"/>
+                <a:ext cx="133811" cy="156107"/>
+              </a:xfrm>
+              <a:prstGeom prst="ellipse">
+                <a:avLst/>
+              </a:prstGeom>
+            </p:spPr>
+            <p:style>
+              <a:lnRef idx="2">
+                <a:schemeClr val="accent1">
+                  <a:shade val="50000"/>
+                </a:schemeClr>
+              </a:lnRef>
+              <a:fillRef idx="1">
+                <a:schemeClr val="accent1"/>
+              </a:fillRef>
+              <a:effectRef idx="0">
+                <a:schemeClr val="accent1"/>
+              </a:effectRef>
+              <a:fontRef idx="minor">
+                <a:schemeClr val="lt1"/>
+              </a:fontRef>
+            </p:style>
+            <p:txBody>
+              <a:bodyPr rtlCol="0" anchor="ctr"/>
+              <a:lstStyle/>
+              <a:p>
+                <a:pPr algn="ctr"/>
+                <a:endParaRPr lang="en-US"/>
+              </a:p>
+            </p:txBody>
+          </p:sp>
+          <p:sp>
+            <p:nvSpPr>
+              <p:cNvPr id="21" name="Partial Circle 20">
+                <a:extLst>
+                  <a:ext uri="{FF2B5EF4-FFF2-40B4-BE49-F238E27FC236}">
+                    <a16:creationId xmlns:a16="http://schemas.microsoft.com/office/drawing/2014/main" id="{E6908DC2-B570-4FEA-81C9-8DFE182C586B}"/>
+                  </a:ext>
+                </a:extLst>
+              </p:cNvPr>
+              <p:cNvSpPr/>
+              <p:nvPr/>
+            </p:nvSpPr>
+            <p:spPr>
+              <a:xfrm>
+                <a:off x="1669412" y="289674"/>
+                <a:ext cx="4308743" cy="3555677"/>
+              </a:xfrm>
+              <a:prstGeom prst="pie">
+                <a:avLst>
+                  <a:gd name="adj1" fmla="val 0"/>
+                  <a:gd name="adj2" fmla="val 10779898"/>
+                </a:avLst>
+              </a:prstGeom>
+              <a:noFill/>
+              <a:ln w="38100">
+                <a:solidFill>
+                  <a:srgbClr val="FF0000"/>
+                </a:solidFill>
+              </a:ln>
+            </p:spPr>
+            <p:style>
+              <a:lnRef idx="2">
+                <a:schemeClr val="accent1">
+                  <a:shade val="50000"/>
+                </a:schemeClr>
+              </a:lnRef>
+              <a:fillRef idx="1">
+                <a:schemeClr val="accent1"/>
+              </a:fillRef>
+              <a:effectRef idx="0">
+                <a:schemeClr val="accent1"/>
+              </a:effectRef>
+              <a:fontRef idx="minor">
+                <a:schemeClr val="lt1"/>
+              </a:fontRef>
+            </p:style>
+            <p:txBody>
+              <a:bodyPr rtlCol="0" anchor="ctr"/>
+              <a:lstStyle/>
+              <a:p>
+                <a:pPr algn="ctr"/>
+                <a:endParaRPr lang="en-US">
+                  <a:solidFill>
+                    <a:schemeClr val="tx1"/>
+                  </a:solidFill>
+                </a:endParaRPr>
+              </a:p>
+            </p:txBody>
+          </p:sp>
+          <p:cxnSp>
+            <p:nvCxnSpPr>
+              <p:cNvPr id="22" name="Straight Arrow Connector 21">
+                <a:extLst>
+                  <a:ext uri="{FF2B5EF4-FFF2-40B4-BE49-F238E27FC236}">
+                    <a16:creationId xmlns:a16="http://schemas.microsoft.com/office/drawing/2014/main" id="{DF5038C9-2697-4399-93D4-3F5A32712841}"/>
+                  </a:ext>
+                </a:extLst>
+              </p:cNvPr>
+              <p:cNvCxnSpPr>
+                <a:cxnSpLocks/>
+              </p:cNvCxnSpPr>
+              <p:nvPr/>
+            </p:nvCxnSpPr>
+            <p:spPr>
+              <a:xfrm flipH="1">
+                <a:off x="4677491" y="1931143"/>
+                <a:ext cx="354344" cy="568713"/>
+              </a:xfrm>
+              <a:prstGeom prst="straightConnector1">
+                <a:avLst/>
+              </a:prstGeom>
+              <a:ln w="25400">
+                <a:tailEnd type="triangle"/>
+              </a:ln>
+            </p:spPr>
+            <p:style>
+              <a:lnRef idx="1">
+                <a:schemeClr val="accent1"/>
+              </a:lnRef>
+              <a:fillRef idx="0">
+                <a:schemeClr val="accent1"/>
+              </a:fillRef>
+              <a:effectRef idx="0">
+                <a:schemeClr val="accent1"/>
+              </a:effectRef>
+              <a:fontRef idx="minor">
+                <a:schemeClr val="tx1"/>
+              </a:fontRef>
+            </p:style>
+          </p:cxnSp>
+          <p:sp>
+            <p:nvSpPr>
+              <p:cNvPr id="23" name="Oval 22">
+                <a:extLst>
+                  <a:ext uri="{FF2B5EF4-FFF2-40B4-BE49-F238E27FC236}">
+                    <a16:creationId xmlns:a16="http://schemas.microsoft.com/office/drawing/2014/main" id="{10FF9B53-AD6A-4C36-8EBC-37E6994E86C7}"/>
+                  </a:ext>
+                </a:extLst>
+              </p:cNvPr>
+              <p:cNvSpPr/>
+              <p:nvPr/>
+            </p:nvSpPr>
+            <p:spPr>
+              <a:xfrm>
+                <a:off x="4939902" y="2637974"/>
+                <a:ext cx="133811" cy="156107"/>
+              </a:xfrm>
+              <a:prstGeom prst="ellipse">
+                <a:avLst/>
+              </a:prstGeom>
+            </p:spPr>
+            <p:style>
+              <a:lnRef idx="2">
+                <a:schemeClr val="accent1">
+                  <a:shade val="50000"/>
+                </a:schemeClr>
+              </a:lnRef>
+              <a:fillRef idx="1">
+                <a:schemeClr val="accent1"/>
+              </a:fillRef>
+              <a:effectRef idx="0">
+                <a:schemeClr val="accent1"/>
+              </a:effectRef>
+              <a:fontRef idx="minor">
+                <a:schemeClr val="lt1"/>
+              </a:fontRef>
+            </p:style>
+            <p:txBody>
+              <a:bodyPr rtlCol="0" anchor="ctr"/>
+              <a:lstStyle/>
+              <a:p>
+                <a:pPr algn="ctr"/>
+                <a:endParaRPr lang="en-US"/>
+              </a:p>
+            </p:txBody>
+          </p:sp>
+          <mc:AlternateContent xmlns:mc="http://schemas.openxmlformats.org/markup-compatibility/2006">
+            <mc:Choice xmlns:a14="http://schemas.microsoft.com/office/drawing/2010/main" Requires="a14">
+              <p:sp>
+                <p:nvSpPr>
+                  <p:cNvPr id="24" name="TextBox 23">
+                    <a:extLst>
+                      <a:ext uri="{FF2B5EF4-FFF2-40B4-BE49-F238E27FC236}">
+                        <a16:creationId xmlns:a16="http://schemas.microsoft.com/office/drawing/2014/main" id="{252EC289-7903-45AA-AF9B-A638BE293A9C}"/>
+                      </a:ext>
+                    </a:extLst>
+                  </p:cNvPr>
+                  <p:cNvSpPr txBox="1"/>
+                  <p:nvPr/>
+                </p:nvSpPr>
+                <p:spPr>
+                  <a:xfrm>
+                    <a:off x="5876596" y="2716027"/>
+                    <a:ext cx="2901564" cy="627672"/>
+                  </a:xfrm>
+                  <a:prstGeom prst="rect">
+                    <a:avLst/>
+                  </a:prstGeom>
+                  <a:noFill/>
+                </p:spPr>
+                <p:txBody>
+                  <a:bodyPr wrap="none" rtlCol="0">
+                    <a:spAutoFit/>
+                  </a:bodyPr>
+                  <a:lstStyle/>
+                  <a:p>
+                    <a:r>
+                      <a:rPr lang="en-US" sz="2400" dirty="0"/>
+                      <a:t>pole: </a:t>
+                    </a:r>
+                    <a14:m>
+                      <m:oMath xmlns:m="http://schemas.openxmlformats.org/officeDocument/2006/math">
+                        <m:sSub>
+                          <m:sSubPr>
+                            <m:ctrlPr>
+                              <a:rPr lang="en-US" sz="2400" b="0" i="1" smtClean="0">
+                                <a:latin typeface="Cambria Math" panose="02040503050406030204" pitchFamily="18" charset="0"/>
+                              </a:rPr>
+                            </m:ctrlPr>
+                          </m:sSubPr>
+                          <m:e>
+                            <m:r>
+                              <a:rPr lang="en-US" sz="2400" b="0" i="1" smtClean="0">
+                                <a:latin typeface="Cambria Math" panose="02040503050406030204" pitchFamily="18" charset="0"/>
+                              </a:rPr>
+                              <m:t>𝑞</m:t>
+                            </m:r>
+                          </m:e>
+                          <m:sub>
+                            <m:r>
+                              <a:rPr lang="en-US" sz="2400" b="0" i="1" smtClean="0">
+                                <a:latin typeface="Cambria Math" panose="02040503050406030204" pitchFamily="18" charset="0"/>
+                              </a:rPr>
+                              <m:t>1</m:t>
+                            </m:r>
+                          </m:sub>
+                        </m:sSub>
+                        <m:r>
+                          <a:rPr lang="en-US" sz="2400" b="0" i="1" smtClean="0">
+                            <a:latin typeface="Cambria Math" panose="02040503050406030204" pitchFamily="18" charset="0"/>
+                          </a:rPr>
+                          <m:t>=</m:t>
+                        </m:r>
+                        <m:sSub>
+                          <m:sSubPr>
+                            <m:ctrlPr>
+                              <a:rPr lang="en-US" sz="2400" b="0" i="1" smtClean="0">
+                                <a:latin typeface="Cambria Math" panose="02040503050406030204" pitchFamily="18" charset="0"/>
+                              </a:rPr>
+                            </m:ctrlPr>
+                          </m:sSubPr>
+                          <m:e>
+                            <m:r>
+                              <a:rPr lang="en-US" sz="2400" b="0" i="1" smtClean="0">
+                                <a:latin typeface="Cambria Math" panose="02040503050406030204" pitchFamily="18" charset="0"/>
+                              </a:rPr>
+                              <m:t>𝜔</m:t>
+                            </m:r>
+                          </m:e>
+                          <m:sub>
+                            <m:r>
+                              <a:rPr lang="en-US" sz="2400" b="0" i="1" smtClean="0">
+                                <a:latin typeface="Cambria Math" panose="02040503050406030204" pitchFamily="18" charset="0"/>
+                              </a:rPr>
+                              <m:t>𝑏</m:t>
+                            </m:r>
+                            <m:r>
+                              <a:rPr lang="en-US" sz="2400" b="0" i="1" smtClean="0">
+                                <a:latin typeface="Cambria Math" panose="02040503050406030204" pitchFamily="18" charset="0"/>
+                              </a:rPr>
+                              <m:t>𝑐</m:t>
+                            </m:r>
+                          </m:sub>
+                        </m:sSub>
+                        <m:r>
+                          <a:rPr lang="en-US" sz="2400" b="0" i="1" smtClean="0">
+                            <a:latin typeface="Cambria Math" panose="02040503050406030204" pitchFamily="18" charset="0"/>
+                          </a:rPr>
+                          <m:t>−</m:t>
+                        </m:r>
+                        <m:f>
+                          <m:fPr>
+                            <m:ctrlPr>
+                              <a:rPr lang="en-US" sz="2400" b="0" i="1" smtClean="0">
+                                <a:latin typeface="Cambria Math" panose="02040503050406030204" pitchFamily="18" charset="0"/>
+                              </a:rPr>
+                            </m:ctrlPr>
+                          </m:fPr>
+                          <m:num>
+                            <m:r>
+                              <a:rPr lang="en-US" sz="2400" b="0" i="1" smtClean="0">
+                                <a:latin typeface="Cambria Math" panose="02040503050406030204" pitchFamily="18" charset="0"/>
+                              </a:rPr>
+                              <m:t>𝑖</m:t>
+                            </m:r>
+                          </m:num>
+                          <m:den>
+                            <m:r>
+                              <a:rPr lang="en-US" sz="2400" b="0" i="1" smtClean="0">
+                                <a:latin typeface="Cambria Math" panose="02040503050406030204" pitchFamily="18" charset="0"/>
+                              </a:rPr>
+                              <m:t>2</m:t>
+                            </m:r>
+                          </m:den>
+                        </m:f>
+                        <m:sSub>
+                          <m:sSubPr>
+                            <m:ctrlPr>
+                              <a:rPr lang="en-US" sz="2400" b="0" i="1" smtClean="0">
+                                <a:latin typeface="Cambria Math" panose="02040503050406030204" pitchFamily="18" charset="0"/>
+                              </a:rPr>
+                            </m:ctrlPr>
+                          </m:sSubPr>
+                          <m:e>
+                            <m:r>
+                              <m:rPr>
+                                <m:sty m:val="p"/>
+                              </m:rPr>
+                              <a:rPr lang="en-US" sz="2400" b="0" i="0" smtClean="0">
+                                <a:latin typeface="Cambria Math" panose="02040503050406030204" pitchFamily="18" charset="0"/>
+                              </a:rPr>
+                              <m:t>Γ</m:t>
+                            </m:r>
+                          </m:e>
+                          <m:sub>
+                            <m:r>
+                              <a:rPr lang="en-US" sz="2400" b="0" i="1" smtClean="0">
+                                <a:latin typeface="Cambria Math" panose="02040503050406030204" pitchFamily="18" charset="0"/>
+                              </a:rPr>
+                              <m:t>𝑏</m:t>
+                            </m:r>
+                          </m:sub>
+                        </m:sSub>
+                      </m:oMath>
+                    </a14:m>
+                    <a:endParaRPr lang="en-US" sz="2400" dirty="0"/>
+                  </a:p>
+                </p:txBody>
+              </p:sp>
+            </mc:Choice>
+            <mc:Fallback>
+              <p:sp>
+                <p:nvSpPr>
+                  <p:cNvPr id="24" name="TextBox 23">
+                    <a:extLst>
+                      <a:ext uri="{FF2B5EF4-FFF2-40B4-BE49-F238E27FC236}">
+                        <a16:creationId xmlns:a16="http://schemas.microsoft.com/office/drawing/2014/main" id="{252EC289-7903-45AA-AF9B-A638BE293A9C}"/>
+                      </a:ext>
+                    </a:extLst>
+                  </p:cNvPr>
+                  <p:cNvSpPr txBox="1">
+                    <a:spLocks noRot="1" noChangeAspect="1" noMove="1" noResize="1" noEditPoints="1" noAdjustHandles="1" noChangeArrowheads="1" noChangeShapeType="1" noTextEdit="1"/>
+                  </p:cNvSpPr>
+                  <p:nvPr/>
+                </p:nvSpPr>
+                <p:spPr>
+                  <a:xfrm>
+                    <a:off x="5876596" y="2716027"/>
+                    <a:ext cx="2901564" cy="627672"/>
+                  </a:xfrm>
+                  <a:prstGeom prst="rect">
+                    <a:avLst/>
+                  </a:prstGeom>
+                  <a:blipFill>
+                    <a:blip r:embed="rId8"/>
+                    <a:stretch>
+                      <a:fillRect l="-4061" r="-14721" b="-43038"/>
+                    </a:stretch>
+                  </a:blipFill>
+                </p:spPr>
+                <p:txBody>
+                  <a:bodyPr/>
+                  <a:lstStyle/>
+                  <a:p>
+                    <a:r>
+                      <a:rPr lang="en-US">
+                        <a:noFill/>
+                      </a:rPr>
+                      <a:t> </a:t>
+                    </a:r>
+                  </a:p>
+                </p:txBody>
+              </p:sp>
+            </mc:Fallback>
+          </mc:AlternateContent>
+          <p:cxnSp>
+            <p:nvCxnSpPr>
+              <p:cNvPr id="25" name="Straight Arrow Connector 24">
+                <a:extLst>
+                  <a:ext uri="{FF2B5EF4-FFF2-40B4-BE49-F238E27FC236}">
+                    <a16:creationId xmlns:a16="http://schemas.microsoft.com/office/drawing/2014/main" id="{8777AEB6-0236-4748-BF40-322E7730BC2C}"/>
+                  </a:ext>
+                </a:extLst>
+              </p:cNvPr>
+              <p:cNvCxnSpPr>
+                <a:cxnSpLocks/>
+              </p:cNvCxnSpPr>
+              <p:nvPr/>
+            </p:nvCxnSpPr>
+            <p:spPr>
+              <a:xfrm flipH="1" flipV="1">
+                <a:off x="5222383" y="2804188"/>
+                <a:ext cx="711140" cy="210054"/>
+              </a:xfrm>
+              <a:prstGeom prst="straightConnector1">
+                <a:avLst/>
+              </a:prstGeom>
+              <a:ln w="25400">
+                <a:tailEnd type="triangle"/>
+              </a:ln>
+            </p:spPr>
+            <p:style>
+              <a:lnRef idx="1">
+                <a:schemeClr val="accent1"/>
+              </a:lnRef>
+              <a:fillRef idx="0">
+                <a:schemeClr val="accent1"/>
+              </a:fillRef>
+              <a:effectRef idx="0">
+                <a:schemeClr val="accent1"/>
+              </a:effectRef>
+              <a:fontRef idx="minor">
+                <a:schemeClr val="tx1"/>
+              </a:fontRef>
+            </p:style>
+          </p:cxnSp>
+        </p:grpSp>
+      </p:grpSp>
     </p:spTree>
     <p:extLst>
       <p:ext uri="{BB962C8B-B14F-4D97-AF65-F5344CB8AC3E}">
@@ -5729,7 +7923,5847 @@
 </p:sld>
 </file>
 
+<file path=ppt/slides/slide15.xml><?xml version="1.0" encoding="utf-8"?>
+<p:sld xmlns:a="http://schemas.openxmlformats.org/drawingml/2006/main" xmlns:r="http://schemas.openxmlformats.org/officeDocument/2006/relationships" xmlns:p="http://schemas.openxmlformats.org/presentationml/2006/main">
+  <p:cSld>
+    <p:spTree>
+      <p:nvGrpSpPr>
+        <p:cNvPr id="1" name=""/>
+        <p:cNvGrpSpPr/>
+        <p:nvPr/>
+      </p:nvGrpSpPr>
+      <p:grpSpPr>
+        <a:xfrm>
+          <a:off x="0" y="0"/>
+          <a:ext cx="0" cy="0"/>
+          <a:chOff x="0" y="0"/>
+          <a:chExt cx="0" cy="0"/>
+        </a:xfrm>
+      </p:grpSpPr>
+      <p:pic>
+        <p:nvPicPr>
+          <p:cNvPr id="19" name="Picture 18">
+            <a:extLst>
+              <a:ext uri="{FF2B5EF4-FFF2-40B4-BE49-F238E27FC236}">
+                <a16:creationId xmlns:a16="http://schemas.microsoft.com/office/drawing/2014/main" id="{380A6DD0-7870-448E-A2C5-C33A1BC20B15}"/>
+              </a:ext>
+            </a:extLst>
+          </p:cNvPr>
+          <p:cNvPicPr>
+            <a:picLocks noChangeAspect="1"/>
+          </p:cNvPicPr>
+          <p:nvPr/>
+        </p:nvPicPr>
+        <p:blipFill>
+          <a:blip r:embed="rId2"/>
+          <a:stretch>
+            <a:fillRect/>
+          </a:stretch>
+        </p:blipFill>
+        <p:spPr>
+          <a:xfrm>
+            <a:off x="721446" y="1186558"/>
+            <a:ext cx="10690164" cy="869944"/>
+          </a:xfrm>
+          <a:prstGeom prst="rect">
+            <a:avLst/>
+          </a:prstGeom>
+        </p:spPr>
+      </p:pic>
+      <p:pic>
+        <p:nvPicPr>
+          <p:cNvPr id="20" name="Picture 19">
+            <a:extLst>
+              <a:ext uri="{FF2B5EF4-FFF2-40B4-BE49-F238E27FC236}">
+                <a16:creationId xmlns:a16="http://schemas.microsoft.com/office/drawing/2014/main" id="{E01604B9-D2ED-415E-9779-9742F6DB3512}"/>
+              </a:ext>
+            </a:extLst>
+          </p:cNvPr>
+          <p:cNvPicPr>
+            <a:picLocks noChangeAspect="1"/>
+          </p:cNvPicPr>
+          <p:nvPr/>
+        </p:nvPicPr>
+        <p:blipFill>
+          <a:blip r:embed="rId3"/>
+          <a:stretch>
+            <a:fillRect/>
+          </a:stretch>
+        </p:blipFill>
+        <p:spPr>
+          <a:xfrm>
+            <a:off x="3066795" y="2213520"/>
+            <a:ext cx="4128279" cy="928597"/>
+          </a:xfrm>
+          <a:prstGeom prst="rect">
+            <a:avLst/>
+          </a:prstGeom>
+        </p:spPr>
+      </p:pic>
+      <p:cxnSp>
+        <p:nvCxnSpPr>
+          <p:cNvPr id="24" name="Straight Arrow Connector 23">
+            <a:extLst>
+              <a:ext uri="{FF2B5EF4-FFF2-40B4-BE49-F238E27FC236}">
+                <a16:creationId xmlns:a16="http://schemas.microsoft.com/office/drawing/2014/main" id="{E32FD762-2130-4ECB-8AE9-17F2E2BD5830}"/>
+              </a:ext>
+            </a:extLst>
+          </p:cNvPr>
+          <p:cNvCxnSpPr>
+            <a:cxnSpLocks/>
+          </p:cNvCxnSpPr>
+          <p:nvPr/>
+        </p:nvCxnSpPr>
+        <p:spPr>
+          <a:xfrm flipV="1">
+            <a:off x="4442755" y="3168167"/>
+            <a:ext cx="600497" cy="524461"/>
+          </a:xfrm>
+          <a:prstGeom prst="straightConnector1">
+            <a:avLst/>
+          </a:prstGeom>
+          <a:ln w="38100">
+            <a:tailEnd type="triangle"/>
+          </a:ln>
+        </p:spPr>
+        <p:style>
+          <a:lnRef idx="1">
+            <a:schemeClr val="accent1"/>
+          </a:lnRef>
+          <a:fillRef idx="0">
+            <a:schemeClr val="accent1"/>
+          </a:fillRef>
+          <a:effectRef idx="0">
+            <a:schemeClr val="accent1"/>
+          </a:effectRef>
+          <a:fontRef idx="minor">
+            <a:schemeClr val="tx1"/>
+          </a:fontRef>
+        </p:style>
+      </p:cxnSp>
+      <p:cxnSp>
+        <p:nvCxnSpPr>
+          <p:cNvPr id="26" name="Straight Arrow Connector 25">
+            <a:extLst>
+              <a:ext uri="{FF2B5EF4-FFF2-40B4-BE49-F238E27FC236}">
+                <a16:creationId xmlns:a16="http://schemas.microsoft.com/office/drawing/2014/main" id="{18835BED-4C63-42AF-8EF4-E1853C311024}"/>
+              </a:ext>
+            </a:extLst>
+          </p:cNvPr>
+          <p:cNvCxnSpPr>
+            <a:cxnSpLocks/>
+          </p:cNvCxnSpPr>
+          <p:nvPr/>
+        </p:nvCxnSpPr>
+        <p:spPr>
+          <a:xfrm flipH="1" flipV="1">
+            <a:off x="6753089" y="3233651"/>
+            <a:ext cx="663715" cy="458977"/>
+          </a:xfrm>
+          <a:prstGeom prst="straightConnector1">
+            <a:avLst/>
+          </a:prstGeom>
+          <a:ln w="38100">
+            <a:tailEnd type="triangle"/>
+          </a:ln>
+        </p:spPr>
+        <p:style>
+          <a:lnRef idx="1">
+            <a:schemeClr val="accent1"/>
+          </a:lnRef>
+          <a:fillRef idx="0">
+            <a:schemeClr val="accent1"/>
+          </a:fillRef>
+          <a:effectRef idx="0">
+            <a:schemeClr val="accent1"/>
+          </a:effectRef>
+          <a:fontRef idx="minor">
+            <a:schemeClr val="tx1"/>
+          </a:fontRef>
+        </p:style>
+      </p:cxnSp>
+      <mc:AlternateContent xmlns:mc="http://schemas.openxmlformats.org/markup-compatibility/2006">
+        <mc:Choice xmlns:a14="http://schemas.microsoft.com/office/drawing/2010/main" Requires="a14">
+          <p:sp>
+            <p:nvSpPr>
+              <p:cNvPr id="29" name="TextBox 28">
+                <a:extLst>
+                  <a:ext uri="{FF2B5EF4-FFF2-40B4-BE49-F238E27FC236}">
+                    <a16:creationId xmlns:a16="http://schemas.microsoft.com/office/drawing/2014/main" id="{AD79E539-8578-4721-9AC6-D800FF254174}"/>
+                  </a:ext>
+                </a:extLst>
+              </p:cNvPr>
+              <p:cNvSpPr txBox="1"/>
+              <p:nvPr/>
+            </p:nvSpPr>
+            <p:spPr>
+              <a:xfrm>
+                <a:off x="2630643" y="3674306"/>
+                <a:ext cx="3327706" cy="461665"/>
+              </a:xfrm>
+              <a:prstGeom prst="rect">
+                <a:avLst/>
+              </a:prstGeom>
+              <a:noFill/>
+            </p:spPr>
+            <p:txBody>
+              <a:bodyPr wrap="none" rtlCol="0">
+                <a:spAutoFit/>
+              </a:bodyPr>
+              <a:lstStyle/>
+              <a:p>
+                <a14:m>
+                  <m:oMath xmlns:m="http://schemas.openxmlformats.org/officeDocument/2006/math">
+                    <m:sSub>
+                      <m:sSubPr>
+                        <m:ctrlPr>
+                          <a:rPr lang="en-US" sz="2400" b="0" i="1" smtClean="0">
+                            <a:latin typeface="Cambria Math" panose="02040503050406030204" pitchFamily="18" charset="0"/>
+                          </a:rPr>
+                        </m:ctrlPr>
+                      </m:sSubPr>
+                      <m:e>
+                        <m:r>
+                          <a:rPr lang="en-US" sz="2400" b="0" i="1" smtClean="0">
+                            <a:latin typeface="Cambria Math" panose="02040503050406030204" pitchFamily="18" charset="0"/>
+                          </a:rPr>
+                          <m:t>𝑥</m:t>
+                        </m:r>
+                      </m:e>
+                      <m:sub>
+                        <m:r>
+                          <a:rPr lang="en-US" sz="2400" b="0" i="1" smtClean="0">
+                            <a:latin typeface="Cambria Math" panose="02040503050406030204" pitchFamily="18" charset="0"/>
+                          </a:rPr>
+                          <m:t>1</m:t>
+                        </m:r>
+                      </m:sub>
+                    </m:sSub>
+                    <m:r>
+                      <a:rPr lang="en-US" sz="2400" b="0" i="1" smtClean="0">
+                        <a:latin typeface="Cambria Math" panose="02040503050406030204" pitchFamily="18" charset="0"/>
+                      </a:rPr>
+                      <m:t>,</m:t>
+                    </m:r>
+                    <m:sSub>
+                      <m:sSubPr>
+                        <m:ctrlPr>
+                          <a:rPr lang="en-US" sz="2400" b="0" i="1" smtClean="0">
+                            <a:latin typeface="Cambria Math" panose="02040503050406030204" pitchFamily="18" charset="0"/>
+                          </a:rPr>
+                        </m:ctrlPr>
+                      </m:sSubPr>
+                      <m:e>
+                        <m:r>
+                          <a:rPr lang="en-US" sz="2400" b="0" i="1" smtClean="0">
+                            <a:latin typeface="Cambria Math" panose="02040503050406030204" pitchFamily="18" charset="0"/>
+                          </a:rPr>
+                          <m:t>𝑥</m:t>
+                        </m:r>
+                      </m:e>
+                      <m:sub>
+                        <m:r>
+                          <a:rPr lang="en-US" sz="2400" b="0" i="1" smtClean="0">
+                            <a:latin typeface="Cambria Math" panose="02040503050406030204" pitchFamily="18" charset="0"/>
+                          </a:rPr>
+                          <m:t>2</m:t>
+                        </m:r>
+                      </m:sub>
+                    </m:sSub>
+                  </m:oMath>
+                </a14:m>
+                <a:r>
+                  <a:rPr lang="en-US" sz="2400" dirty="0">
+                    <a:latin typeface="Arial" panose="020B0604020202020204" pitchFamily="34" charset="0"/>
+                    <a:cs typeface="Arial" panose="020B0604020202020204" pitchFamily="34" charset="0"/>
+                  </a:rPr>
+                  <a:t> on the same side</a:t>
+                </a:r>
+              </a:p>
+            </p:txBody>
+          </p:sp>
+        </mc:Choice>
+        <mc:Fallback>
+          <p:sp>
+            <p:nvSpPr>
+              <p:cNvPr id="29" name="TextBox 28">
+                <a:extLst>
+                  <a:ext uri="{FF2B5EF4-FFF2-40B4-BE49-F238E27FC236}">
+                    <a16:creationId xmlns:a16="http://schemas.microsoft.com/office/drawing/2014/main" id="{AD79E539-8578-4721-9AC6-D800FF254174}"/>
+                  </a:ext>
+                </a:extLst>
+              </p:cNvPr>
+              <p:cNvSpPr txBox="1">
+                <a:spLocks noRot="1" noChangeAspect="1" noMove="1" noResize="1" noEditPoints="1" noAdjustHandles="1" noChangeArrowheads="1" noChangeShapeType="1" noTextEdit="1"/>
+              </p:cNvSpPr>
+              <p:nvPr/>
+            </p:nvSpPr>
+            <p:spPr>
+              <a:xfrm>
+                <a:off x="2630643" y="3674306"/>
+                <a:ext cx="3327706" cy="461665"/>
+              </a:xfrm>
+              <a:prstGeom prst="rect">
+                <a:avLst/>
+              </a:prstGeom>
+              <a:blipFill>
+                <a:blip r:embed="rId4"/>
+                <a:stretch>
+                  <a:fillRect t="-9333" r="-2202" b="-32000"/>
+                </a:stretch>
+              </a:blipFill>
+            </p:spPr>
+            <p:txBody>
+              <a:bodyPr/>
+              <a:lstStyle/>
+              <a:p>
+                <a:r>
+                  <a:rPr lang="en-US">
+                    <a:noFill/>
+                  </a:rPr>
+                  <a:t> </a:t>
+                </a:r>
+              </a:p>
+            </p:txBody>
+          </p:sp>
+        </mc:Fallback>
+      </mc:AlternateContent>
+      <mc:AlternateContent xmlns:mc="http://schemas.openxmlformats.org/markup-compatibility/2006">
+        <mc:Choice xmlns:a14="http://schemas.microsoft.com/office/drawing/2010/main" Requires="a14">
+          <p:sp>
+            <p:nvSpPr>
+              <p:cNvPr id="30" name="TextBox 29">
+                <a:extLst>
+                  <a:ext uri="{FF2B5EF4-FFF2-40B4-BE49-F238E27FC236}">
+                    <a16:creationId xmlns:a16="http://schemas.microsoft.com/office/drawing/2014/main" id="{3BFC8384-4CD0-49B4-A4E9-87D5E49A0016}"/>
+                  </a:ext>
+                </a:extLst>
+              </p:cNvPr>
+              <p:cNvSpPr txBox="1"/>
+              <p:nvPr/>
+            </p:nvSpPr>
+            <p:spPr>
+              <a:xfrm>
+                <a:off x="6370321" y="3641055"/>
+                <a:ext cx="3739678" cy="461665"/>
+              </a:xfrm>
+              <a:prstGeom prst="rect">
+                <a:avLst/>
+              </a:prstGeom>
+              <a:noFill/>
+            </p:spPr>
+            <p:txBody>
+              <a:bodyPr wrap="none" rtlCol="0">
+                <a:spAutoFit/>
+              </a:bodyPr>
+              <a:lstStyle/>
+              <a:p>
+                <a14:m>
+                  <m:oMath xmlns:m="http://schemas.openxmlformats.org/officeDocument/2006/math">
+                    <m:sSub>
+                      <m:sSubPr>
+                        <m:ctrlPr>
+                          <a:rPr lang="en-US" sz="2400" b="0" i="1" smtClean="0">
+                            <a:latin typeface="Cambria Math" panose="02040503050406030204" pitchFamily="18" charset="0"/>
+                          </a:rPr>
+                        </m:ctrlPr>
+                      </m:sSubPr>
+                      <m:e>
+                        <m:r>
+                          <a:rPr lang="en-US" sz="2400" b="0" i="1" smtClean="0">
+                            <a:latin typeface="Cambria Math" panose="02040503050406030204" pitchFamily="18" charset="0"/>
+                          </a:rPr>
+                          <m:t>𝑥</m:t>
+                        </m:r>
+                      </m:e>
+                      <m:sub>
+                        <m:r>
+                          <a:rPr lang="en-US" sz="2400" b="0" i="1" smtClean="0">
+                            <a:latin typeface="Cambria Math" panose="02040503050406030204" pitchFamily="18" charset="0"/>
+                          </a:rPr>
+                          <m:t>1</m:t>
+                        </m:r>
+                      </m:sub>
+                    </m:sSub>
+                    <m:r>
+                      <a:rPr lang="en-US" sz="2400" b="0" i="1" smtClean="0">
+                        <a:latin typeface="Cambria Math" panose="02040503050406030204" pitchFamily="18" charset="0"/>
+                      </a:rPr>
+                      <m:t>,</m:t>
+                    </m:r>
+                    <m:sSub>
+                      <m:sSubPr>
+                        <m:ctrlPr>
+                          <a:rPr lang="en-US" sz="2400" b="0" i="1" smtClean="0">
+                            <a:latin typeface="Cambria Math" panose="02040503050406030204" pitchFamily="18" charset="0"/>
+                          </a:rPr>
+                        </m:ctrlPr>
+                      </m:sSubPr>
+                      <m:e>
+                        <m:r>
+                          <a:rPr lang="en-US" sz="2400" b="0" i="1" smtClean="0">
+                            <a:latin typeface="Cambria Math" panose="02040503050406030204" pitchFamily="18" charset="0"/>
+                          </a:rPr>
+                          <m:t>𝑥</m:t>
+                        </m:r>
+                      </m:e>
+                      <m:sub>
+                        <m:r>
+                          <a:rPr lang="en-US" sz="2400" b="0" i="1" smtClean="0">
+                            <a:latin typeface="Cambria Math" panose="02040503050406030204" pitchFamily="18" charset="0"/>
+                          </a:rPr>
+                          <m:t>2</m:t>
+                        </m:r>
+                      </m:sub>
+                    </m:sSub>
+                  </m:oMath>
+                </a14:m>
+                <a:r>
+                  <a:rPr lang="en-US" sz="2400" dirty="0">
+                    <a:latin typeface="Arial" panose="020B0604020202020204" pitchFamily="34" charset="0"/>
+                    <a:cs typeface="Arial" panose="020B0604020202020204" pitchFamily="34" charset="0"/>
+                  </a:rPr>
+                  <a:t> on the opposite side</a:t>
+                </a:r>
+              </a:p>
+            </p:txBody>
+          </p:sp>
+        </mc:Choice>
+        <mc:Fallback>
+          <p:sp>
+            <p:nvSpPr>
+              <p:cNvPr id="30" name="TextBox 29">
+                <a:extLst>
+                  <a:ext uri="{FF2B5EF4-FFF2-40B4-BE49-F238E27FC236}">
+                    <a16:creationId xmlns:a16="http://schemas.microsoft.com/office/drawing/2014/main" id="{3BFC8384-4CD0-49B4-A4E9-87D5E49A0016}"/>
+                  </a:ext>
+                </a:extLst>
+              </p:cNvPr>
+              <p:cNvSpPr txBox="1">
+                <a:spLocks noRot="1" noChangeAspect="1" noMove="1" noResize="1" noEditPoints="1" noAdjustHandles="1" noChangeArrowheads="1" noChangeShapeType="1" noTextEdit="1"/>
+              </p:cNvSpPr>
+              <p:nvPr/>
+            </p:nvSpPr>
+            <p:spPr>
+              <a:xfrm>
+                <a:off x="6370321" y="3641055"/>
+                <a:ext cx="3739678" cy="461665"/>
+              </a:xfrm>
+              <a:prstGeom prst="rect">
+                <a:avLst/>
+              </a:prstGeom>
+              <a:blipFill>
+                <a:blip r:embed="rId5"/>
+                <a:stretch>
+                  <a:fillRect t="-9211" r="-1794" b="-30263"/>
+                </a:stretch>
+              </a:blipFill>
+            </p:spPr>
+            <p:txBody>
+              <a:bodyPr/>
+              <a:lstStyle/>
+              <a:p>
+                <a:r>
+                  <a:rPr lang="en-US">
+                    <a:noFill/>
+                  </a:rPr>
+                  <a:t> </a:t>
+                </a:r>
+              </a:p>
+            </p:txBody>
+          </p:sp>
+        </mc:Fallback>
+      </mc:AlternateContent>
+      <p:sp>
+        <p:nvSpPr>
+          <p:cNvPr id="32" name="Oval 31">
+            <a:extLst>
+              <a:ext uri="{FF2B5EF4-FFF2-40B4-BE49-F238E27FC236}">
+                <a16:creationId xmlns:a16="http://schemas.microsoft.com/office/drawing/2014/main" id="{7051FFCE-B645-4791-BB8E-792F0AFA9EFB}"/>
+              </a:ext>
+            </a:extLst>
+          </p:cNvPr>
+          <p:cNvSpPr/>
+          <p:nvPr/>
+        </p:nvSpPr>
+        <p:spPr>
+          <a:xfrm>
+            <a:off x="2075423" y="5182692"/>
+            <a:ext cx="267393" cy="257175"/>
+          </a:xfrm>
+          <a:prstGeom prst="ellipse">
+            <a:avLst/>
+          </a:prstGeom>
+        </p:spPr>
+        <p:style>
+          <a:lnRef idx="2">
+            <a:schemeClr val="accent1">
+              <a:shade val="50000"/>
+            </a:schemeClr>
+          </a:lnRef>
+          <a:fillRef idx="1">
+            <a:schemeClr val="accent1"/>
+          </a:fillRef>
+          <a:effectRef idx="0">
+            <a:schemeClr val="accent1"/>
+          </a:effectRef>
+          <a:fontRef idx="minor">
+            <a:schemeClr val="lt1"/>
+          </a:fontRef>
+        </p:style>
+        <p:txBody>
+          <a:bodyPr rtlCol="0" anchor="ctr"/>
+          <a:lstStyle/>
+          <a:p>
+            <a:pPr algn="ctr"/>
+            <a:endParaRPr lang="en-US"/>
+          </a:p>
+        </p:txBody>
+      </p:sp>
+      <p:cxnSp>
+        <p:nvCxnSpPr>
+          <p:cNvPr id="33" name="Straight Arrow Connector 32">
+            <a:extLst>
+              <a:ext uri="{FF2B5EF4-FFF2-40B4-BE49-F238E27FC236}">
+                <a16:creationId xmlns:a16="http://schemas.microsoft.com/office/drawing/2014/main" id="{D93798EB-CEA3-46C6-A327-9A853E426640}"/>
+              </a:ext>
+            </a:extLst>
+          </p:cNvPr>
+          <p:cNvCxnSpPr/>
+          <p:nvPr/>
+        </p:nvCxnSpPr>
+        <p:spPr>
+          <a:xfrm>
+            <a:off x="2209119" y="5311279"/>
+            <a:ext cx="1277044" cy="0"/>
+          </a:xfrm>
+          <a:prstGeom prst="straightConnector1">
+            <a:avLst/>
+          </a:prstGeom>
+          <a:ln w="25400">
+            <a:solidFill>
+              <a:schemeClr val="tx1"/>
+            </a:solidFill>
+            <a:tailEnd type="triangle"/>
+          </a:ln>
+        </p:spPr>
+        <p:style>
+          <a:lnRef idx="1">
+            <a:schemeClr val="accent1"/>
+          </a:lnRef>
+          <a:fillRef idx="0">
+            <a:schemeClr val="accent1"/>
+          </a:fillRef>
+          <a:effectRef idx="0">
+            <a:schemeClr val="accent1"/>
+          </a:effectRef>
+          <a:fontRef idx="minor">
+            <a:schemeClr val="tx1"/>
+          </a:fontRef>
+        </p:style>
+      </p:cxnSp>
+      <p:cxnSp>
+        <p:nvCxnSpPr>
+          <p:cNvPr id="34" name="Straight Connector 33">
+            <a:extLst>
+              <a:ext uri="{FF2B5EF4-FFF2-40B4-BE49-F238E27FC236}">
+                <a16:creationId xmlns:a16="http://schemas.microsoft.com/office/drawing/2014/main" id="{9E3626BF-369B-4F87-8C11-497B0139B930}"/>
+              </a:ext>
+            </a:extLst>
+          </p:cNvPr>
+          <p:cNvCxnSpPr/>
+          <p:nvPr/>
+        </p:nvCxnSpPr>
+        <p:spPr>
+          <a:xfrm flipH="1">
+            <a:off x="3409963" y="5182692"/>
+            <a:ext cx="209550" cy="257175"/>
+          </a:xfrm>
+          <a:prstGeom prst="line">
+            <a:avLst/>
+          </a:prstGeom>
+          <a:ln w="38100"/>
+        </p:spPr>
+        <p:style>
+          <a:lnRef idx="1">
+            <a:schemeClr val="dk1"/>
+          </a:lnRef>
+          <a:fillRef idx="0">
+            <a:schemeClr val="dk1"/>
+          </a:fillRef>
+          <a:effectRef idx="0">
+            <a:schemeClr val="dk1"/>
+          </a:effectRef>
+          <a:fontRef idx="minor">
+            <a:schemeClr val="tx1"/>
+          </a:fontRef>
+        </p:style>
+      </p:cxnSp>
+      <p:cxnSp>
+        <p:nvCxnSpPr>
+          <p:cNvPr id="35" name="Straight Connector 34">
+            <a:extLst>
+              <a:ext uri="{FF2B5EF4-FFF2-40B4-BE49-F238E27FC236}">
+                <a16:creationId xmlns:a16="http://schemas.microsoft.com/office/drawing/2014/main" id="{38F9DA2C-5906-41EA-8398-180E231E7464}"/>
+              </a:ext>
+            </a:extLst>
+          </p:cNvPr>
+          <p:cNvCxnSpPr>
+            <a:cxnSpLocks/>
+          </p:cNvCxnSpPr>
+          <p:nvPr/>
+        </p:nvCxnSpPr>
+        <p:spPr>
+          <a:xfrm>
+            <a:off x="3409963" y="5182692"/>
+            <a:ext cx="209550" cy="257175"/>
+          </a:xfrm>
+          <a:prstGeom prst="line">
+            <a:avLst/>
+          </a:prstGeom>
+          <a:ln w="38100"/>
+        </p:spPr>
+        <p:style>
+          <a:lnRef idx="1">
+            <a:schemeClr val="dk1"/>
+          </a:lnRef>
+          <a:fillRef idx="0">
+            <a:schemeClr val="dk1"/>
+          </a:fillRef>
+          <a:effectRef idx="0">
+            <a:schemeClr val="dk1"/>
+          </a:effectRef>
+          <a:fontRef idx="minor">
+            <a:schemeClr val="tx1"/>
+          </a:fontRef>
+        </p:style>
+      </p:cxnSp>
+      <p:sp>
+        <p:nvSpPr>
+          <p:cNvPr id="36" name="TextBox 35">
+            <a:extLst>
+              <a:ext uri="{FF2B5EF4-FFF2-40B4-BE49-F238E27FC236}">
+                <a16:creationId xmlns:a16="http://schemas.microsoft.com/office/drawing/2014/main" id="{5D16887F-1794-4BFC-A6DA-0075C2891499}"/>
+              </a:ext>
+            </a:extLst>
+          </p:cNvPr>
+          <p:cNvSpPr txBox="1"/>
+          <p:nvPr/>
+        </p:nvSpPr>
+        <p:spPr>
+          <a:xfrm>
+            <a:off x="1774544" y="5568454"/>
+            <a:ext cx="869149" cy="461665"/>
+          </a:xfrm>
+          <a:prstGeom prst="rect">
+            <a:avLst/>
+          </a:prstGeom>
+          <a:noFill/>
+        </p:spPr>
+        <p:txBody>
+          <a:bodyPr wrap="none" rtlCol="0">
+            <a:spAutoFit/>
+          </a:bodyPr>
+          <a:lstStyle/>
+          <a:p>
+            <a:r>
+              <a:rPr lang="en-US" sz="2400" dirty="0">
+                <a:latin typeface="Arial" panose="020B0604020202020204" pitchFamily="34" charset="0"/>
+                <a:cs typeface="Arial" panose="020B0604020202020204" pitchFamily="34" charset="0"/>
+              </a:rPr>
+              <a:t>atom</a:t>
+            </a:r>
+          </a:p>
+        </p:txBody>
+      </p:sp>
+      <mc:AlternateContent xmlns:mc="http://schemas.openxmlformats.org/markup-compatibility/2006">
+        <mc:Choice xmlns:a14="http://schemas.microsoft.com/office/drawing/2010/main" Requires="a14">
+          <p:sp>
+            <p:nvSpPr>
+              <p:cNvPr id="37" name="TextBox 36">
+                <a:extLst>
+                  <a:ext uri="{FF2B5EF4-FFF2-40B4-BE49-F238E27FC236}">
+                    <a16:creationId xmlns:a16="http://schemas.microsoft.com/office/drawing/2014/main" id="{B35E35F3-EF68-4F2F-A53C-1371C4B8A560}"/>
+                  </a:ext>
+                </a:extLst>
+              </p:cNvPr>
+              <p:cNvSpPr txBox="1"/>
+              <p:nvPr/>
+            </p:nvSpPr>
+            <p:spPr>
+              <a:xfrm>
+                <a:off x="3199802" y="5568454"/>
+                <a:ext cx="572721" cy="461665"/>
+              </a:xfrm>
+              <a:prstGeom prst="rect">
+                <a:avLst/>
+              </a:prstGeom>
+              <a:noFill/>
+            </p:spPr>
+            <p:txBody>
+              <a:bodyPr wrap="none" rtlCol="0">
+                <a:spAutoFit/>
+              </a:bodyPr>
+              <a:lstStyle/>
+              <a:p>
+                <a14:m>
+                  <m:oMathPara xmlns:m="http://schemas.openxmlformats.org/officeDocument/2006/math">
+                    <m:oMathParaPr>
+                      <m:jc m:val="centerGroup"/>
+                    </m:oMathParaPr>
+                    <m:oMath xmlns:m="http://schemas.openxmlformats.org/officeDocument/2006/math">
+                      <m:sSub>
+                        <m:sSubPr>
+                          <m:ctrlPr>
+                            <a:rPr lang="en-US" sz="2400" b="0" i="1" smtClean="0">
+                              <a:latin typeface="Cambria Math" panose="02040503050406030204" pitchFamily="18" charset="0"/>
+                              <a:cs typeface="Arial" panose="020B0604020202020204" pitchFamily="34" charset="0"/>
+                            </a:rPr>
+                          </m:ctrlPr>
+                        </m:sSubPr>
+                        <m:e>
+                          <m:r>
+                            <a:rPr lang="en-US" sz="2400" b="0" i="1" smtClean="0">
+                              <a:latin typeface="Cambria Math" panose="02040503050406030204" pitchFamily="18" charset="0"/>
+                              <a:cs typeface="Arial" panose="020B0604020202020204" pitchFamily="34" charset="0"/>
+                            </a:rPr>
+                            <m:t>𝑥</m:t>
+                          </m:r>
+                        </m:e>
+                        <m:sub>
+                          <m:r>
+                            <a:rPr lang="en-US" sz="2400" b="0" i="1" smtClean="0">
+                              <a:latin typeface="Cambria Math" panose="02040503050406030204" pitchFamily="18" charset="0"/>
+                              <a:cs typeface="Arial" panose="020B0604020202020204" pitchFamily="34" charset="0"/>
+                            </a:rPr>
+                            <m:t>2</m:t>
+                          </m:r>
+                        </m:sub>
+                      </m:sSub>
+                    </m:oMath>
+                  </m:oMathPara>
+                </a14:m>
+                <a:endParaRPr lang="en-US" sz="2400" dirty="0">
+                  <a:latin typeface="Arial" panose="020B0604020202020204" pitchFamily="34" charset="0"/>
+                  <a:cs typeface="Arial" panose="020B0604020202020204" pitchFamily="34" charset="0"/>
+                </a:endParaRPr>
+              </a:p>
+            </p:txBody>
+          </p:sp>
+        </mc:Choice>
+        <mc:Fallback>
+          <p:sp>
+            <p:nvSpPr>
+              <p:cNvPr id="37" name="TextBox 36">
+                <a:extLst>
+                  <a:ext uri="{FF2B5EF4-FFF2-40B4-BE49-F238E27FC236}">
+                    <a16:creationId xmlns:a16="http://schemas.microsoft.com/office/drawing/2014/main" id="{B35E35F3-EF68-4F2F-A53C-1371C4B8A560}"/>
+                  </a:ext>
+                </a:extLst>
+              </p:cNvPr>
+              <p:cNvSpPr txBox="1">
+                <a:spLocks noRot="1" noChangeAspect="1" noMove="1" noResize="1" noEditPoints="1" noAdjustHandles="1" noChangeArrowheads="1" noChangeShapeType="1" noTextEdit="1"/>
+              </p:cNvSpPr>
+              <p:nvPr/>
+            </p:nvSpPr>
+            <p:spPr>
+              <a:xfrm>
+                <a:off x="3199802" y="5568454"/>
+                <a:ext cx="572721" cy="461665"/>
+              </a:xfrm>
+              <a:prstGeom prst="rect">
+                <a:avLst/>
+              </a:prstGeom>
+              <a:blipFill>
+                <a:blip r:embed="rId6"/>
+                <a:stretch>
+                  <a:fillRect b="-3947"/>
+                </a:stretch>
+              </a:blipFill>
+            </p:spPr>
+            <p:txBody>
+              <a:bodyPr/>
+              <a:lstStyle/>
+              <a:p>
+                <a:r>
+                  <a:rPr lang="en-US">
+                    <a:noFill/>
+                  </a:rPr>
+                  <a:t> </a:t>
+                </a:r>
+              </a:p>
+            </p:txBody>
+          </p:sp>
+        </mc:Fallback>
+      </mc:AlternateContent>
+      <mc:AlternateContent xmlns:mc="http://schemas.openxmlformats.org/markup-compatibility/2006">
+        <mc:Choice xmlns:a14="http://schemas.microsoft.com/office/drawing/2010/main" Requires="a14">
+          <p:sp>
+            <p:nvSpPr>
+              <p:cNvPr id="38" name="TextBox 37">
+                <a:extLst>
+                  <a:ext uri="{FF2B5EF4-FFF2-40B4-BE49-F238E27FC236}">
+                    <a16:creationId xmlns:a16="http://schemas.microsoft.com/office/drawing/2014/main" id="{2DA65B30-622D-4DEB-9B8B-8991ED35F939}"/>
+                  </a:ext>
+                </a:extLst>
+              </p:cNvPr>
+              <p:cNvSpPr txBox="1"/>
+              <p:nvPr/>
+            </p:nvSpPr>
+            <p:spPr>
+              <a:xfrm>
+                <a:off x="3033257" y="4590744"/>
+                <a:ext cx="753411" cy="523220"/>
+              </a:xfrm>
+              <a:prstGeom prst="rect">
+                <a:avLst/>
+              </a:prstGeom>
+              <a:noFill/>
+            </p:spPr>
+            <p:txBody>
+              <a:bodyPr wrap="none" rtlCol="0">
+                <a:spAutoFit/>
+              </a:bodyPr>
+              <a:lstStyle/>
+              <a:p>
+                <a:pPr/>
+                <a14:m>
+                  <m:oMathPara xmlns:m="http://schemas.openxmlformats.org/officeDocument/2006/math">
+                    <m:oMathParaPr>
+                      <m:jc m:val="centerGroup"/>
+                    </m:oMathParaPr>
+                    <m:oMath xmlns:m="http://schemas.openxmlformats.org/officeDocument/2006/math">
+                      <m:r>
+                        <a:rPr lang="en-US" sz="2800" b="0" i="1" smtClean="0">
+                          <a:latin typeface="Cambria Math" panose="02040503050406030204" pitchFamily="18" charset="0"/>
+                          <a:cs typeface="Arial" panose="020B0604020202020204" pitchFamily="34" charset="0"/>
+                        </a:rPr>
+                        <m:t>+</m:t>
+                      </m:r>
+                      <m:r>
+                        <a:rPr lang="en-US" sz="2800" b="0" i="1" smtClean="0">
+                          <a:latin typeface="Cambria Math" panose="02040503050406030204" pitchFamily="18" charset="0"/>
+                          <a:cs typeface="Arial" panose="020B0604020202020204" pitchFamily="34" charset="0"/>
+                        </a:rPr>
+                        <m:t>𝑥</m:t>
+                      </m:r>
+                    </m:oMath>
+                  </m:oMathPara>
+                </a14:m>
+                <a:endParaRPr lang="en-US" sz="2800" dirty="0">
+                  <a:latin typeface="Arial" panose="020B0604020202020204" pitchFamily="34" charset="0"/>
+                  <a:cs typeface="Arial" panose="020B0604020202020204" pitchFamily="34" charset="0"/>
+                </a:endParaRPr>
+              </a:p>
+            </p:txBody>
+          </p:sp>
+        </mc:Choice>
+        <mc:Fallback>
+          <p:sp>
+            <p:nvSpPr>
+              <p:cNvPr id="38" name="TextBox 37">
+                <a:extLst>
+                  <a:ext uri="{FF2B5EF4-FFF2-40B4-BE49-F238E27FC236}">
+                    <a16:creationId xmlns:a16="http://schemas.microsoft.com/office/drawing/2014/main" id="{2DA65B30-622D-4DEB-9B8B-8991ED35F939}"/>
+                  </a:ext>
+                </a:extLst>
+              </p:cNvPr>
+              <p:cNvSpPr txBox="1">
+                <a:spLocks noRot="1" noChangeAspect="1" noMove="1" noResize="1" noEditPoints="1" noAdjustHandles="1" noChangeArrowheads="1" noChangeShapeType="1" noTextEdit="1"/>
+              </p:cNvSpPr>
+              <p:nvPr/>
+            </p:nvSpPr>
+            <p:spPr>
+              <a:xfrm>
+                <a:off x="3033257" y="4590744"/>
+                <a:ext cx="753411" cy="523220"/>
+              </a:xfrm>
+              <a:prstGeom prst="rect">
+                <a:avLst/>
+              </a:prstGeom>
+              <a:blipFill>
+                <a:blip r:embed="rId7"/>
+                <a:stretch>
+                  <a:fillRect/>
+                </a:stretch>
+              </a:blipFill>
+            </p:spPr>
+            <p:txBody>
+              <a:bodyPr/>
+              <a:lstStyle/>
+              <a:p>
+                <a:r>
+                  <a:rPr lang="en-US">
+                    <a:noFill/>
+                  </a:rPr>
+                  <a:t> </a:t>
+                </a:r>
+              </a:p>
+            </p:txBody>
+          </p:sp>
+        </mc:Fallback>
+      </mc:AlternateContent>
+      <p:cxnSp>
+        <p:nvCxnSpPr>
+          <p:cNvPr id="39" name="Straight Connector 38">
+            <a:extLst>
+              <a:ext uri="{FF2B5EF4-FFF2-40B4-BE49-F238E27FC236}">
+                <a16:creationId xmlns:a16="http://schemas.microsoft.com/office/drawing/2014/main" id="{D9838C76-6786-4D27-BD11-3A70BC14CE52}"/>
+              </a:ext>
+            </a:extLst>
+          </p:cNvPr>
+          <p:cNvCxnSpPr>
+            <a:cxnSpLocks/>
+          </p:cNvCxnSpPr>
+          <p:nvPr/>
+        </p:nvCxnSpPr>
+        <p:spPr>
+          <a:xfrm>
+            <a:off x="3880416" y="5182692"/>
+            <a:ext cx="209550" cy="257175"/>
+          </a:xfrm>
+          <a:prstGeom prst="line">
+            <a:avLst/>
+          </a:prstGeom>
+          <a:ln w="38100"/>
+        </p:spPr>
+        <p:style>
+          <a:lnRef idx="1">
+            <a:schemeClr val="dk1"/>
+          </a:lnRef>
+          <a:fillRef idx="0">
+            <a:schemeClr val="dk1"/>
+          </a:fillRef>
+          <a:effectRef idx="0">
+            <a:schemeClr val="dk1"/>
+          </a:effectRef>
+          <a:fontRef idx="minor">
+            <a:schemeClr val="tx1"/>
+          </a:fontRef>
+        </p:style>
+      </p:cxnSp>
+      <p:cxnSp>
+        <p:nvCxnSpPr>
+          <p:cNvPr id="40" name="Straight Connector 39">
+            <a:extLst>
+              <a:ext uri="{FF2B5EF4-FFF2-40B4-BE49-F238E27FC236}">
+                <a16:creationId xmlns:a16="http://schemas.microsoft.com/office/drawing/2014/main" id="{83785080-CBA8-4D1C-AEA9-92EFEE53DB4F}"/>
+              </a:ext>
+            </a:extLst>
+          </p:cNvPr>
+          <p:cNvCxnSpPr>
+            <a:cxnSpLocks/>
+          </p:cNvCxnSpPr>
+          <p:nvPr/>
+        </p:nvCxnSpPr>
+        <p:spPr>
+          <a:xfrm flipH="1">
+            <a:off x="3880416" y="5170361"/>
+            <a:ext cx="200388" cy="281835"/>
+          </a:xfrm>
+          <a:prstGeom prst="line">
+            <a:avLst/>
+          </a:prstGeom>
+          <a:ln w="38100"/>
+        </p:spPr>
+        <p:style>
+          <a:lnRef idx="1">
+            <a:schemeClr val="dk1"/>
+          </a:lnRef>
+          <a:fillRef idx="0">
+            <a:schemeClr val="dk1"/>
+          </a:fillRef>
+          <a:effectRef idx="0">
+            <a:schemeClr val="dk1"/>
+          </a:effectRef>
+          <a:fontRef idx="minor">
+            <a:schemeClr val="tx1"/>
+          </a:fontRef>
+        </p:style>
+      </p:cxnSp>
+      <mc:AlternateContent xmlns:mc="http://schemas.openxmlformats.org/markup-compatibility/2006">
+        <mc:Choice xmlns:a14="http://schemas.microsoft.com/office/drawing/2010/main" Requires="a14">
+          <p:sp>
+            <p:nvSpPr>
+              <p:cNvPr id="43" name="TextBox 42">
+                <a:extLst>
+                  <a:ext uri="{FF2B5EF4-FFF2-40B4-BE49-F238E27FC236}">
+                    <a16:creationId xmlns:a16="http://schemas.microsoft.com/office/drawing/2014/main" id="{3296F69A-9DC7-46F1-AC8E-F7955CF24DAC}"/>
+                  </a:ext>
+                </a:extLst>
+              </p:cNvPr>
+              <p:cNvSpPr txBox="1"/>
+              <p:nvPr/>
+            </p:nvSpPr>
+            <p:spPr>
+              <a:xfrm>
+                <a:off x="3749451" y="5568454"/>
+                <a:ext cx="572721" cy="461665"/>
+              </a:xfrm>
+              <a:prstGeom prst="rect">
+                <a:avLst/>
+              </a:prstGeom>
+              <a:noFill/>
+            </p:spPr>
+            <p:txBody>
+              <a:bodyPr wrap="none" rtlCol="0">
+                <a:spAutoFit/>
+              </a:bodyPr>
+              <a:lstStyle/>
+              <a:p>
+                <a14:m>
+                  <m:oMathPara xmlns:m="http://schemas.openxmlformats.org/officeDocument/2006/math">
+                    <m:oMathParaPr>
+                      <m:jc m:val="centerGroup"/>
+                    </m:oMathParaPr>
+                    <m:oMath xmlns:m="http://schemas.openxmlformats.org/officeDocument/2006/math">
+                      <m:sSub>
+                        <m:sSubPr>
+                          <m:ctrlPr>
+                            <a:rPr lang="en-US" sz="2400" b="0" i="1" smtClean="0">
+                              <a:latin typeface="Cambria Math" panose="02040503050406030204" pitchFamily="18" charset="0"/>
+                              <a:cs typeface="Arial" panose="020B0604020202020204" pitchFamily="34" charset="0"/>
+                            </a:rPr>
+                          </m:ctrlPr>
+                        </m:sSubPr>
+                        <m:e>
+                          <m:r>
+                            <a:rPr lang="en-US" sz="2400" b="0" i="1" smtClean="0">
+                              <a:latin typeface="Cambria Math" panose="02040503050406030204" pitchFamily="18" charset="0"/>
+                              <a:cs typeface="Arial" panose="020B0604020202020204" pitchFamily="34" charset="0"/>
+                            </a:rPr>
+                            <m:t>𝑥</m:t>
+                          </m:r>
+                        </m:e>
+                        <m:sub>
+                          <m:r>
+                            <a:rPr lang="en-US" sz="2400" b="0" i="1" smtClean="0">
+                              <a:latin typeface="Cambria Math" panose="02040503050406030204" pitchFamily="18" charset="0"/>
+                              <a:cs typeface="Arial" panose="020B0604020202020204" pitchFamily="34" charset="0"/>
+                            </a:rPr>
+                            <m:t>1</m:t>
+                          </m:r>
+                        </m:sub>
+                      </m:sSub>
+                    </m:oMath>
+                  </m:oMathPara>
+                </a14:m>
+                <a:endParaRPr lang="en-US" sz="2400" dirty="0">
+                  <a:latin typeface="Arial" panose="020B0604020202020204" pitchFamily="34" charset="0"/>
+                  <a:cs typeface="Arial" panose="020B0604020202020204" pitchFamily="34" charset="0"/>
+                </a:endParaRPr>
+              </a:p>
+            </p:txBody>
+          </p:sp>
+        </mc:Choice>
+        <mc:Fallback>
+          <p:sp>
+            <p:nvSpPr>
+              <p:cNvPr id="43" name="TextBox 42">
+                <a:extLst>
+                  <a:ext uri="{FF2B5EF4-FFF2-40B4-BE49-F238E27FC236}">
+                    <a16:creationId xmlns:a16="http://schemas.microsoft.com/office/drawing/2014/main" id="{3296F69A-9DC7-46F1-AC8E-F7955CF24DAC}"/>
+                  </a:ext>
+                </a:extLst>
+              </p:cNvPr>
+              <p:cNvSpPr txBox="1">
+                <a:spLocks noRot="1" noChangeAspect="1" noMove="1" noResize="1" noEditPoints="1" noAdjustHandles="1" noChangeArrowheads="1" noChangeShapeType="1" noTextEdit="1"/>
+              </p:cNvSpPr>
+              <p:nvPr/>
+            </p:nvSpPr>
+            <p:spPr>
+              <a:xfrm>
+                <a:off x="3749451" y="5568454"/>
+                <a:ext cx="572721" cy="461665"/>
+              </a:xfrm>
+              <a:prstGeom prst="rect">
+                <a:avLst/>
+              </a:prstGeom>
+              <a:blipFill>
+                <a:blip r:embed="rId8"/>
+                <a:stretch>
+                  <a:fillRect b="-3947"/>
+                </a:stretch>
+              </a:blipFill>
+            </p:spPr>
+            <p:txBody>
+              <a:bodyPr/>
+              <a:lstStyle/>
+              <a:p>
+                <a:r>
+                  <a:rPr lang="en-US">
+                    <a:noFill/>
+                  </a:rPr>
+                  <a:t> </a:t>
+                </a:r>
+              </a:p>
+            </p:txBody>
+          </p:sp>
+        </mc:Fallback>
+      </mc:AlternateContent>
+      <p:sp>
+        <p:nvSpPr>
+          <p:cNvPr id="44" name="Oval 43">
+            <a:extLst>
+              <a:ext uri="{FF2B5EF4-FFF2-40B4-BE49-F238E27FC236}">
+                <a16:creationId xmlns:a16="http://schemas.microsoft.com/office/drawing/2014/main" id="{C4A36C29-2043-467F-A550-09B04D9931D7}"/>
+              </a:ext>
+            </a:extLst>
+          </p:cNvPr>
+          <p:cNvSpPr/>
+          <p:nvPr/>
+        </p:nvSpPr>
+        <p:spPr>
+          <a:xfrm>
+            <a:off x="7305299" y="5054105"/>
+            <a:ext cx="267393" cy="257175"/>
+          </a:xfrm>
+          <a:prstGeom prst="ellipse">
+            <a:avLst/>
+          </a:prstGeom>
+        </p:spPr>
+        <p:style>
+          <a:lnRef idx="2">
+            <a:schemeClr val="accent1">
+              <a:shade val="50000"/>
+            </a:schemeClr>
+          </a:lnRef>
+          <a:fillRef idx="1">
+            <a:schemeClr val="accent1"/>
+          </a:fillRef>
+          <a:effectRef idx="0">
+            <a:schemeClr val="accent1"/>
+          </a:effectRef>
+          <a:fontRef idx="minor">
+            <a:schemeClr val="lt1"/>
+          </a:fontRef>
+        </p:style>
+        <p:txBody>
+          <a:bodyPr rtlCol="0" anchor="ctr"/>
+          <a:lstStyle/>
+          <a:p>
+            <a:pPr algn="ctr"/>
+            <a:endParaRPr lang="en-US"/>
+          </a:p>
+        </p:txBody>
+      </p:sp>
+      <p:cxnSp>
+        <p:nvCxnSpPr>
+          <p:cNvPr id="45" name="Straight Arrow Connector 44">
+            <a:extLst>
+              <a:ext uri="{FF2B5EF4-FFF2-40B4-BE49-F238E27FC236}">
+                <a16:creationId xmlns:a16="http://schemas.microsoft.com/office/drawing/2014/main" id="{550E8BA3-24C4-4A5B-8594-B17995D1B31E}"/>
+              </a:ext>
+            </a:extLst>
+          </p:cNvPr>
+          <p:cNvCxnSpPr/>
+          <p:nvPr/>
+        </p:nvCxnSpPr>
+        <p:spPr>
+          <a:xfrm>
+            <a:off x="7438995" y="5182692"/>
+            <a:ext cx="1277044" cy="0"/>
+          </a:xfrm>
+          <a:prstGeom prst="straightConnector1">
+            <a:avLst/>
+          </a:prstGeom>
+          <a:ln w="25400">
+            <a:solidFill>
+              <a:schemeClr val="tx1"/>
+            </a:solidFill>
+            <a:tailEnd type="triangle"/>
+          </a:ln>
+        </p:spPr>
+        <p:style>
+          <a:lnRef idx="1">
+            <a:schemeClr val="accent1"/>
+          </a:lnRef>
+          <a:fillRef idx="0">
+            <a:schemeClr val="accent1"/>
+          </a:fillRef>
+          <a:effectRef idx="0">
+            <a:schemeClr val="accent1"/>
+          </a:effectRef>
+          <a:fontRef idx="minor">
+            <a:schemeClr val="tx1"/>
+          </a:fontRef>
+        </p:style>
+      </p:cxnSp>
+      <p:cxnSp>
+        <p:nvCxnSpPr>
+          <p:cNvPr id="46" name="Straight Connector 45">
+            <a:extLst>
+              <a:ext uri="{FF2B5EF4-FFF2-40B4-BE49-F238E27FC236}">
+                <a16:creationId xmlns:a16="http://schemas.microsoft.com/office/drawing/2014/main" id="{69DE012B-E787-4199-8DDE-DC4AB326BCF3}"/>
+              </a:ext>
+            </a:extLst>
+          </p:cNvPr>
+          <p:cNvCxnSpPr/>
+          <p:nvPr/>
+        </p:nvCxnSpPr>
+        <p:spPr>
+          <a:xfrm flipH="1">
+            <a:off x="8639839" y="5054105"/>
+            <a:ext cx="209550" cy="257175"/>
+          </a:xfrm>
+          <a:prstGeom prst="line">
+            <a:avLst/>
+          </a:prstGeom>
+          <a:ln w="38100"/>
+        </p:spPr>
+        <p:style>
+          <a:lnRef idx="1">
+            <a:schemeClr val="dk1"/>
+          </a:lnRef>
+          <a:fillRef idx="0">
+            <a:schemeClr val="dk1"/>
+          </a:fillRef>
+          <a:effectRef idx="0">
+            <a:schemeClr val="dk1"/>
+          </a:effectRef>
+          <a:fontRef idx="minor">
+            <a:schemeClr val="tx1"/>
+          </a:fontRef>
+        </p:style>
+      </p:cxnSp>
+      <p:cxnSp>
+        <p:nvCxnSpPr>
+          <p:cNvPr id="47" name="Straight Connector 46">
+            <a:extLst>
+              <a:ext uri="{FF2B5EF4-FFF2-40B4-BE49-F238E27FC236}">
+                <a16:creationId xmlns:a16="http://schemas.microsoft.com/office/drawing/2014/main" id="{A4DEB69E-4E48-4029-BA90-D65138B9CBD5}"/>
+              </a:ext>
+            </a:extLst>
+          </p:cNvPr>
+          <p:cNvCxnSpPr>
+            <a:cxnSpLocks/>
+          </p:cNvCxnSpPr>
+          <p:nvPr/>
+        </p:nvCxnSpPr>
+        <p:spPr>
+          <a:xfrm>
+            <a:off x="8639839" y="5054105"/>
+            <a:ext cx="209550" cy="257175"/>
+          </a:xfrm>
+          <a:prstGeom prst="line">
+            <a:avLst/>
+          </a:prstGeom>
+          <a:ln w="38100"/>
+        </p:spPr>
+        <p:style>
+          <a:lnRef idx="1">
+            <a:schemeClr val="dk1"/>
+          </a:lnRef>
+          <a:fillRef idx="0">
+            <a:schemeClr val="dk1"/>
+          </a:fillRef>
+          <a:effectRef idx="0">
+            <a:schemeClr val="dk1"/>
+          </a:effectRef>
+          <a:fontRef idx="minor">
+            <a:schemeClr val="tx1"/>
+          </a:fontRef>
+        </p:style>
+      </p:cxnSp>
+      <p:sp>
+        <p:nvSpPr>
+          <p:cNvPr id="48" name="TextBox 47">
+            <a:extLst>
+              <a:ext uri="{FF2B5EF4-FFF2-40B4-BE49-F238E27FC236}">
+                <a16:creationId xmlns:a16="http://schemas.microsoft.com/office/drawing/2014/main" id="{7C77D771-0332-42C6-B970-CC75B164A3A7}"/>
+              </a:ext>
+            </a:extLst>
+          </p:cNvPr>
+          <p:cNvSpPr txBox="1"/>
+          <p:nvPr/>
+        </p:nvSpPr>
+        <p:spPr>
+          <a:xfrm>
+            <a:off x="7004420" y="5439867"/>
+            <a:ext cx="869149" cy="461665"/>
+          </a:xfrm>
+          <a:prstGeom prst="rect">
+            <a:avLst/>
+          </a:prstGeom>
+          <a:noFill/>
+        </p:spPr>
+        <p:txBody>
+          <a:bodyPr wrap="none" rtlCol="0">
+            <a:spAutoFit/>
+          </a:bodyPr>
+          <a:lstStyle/>
+          <a:p>
+            <a:r>
+              <a:rPr lang="en-US" sz="2400" dirty="0">
+                <a:latin typeface="Arial" panose="020B0604020202020204" pitchFamily="34" charset="0"/>
+                <a:cs typeface="Arial" panose="020B0604020202020204" pitchFamily="34" charset="0"/>
+              </a:rPr>
+              <a:t>atom</a:t>
+            </a:r>
+          </a:p>
+        </p:txBody>
+      </p:sp>
+      <mc:AlternateContent xmlns:mc="http://schemas.openxmlformats.org/markup-compatibility/2006">
+        <mc:Choice xmlns:a14="http://schemas.microsoft.com/office/drawing/2010/main" Requires="a14">
+          <p:sp>
+            <p:nvSpPr>
+              <p:cNvPr id="49" name="TextBox 48">
+                <a:extLst>
+                  <a:ext uri="{FF2B5EF4-FFF2-40B4-BE49-F238E27FC236}">
+                    <a16:creationId xmlns:a16="http://schemas.microsoft.com/office/drawing/2014/main" id="{A804FA38-22ED-4874-A4B3-F5ADB36072A9}"/>
+                  </a:ext>
+                </a:extLst>
+              </p:cNvPr>
+              <p:cNvSpPr txBox="1"/>
+              <p:nvPr/>
+            </p:nvSpPr>
+            <p:spPr>
+              <a:xfrm>
+                <a:off x="8429678" y="5439867"/>
+                <a:ext cx="572721" cy="461665"/>
+              </a:xfrm>
+              <a:prstGeom prst="rect">
+                <a:avLst/>
+              </a:prstGeom>
+              <a:noFill/>
+            </p:spPr>
+            <p:txBody>
+              <a:bodyPr wrap="none" rtlCol="0">
+                <a:spAutoFit/>
+              </a:bodyPr>
+              <a:lstStyle/>
+              <a:p>
+                <a14:m>
+                  <m:oMathPara xmlns:m="http://schemas.openxmlformats.org/officeDocument/2006/math">
+                    <m:oMathParaPr>
+                      <m:jc m:val="centerGroup"/>
+                    </m:oMathParaPr>
+                    <m:oMath xmlns:m="http://schemas.openxmlformats.org/officeDocument/2006/math">
+                      <m:sSub>
+                        <m:sSubPr>
+                          <m:ctrlPr>
+                            <a:rPr lang="en-US" sz="2400" b="0" i="1" smtClean="0">
+                              <a:latin typeface="Cambria Math" panose="02040503050406030204" pitchFamily="18" charset="0"/>
+                              <a:cs typeface="Arial" panose="020B0604020202020204" pitchFamily="34" charset="0"/>
+                            </a:rPr>
+                          </m:ctrlPr>
+                        </m:sSubPr>
+                        <m:e>
+                          <m:r>
+                            <a:rPr lang="en-US" sz="2400" b="0" i="1" smtClean="0">
+                              <a:latin typeface="Cambria Math" panose="02040503050406030204" pitchFamily="18" charset="0"/>
+                              <a:cs typeface="Arial" panose="020B0604020202020204" pitchFamily="34" charset="0"/>
+                            </a:rPr>
+                            <m:t>𝑥</m:t>
+                          </m:r>
+                        </m:e>
+                        <m:sub>
+                          <m:r>
+                            <a:rPr lang="en-US" sz="2400" b="0" i="1" smtClean="0">
+                              <a:latin typeface="Cambria Math" panose="02040503050406030204" pitchFamily="18" charset="0"/>
+                              <a:cs typeface="Arial" panose="020B0604020202020204" pitchFamily="34" charset="0"/>
+                            </a:rPr>
+                            <m:t>2</m:t>
+                          </m:r>
+                        </m:sub>
+                      </m:sSub>
+                    </m:oMath>
+                  </m:oMathPara>
+                </a14:m>
+                <a:endParaRPr lang="en-US" sz="2400" dirty="0">
+                  <a:latin typeface="Arial" panose="020B0604020202020204" pitchFamily="34" charset="0"/>
+                  <a:cs typeface="Arial" panose="020B0604020202020204" pitchFamily="34" charset="0"/>
+                </a:endParaRPr>
+              </a:p>
+            </p:txBody>
+          </p:sp>
+        </mc:Choice>
+        <mc:Fallback>
+          <p:sp>
+            <p:nvSpPr>
+              <p:cNvPr id="49" name="TextBox 48">
+                <a:extLst>
+                  <a:ext uri="{FF2B5EF4-FFF2-40B4-BE49-F238E27FC236}">
+                    <a16:creationId xmlns:a16="http://schemas.microsoft.com/office/drawing/2014/main" id="{A804FA38-22ED-4874-A4B3-F5ADB36072A9}"/>
+                  </a:ext>
+                </a:extLst>
+              </p:cNvPr>
+              <p:cNvSpPr txBox="1">
+                <a:spLocks noRot="1" noChangeAspect="1" noMove="1" noResize="1" noEditPoints="1" noAdjustHandles="1" noChangeArrowheads="1" noChangeShapeType="1" noTextEdit="1"/>
+              </p:cNvSpPr>
+              <p:nvPr/>
+            </p:nvSpPr>
+            <p:spPr>
+              <a:xfrm>
+                <a:off x="8429678" y="5439867"/>
+                <a:ext cx="572721" cy="461665"/>
+              </a:xfrm>
+              <a:prstGeom prst="rect">
+                <a:avLst/>
+              </a:prstGeom>
+              <a:blipFill>
+                <a:blip r:embed="rId9"/>
+                <a:stretch>
+                  <a:fillRect b="-3947"/>
+                </a:stretch>
+              </a:blipFill>
+            </p:spPr>
+            <p:txBody>
+              <a:bodyPr/>
+              <a:lstStyle/>
+              <a:p>
+                <a:r>
+                  <a:rPr lang="en-US">
+                    <a:noFill/>
+                  </a:rPr>
+                  <a:t> </a:t>
+                </a:r>
+              </a:p>
+            </p:txBody>
+          </p:sp>
+        </mc:Fallback>
+      </mc:AlternateContent>
+      <mc:AlternateContent xmlns:mc="http://schemas.openxmlformats.org/markup-compatibility/2006">
+        <mc:Choice xmlns:a14="http://schemas.microsoft.com/office/drawing/2010/main" Requires="a14">
+          <p:sp>
+            <p:nvSpPr>
+              <p:cNvPr id="50" name="TextBox 49">
+                <a:extLst>
+                  <a:ext uri="{FF2B5EF4-FFF2-40B4-BE49-F238E27FC236}">
+                    <a16:creationId xmlns:a16="http://schemas.microsoft.com/office/drawing/2014/main" id="{F50E0CCE-D731-48C7-8379-295B7B2BE23F}"/>
+                  </a:ext>
+                </a:extLst>
+              </p:cNvPr>
+              <p:cNvSpPr txBox="1"/>
+              <p:nvPr/>
+            </p:nvSpPr>
+            <p:spPr>
+              <a:xfrm>
+                <a:off x="8263133" y="4462157"/>
+                <a:ext cx="753411" cy="523220"/>
+              </a:xfrm>
+              <a:prstGeom prst="rect">
+                <a:avLst/>
+              </a:prstGeom>
+              <a:noFill/>
+            </p:spPr>
+            <p:txBody>
+              <a:bodyPr wrap="none" rtlCol="0">
+                <a:spAutoFit/>
+              </a:bodyPr>
+              <a:lstStyle/>
+              <a:p>
+                <a:pPr/>
+                <a14:m>
+                  <m:oMathPara xmlns:m="http://schemas.openxmlformats.org/officeDocument/2006/math">
+                    <m:oMathParaPr>
+                      <m:jc m:val="centerGroup"/>
+                    </m:oMathParaPr>
+                    <m:oMath xmlns:m="http://schemas.openxmlformats.org/officeDocument/2006/math">
+                      <m:r>
+                        <a:rPr lang="en-US" sz="2800" b="0" i="1" smtClean="0">
+                          <a:latin typeface="Cambria Math" panose="02040503050406030204" pitchFamily="18" charset="0"/>
+                          <a:cs typeface="Arial" panose="020B0604020202020204" pitchFamily="34" charset="0"/>
+                        </a:rPr>
+                        <m:t>+</m:t>
+                      </m:r>
+                      <m:r>
+                        <a:rPr lang="en-US" sz="2800" b="0" i="1" smtClean="0">
+                          <a:latin typeface="Cambria Math" panose="02040503050406030204" pitchFamily="18" charset="0"/>
+                          <a:cs typeface="Arial" panose="020B0604020202020204" pitchFamily="34" charset="0"/>
+                        </a:rPr>
+                        <m:t>𝑥</m:t>
+                      </m:r>
+                    </m:oMath>
+                  </m:oMathPara>
+                </a14:m>
+                <a:endParaRPr lang="en-US" sz="2800" dirty="0">
+                  <a:latin typeface="Arial" panose="020B0604020202020204" pitchFamily="34" charset="0"/>
+                  <a:cs typeface="Arial" panose="020B0604020202020204" pitchFamily="34" charset="0"/>
+                </a:endParaRPr>
+              </a:p>
+            </p:txBody>
+          </p:sp>
+        </mc:Choice>
+        <mc:Fallback>
+          <p:sp>
+            <p:nvSpPr>
+              <p:cNvPr id="50" name="TextBox 49">
+                <a:extLst>
+                  <a:ext uri="{FF2B5EF4-FFF2-40B4-BE49-F238E27FC236}">
+                    <a16:creationId xmlns:a16="http://schemas.microsoft.com/office/drawing/2014/main" id="{F50E0CCE-D731-48C7-8379-295B7B2BE23F}"/>
+                  </a:ext>
+                </a:extLst>
+              </p:cNvPr>
+              <p:cNvSpPr txBox="1">
+                <a:spLocks noRot="1" noChangeAspect="1" noMove="1" noResize="1" noEditPoints="1" noAdjustHandles="1" noChangeArrowheads="1" noChangeShapeType="1" noTextEdit="1"/>
+              </p:cNvSpPr>
+              <p:nvPr/>
+            </p:nvSpPr>
+            <p:spPr>
+              <a:xfrm>
+                <a:off x="8263133" y="4462157"/>
+                <a:ext cx="753411" cy="523220"/>
+              </a:xfrm>
+              <a:prstGeom prst="rect">
+                <a:avLst/>
+              </a:prstGeom>
+              <a:blipFill>
+                <a:blip r:embed="rId10"/>
+                <a:stretch>
+                  <a:fillRect/>
+                </a:stretch>
+              </a:blipFill>
+            </p:spPr>
+            <p:txBody>
+              <a:bodyPr/>
+              <a:lstStyle/>
+              <a:p>
+                <a:r>
+                  <a:rPr lang="en-US">
+                    <a:noFill/>
+                  </a:rPr>
+                  <a:t> </a:t>
+                </a:r>
+              </a:p>
+            </p:txBody>
+          </p:sp>
+        </mc:Fallback>
+      </mc:AlternateContent>
+      <p:cxnSp>
+        <p:nvCxnSpPr>
+          <p:cNvPr id="51" name="Straight Connector 50">
+            <a:extLst>
+              <a:ext uri="{FF2B5EF4-FFF2-40B4-BE49-F238E27FC236}">
+                <a16:creationId xmlns:a16="http://schemas.microsoft.com/office/drawing/2014/main" id="{31213DCF-E151-4AF6-9BA2-1639A6162A4A}"/>
+              </a:ext>
+            </a:extLst>
+          </p:cNvPr>
+          <p:cNvCxnSpPr>
+            <a:cxnSpLocks/>
+          </p:cNvCxnSpPr>
+          <p:nvPr/>
+        </p:nvCxnSpPr>
+        <p:spPr>
+          <a:xfrm>
+            <a:off x="6268528" y="5070678"/>
+            <a:ext cx="209550" cy="257175"/>
+          </a:xfrm>
+          <a:prstGeom prst="line">
+            <a:avLst/>
+          </a:prstGeom>
+          <a:ln w="38100"/>
+        </p:spPr>
+        <p:style>
+          <a:lnRef idx="1">
+            <a:schemeClr val="dk1"/>
+          </a:lnRef>
+          <a:fillRef idx="0">
+            <a:schemeClr val="dk1"/>
+          </a:fillRef>
+          <a:effectRef idx="0">
+            <a:schemeClr val="dk1"/>
+          </a:effectRef>
+          <a:fontRef idx="minor">
+            <a:schemeClr val="tx1"/>
+          </a:fontRef>
+        </p:style>
+      </p:cxnSp>
+      <p:cxnSp>
+        <p:nvCxnSpPr>
+          <p:cNvPr id="52" name="Straight Connector 51">
+            <a:extLst>
+              <a:ext uri="{FF2B5EF4-FFF2-40B4-BE49-F238E27FC236}">
+                <a16:creationId xmlns:a16="http://schemas.microsoft.com/office/drawing/2014/main" id="{B60F7450-AB7E-4664-9B9B-345FB7B82137}"/>
+              </a:ext>
+            </a:extLst>
+          </p:cNvPr>
+          <p:cNvCxnSpPr>
+            <a:cxnSpLocks/>
+          </p:cNvCxnSpPr>
+          <p:nvPr/>
+        </p:nvCxnSpPr>
+        <p:spPr>
+          <a:xfrm flipH="1">
+            <a:off x="6268528" y="5058347"/>
+            <a:ext cx="200388" cy="281835"/>
+          </a:xfrm>
+          <a:prstGeom prst="line">
+            <a:avLst/>
+          </a:prstGeom>
+          <a:ln w="38100"/>
+        </p:spPr>
+        <p:style>
+          <a:lnRef idx="1">
+            <a:schemeClr val="dk1"/>
+          </a:lnRef>
+          <a:fillRef idx="0">
+            <a:schemeClr val="dk1"/>
+          </a:fillRef>
+          <a:effectRef idx="0">
+            <a:schemeClr val="dk1"/>
+          </a:effectRef>
+          <a:fontRef idx="minor">
+            <a:schemeClr val="tx1"/>
+          </a:fontRef>
+        </p:style>
+      </p:cxnSp>
+      <mc:AlternateContent xmlns:mc="http://schemas.openxmlformats.org/markup-compatibility/2006">
+        <mc:Choice xmlns:a14="http://schemas.microsoft.com/office/drawing/2010/main" Requires="a14">
+          <p:sp>
+            <p:nvSpPr>
+              <p:cNvPr id="53" name="TextBox 52">
+                <a:extLst>
+                  <a:ext uri="{FF2B5EF4-FFF2-40B4-BE49-F238E27FC236}">
+                    <a16:creationId xmlns:a16="http://schemas.microsoft.com/office/drawing/2014/main" id="{70B0EA08-D7FD-4F71-8844-007F959B2FF5}"/>
+                  </a:ext>
+                </a:extLst>
+              </p:cNvPr>
+              <p:cNvSpPr txBox="1"/>
+              <p:nvPr/>
+            </p:nvSpPr>
+            <p:spPr>
+              <a:xfrm>
+                <a:off x="6137563" y="5456440"/>
+                <a:ext cx="572721" cy="461665"/>
+              </a:xfrm>
+              <a:prstGeom prst="rect">
+                <a:avLst/>
+              </a:prstGeom>
+              <a:noFill/>
+            </p:spPr>
+            <p:txBody>
+              <a:bodyPr wrap="none" rtlCol="0">
+                <a:spAutoFit/>
+              </a:bodyPr>
+              <a:lstStyle/>
+              <a:p>
+                <a14:m>
+                  <m:oMathPara xmlns:m="http://schemas.openxmlformats.org/officeDocument/2006/math">
+                    <m:oMathParaPr>
+                      <m:jc m:val="centerGroup"/>
+                    </m:oMathParaPr>
+                    <m:oMath xmlns:m="http://schemas.openxmlformats.org/officeDocument/2006/math">
+                      <m:sSub>
+                        <m:sSubPr>
+                          <m:ctrlPr>
+                            <a:rPr lang="en-US" sz="2400" b="0" i="1" smtClean="0">
+                              <a:latin typeface="Cambria Math" panose="02040503050406030204" pitchFamily="18" charset="0"/>
+                              <a:cs typeface="Arial" panose="020B0604020202020204" pitchFamily="34" charset="0"/>
+                            </a:rPr>
+                          </m:ctrlPr>
+                        </m:sSubPr>
+                        <m:e>
+                          <m:r>
+                            <a:rPr lang="en-US" sz="2400" b="0" i="1" smtClean="0">
+                              <a:latin typeface="Cambria Math" panose="02040503050406030204" pitchFamily="18" charset="0"/>
+                              <a:cs typeface="Arial" panose="020B0604020202020204" pitchFamily="34" charset="0"/>
+                            </a:rPr>
+                            <m:t>𝑥</m:t>
+                          </m:r>
+                        </m:e>
+                        <m:sub>
+                          <m:r>
+                            <a:rPr lang="en-US" sz="2400" b="0" i="1" smtClean="0">
+                              <a:latin typeface="Cambria Math" panose="02040503050406030204" pitchFamily="18" charset="0"/>
+                              <a:cs typeface="Arial" panose="020B0604020202020204" pitchFamily="34" charset="0"/>
+                            </a:rPr>
+                            <m:t>1</m:t>
+                          </m:r>
+                        </m:sub>
+                      </m:sSub>
+                    </m:oMath>
+                  </m:oMathPara>
+                </a14:m>
+                <a:endParaRPr lang="en-US" sz="2400" dirty="0">
+                  <a:latin typeface="Arial" panose="020B0604020202020204" pitchFamily="34" charset="0"/>
+                  <a:cs typeface="Arial" panose="020B0604020202020204" pitchFamily="34" charset="0"/>
+                </a:endParaRPr>
+              </a:p>
+            </p:txBody>
+          </p:sp>
+        </mc:Choice>
+        <mc:Fallback>
+          <p:sp>
+            <p:nvSpPr>
+              <p:cNvPr id="53" name="TextBox 52">
+                <a:extLst>
+                  <a:ext uri="{FF2B5EF4-FFF2-40B4-BE49-F238E27FC236}">
+                    <a16:creationId xmlns:a16="http://schemas.microsoft.com/office/drawing/2014/main" id="{70B0EA08-D7FD-4F71-8844-007F959B2FF5}"/>
+                  </a:ext>
+                </a:extLst>
+              </p:cNvPr>
+              <p:cNvSpPr txBox="1">
+                <a:spLocks noRot="1" noChangeAspect="1" noMove="1" noResize="1" noEditPoints="1" noAdjustHandles="1" noChangeArrowheads="1" noChangeShapeType="1" noTextEdit="1"/>
+              </p:cNvSpPr>
+              <p:nvPr/>
+            </p:nvSpPr>
+            <p:spPr>
+              <a:xfrm>
+                <a:off x="6137563" y="5456440"/>
+                <a:ext cx="572721" cy="461665"/>
+              </a:xfrm>
+              <a:prstGeom prst="rect">
+                <a:avLst/>
+              </a:prstGeom>
+              <a:blipFill>
+                <a:blip r:embed="rId11"/>
+                <a:stretch>
+                  <a:fillRect b="-3947"/>
+                </a:stretch>
+              </a:blipFill>
+            </p:spPr>
+            <p:txBody>
+              <a:bodyPr/>
+              <a:lstStyle/>
+              <a:p>
+                <a:r>
+                  <a:rPr lang="en-US">
+                    <a:noFill/>
+                  </a:rPr>
+                  <a:t> </a:t>
+                </a:r>
+              </a:p>
+            </p:txBody>
+          </p:sp>
+        </mc:Fallback>
+      </mc:AlternateContent>
+    </p:spTree>
+    <p:extLst>
+      <p:ext uri="{BB962C8B-B14F-4D97-AF65-F5344CB8AC3E}">
+        <p14:creationId xmlns:p14="http://schemas.microsoft.com/office/powerpoint/2010/main" val="2263272941"/>
+      </p:ext>
+    </p:extLst>
+  </p:cSld>
+  <p:clrMapOvr>
+    <a:masterClrMapping/>
+  </p:clrMapOvr>
+</p:sld>
+</file>
+
+<file path=ppt/slides/slide16.xml><?xml version="1.0" encoding="utf-8"?>
+<p:sld xmlns:a="http://schemas.openxmlformats.org/drawingml/2006/main" xmlns:r="http://schemas.openxmlformats.org/officeDocument/2006/relationships" xmlns:p="http://schemas.openxmlformats.org/presentationml/2006/main">
+  <p:cSld>
+    <p:spTree>
+      <p:nvGrpSpPr>
+        <p:cNvPr id="1" name=""/>
+        <p:cNvGrpSpPr/>
+        <p:nvPr/>
+      </p:nvGrpSpPr>
+      <p:grpSpPr>
+        <a:xfrm>
+          <a:off x="0" y="0"/>
+          <a:ext cx="0" cy="0"/>
+          <a:chOff x="0" y="0"/>
+          <a:chExt cx="0" cy="0"/>
+        </a:xfrm>
+      </p:grpSpPr>
+      <p:pic>
+        <p:nvPicPr>
+          <p:cNvPr id="22" name="Picture 21">
+            <a:extLst>
+              <a:ext uri="{FF2B5EF4-FFF2-40B4-BE49-F238E27FC236}">
+                <a16:creationId xmlns:a16="http://schemas.microsoft.com/office/drawing/2014/main" id="{062A304C-85A2-4A43-9008-DD64A0F9D462}"/>
+              </a:ext>
+            </a:extLst>
+          </p:cNvPr>
+          <p:cNvPicPr>
+            <a:picLocks noChangeAspect="1"/>
+          </p:cNvPicPr>
+          <p:nvPr/>
+        </p:nvPicPr>
+        <p:blipFill>
+          <a:blip r:embed="rId2"/>
+          <a:stretch>
+            <a:fillRect/>
+          </a:stretch>
+        </p:blipFill>
+        <p:spPr>
+          <a:xfrm>
+            <a:off x="289560" y="1542489"/>
+            <a:ext cx="11612880" cy="759375"/>
+          </a:xfrm>
+          <a:prstGeom prst="rect">
+            <a:avLst/>
+          </a:prstGeom>
+        </p:spPr>
+      </p:pic>
+      <p:cxnSp>
+        <p:nvCxnSpPr>
+          <p:cNvPr id="18" name="Straight Arrow Connector 17">
+            <a:extLst>
+              <a:ext uri="{FF2B5EF4-FFF2-40B4-BE49-F238E27FC236}">
+                <a16:creationId xmlns:a16="http://schemas.microsoft.com/office/drawing/2014/main" id="{1B76B619-4925-4D5F-8432-52248BC9FCE0}"/>
+              </a:ext>
+            </a:extLst>
+          </p:cNvPr>
+          <p:cNvCxnSpPr>
+            <a:cxnSpLocks/>
+          </p:cNvCxnSpPr>
+          <p:nvPr/>
+        </p:nvCxnSpPr>
+        <p:spPr>
+          <a:xfrm flipV="1">
+            <a:off x="4076994" y="2079200"/>
+            <a:ext cx="600497" cy="524461"/>
+          </a:xfrm>
+          <a:prstGeom prst="straightConnector1">
+            <a:avLst/>
+          </a:prstGeom>
+          <a:ln w="38100">
+            <a:tailEnd type="triangle"/>
+          </a:ln>
+        </p:spPr>
+        <p:style>
+          <a:lnRef idx="1">
+            <a:schemeClr val="accent1"/>
+          </a:lnRef>
+          <a:fillRef idx="0">
+            <a:schemeClr val="accent1"/>
+          </a:fillRef>
+          <a:effectRef idx="0">
+            <a:schemeClr val="accent1"/>
+          </a:effectRef>
+          <a:fontRef idx="minor">
+            <a:schemeClr val="tx1"/>
+          </a:fontRef>
+        </p:style>
+      </p:cxnSp>
+      <p:cxnSp>
+        <p:nvCxnSpPr>
+          <p:cNvPr id="19" name="Straight Arrow Connector 18">
+            <a:extLst>
+              <a:ext uri="{FF2B5EF4-FFF2-40B4-BE49-F238E27FC236}">
+                <a16:creationId xmlns:a16="http://schemas.microsoft.com/office/drawing/2014/main" id="{30EA6A0B-3C45-40DC-A7A7-555D65748BC6}"/>
+              </a:ext>
+            </a:extLst>
+          </p:cNvPr>
+          <p:cNvCxnSpPr>
+            <a:cxnSpLocks/>
+          </p:cNvCxnSpPr>
+          <p:nvPr/>
+        </p:nvCxnSpPr>
+        <p:spPr>
+          <a:xfrm flipH="1" flipV="1">
+            <a:off x="6387328" y="2144684"/>
+            <a:ext cx="663715" cy="458977"/>
+          </a:xfrm>
+          <a:prstGeom prst="straightConnector1">
+            <a:avLst/>
+          </a:prstGeom>
+          <a:ln w="38100">
+            <a:tailEnd type="triangle"/>
+          </a:ln>
+        </p:spPr>
+        <p:style>
+          <a:lnRef idx="1">
+            <a:schemeClr val="accent1"/>
+          </a:lnRef>
+          <a:fillRef idx="0">
+            <a:schemeClr val="accent1"/>
+          </a:fillRef>
+          <a:effectRef idx="0">
+            <a:schemeClr val="accent1"/>
+          </a:effectRef>
+          <a:fontRef idx="minor">
+            <a:schemeClr val="tx1"/>
+          </a:fontRef>
+        </p:style>
+      </p:cxnSp>
+      <mc:AlternateContent xmlns:mc="http://schemas.openxmlformats.org/markup-compatibility/2006">
+        <mc:Choice xmlns:a14="http://schemas.microsoft.com/office/drawing/2010/main" Requires="a14">
+          <p:sp>
+            <p:nvSpPr>
+              <p:cNvPr id="20" name="TextBox 19">
+                <a:extLst>
+                  <a:ext uri="{FF2B5EF4-FFF2-40B4-BE49-F238E27FC236}">
+                    <a16:creationId xmlns:a16="http://schemas.microsoft.com/office/drawing/2014/main" id="{7448E759-9E41-4F85-BF5A-C2739757600F}"/>
+                  </a:ext>
+                </a:extLst>
+              </p:cNvPr>
+              <p:cNvSpPr txBox="1"/>
+              <p:nvPr/>
+            </p:nvSpPr>
+            <p:spPr>
+              <a:xfrm>
+                <a:off x="2264882" y="2585339"/>
+                <a:ext cx="3327706" cy="461665"/>
+              </a:xfrm>
+              <a:prstGeom prst="rect">
+                <a:avLst/>
+              </a:prstGeom>
+              <a:noFill/>
+            </p:spPr>
+            <p:txBody>
+              <a:bodyPr wrap="none" rtlCol="0">
+                <a:spAutoFit/>
+              </a:bodyPr>
+              <a:lstStyle/>
+              <a:p>
+                <a14:m>
+                  <m:oMath xmlns:m="http://schemas.openxmlformats.org/officeDocument/2006/math">
+                    <m:sSub>
+                      <m:sSubPr>
+                        <m:ctrlPr>
+                          <a:rPr lang="en-US" sz="2400" b="0" i="1" smtClean="0">
+                            <a:latin typeface="Cambria Math" panose="02040503050406030204" pitchFamily="18" charset="0"/>
+                          </a:rPr>
+                        </m:ctrlPr>
+                      </m:sSubPr>
+                      <m:e>
+                        <m:r>
+                          <a:rPr lang="en-US" sz="2400" b="0" i="1" smtClean="0">
+                            <a:latin typeface="Cambria Math" panose="02040503050406030204" pitchFamily="18" charset="0"/>
+                          </a:rPr>
+                          <m:t>𝑥</m:t>
+                        </m:r>
+                      </m:e>
+                      <m:sub>
+                        <m:r>
+                          <a:rPr lang="en-US" sz="2400" b="0" i="1" smtClean="0">
+                            <a:latin typeface="Cambria Math" panose="02040503050406030204" pitchFamily="18" charset="0"/>
+                          </a:rPr>
+                          <m:t>1</m:t>
+                        </m:r>
+                      </m:sub>
+                    </m:sSub>
+                    <m:r>
+                      <a:rPr lang="en-US" sz="2400" b="0" i="1" smtClean="0">
+                        <a:latin typeface="Cambria Math" panose="02040503050406030204" pitchFamily="18" charset="0"/>
+                      </a:rPr>
+                      <m:t>,</m:t>
+                    </m:r>
+                    <m:sSub>
+                      <m:sSubPr>
+                        <m:ctrlPr>
+                          <a:rPr lang="en-US" sz="2400" b="0" i="1" smtClean="0">
+                            <a:latin typeface="Cambria Math" panose="02040503050406030204" pitchFamily="18" charset="0"/>
+                          </a:rPr>
+                        </m:ctrlPr>
+                      </m:sSubPr>
+                      <m:e>
+                        <m:r>
+                          <a:rPr lang="en-US" sz="2400" b="0" i="1" smtClean="0">
+                            <a:latin typeface="Cambria Math" panose="02040503050406030204" pitchFamily="18" charset="0"/>
+                          </a:rPr>
+                          <m:t>𝑥</m:t>
+                        </m:r>
+                      </m:e>
+                      <m:sub>
+                        <m:r>
+                          <a:rPr lang="en-US" sz="2400" b="0" i="1" smtClean="0">
+                            <a:latin typeface="Cambria Math" panose="02040503050406030204" pitchFamily="18" charset="0"/>
+                          </a:rPr>
+                          <m:t>2</m:t>
+                        </m:r>
+                      </m:sub>
+                    </m:sSub>
+                  </m:oMath>
+                </a14:m>
+                <a:r>
+                  <a:rPr lang="en-US" sz="2400" dirty="0">
+                    <a:latin typeface="Arial" panose="020B0604020202020204" pitchFamily="34" charset="0"/>
+                    <a:cs typeface="Arial" panose="020B0604020202020204" pitchFamily="34" charset="0"/>
+                  </a:rPr>
+                  <a:t> on the same side</a:t>
+                </a:r>
+              </a:p>
+            </p:txBody>
+          </p:sp>
+        </mc:Choice>
+        <mc:Fallback>
+          <p:sp>
+            <p:nvSpPr>
+              <p:cNvPr id="20" name="TextBox 19">
+                <a:extLst>
+                  <a:ext uri="{FF2B5EF4-FFF2-40B4-BE49-F238E27FC236}">
+                    <a16:creationId xmlns:a16="http://schemas.microsoft.com/office/drawing/2014/main" id="{7448E759-9E41-4F85-BF5A-C2739757600F}"/>
+                  </a:ext>
+                </a:extLst>
+              </p:cNvPr>
+              <p:cNvSpPr txBox="1">
+                <a:spLocks noRot="1" noChangeAspect="1" noMove="1" noResize="1" noEditPoints="1" noAdjustHandles="1" noChangeArrowheads="1" noChangeShapeType="1" noTextEdit="1"/>
+              </p:cNvSpPr>
+              <p:nvPr/>
+            </p:nvSpPr>
+            <p:spPr>
+              <a:xfrm>
+                <a:off x="2264882" y="2585339"/>
+                <a:ext cx="3327706" cy="461665"/>
+              </a:xfrm>
+              <a:prstGeom prst="rect">
+                <a:avLst/>
+              </a:prstGeom>
+              <a:blipFill>
+                <a:blip r:embed="rId3"/>
+                <a:stretch>
+                  <a:fillRect t="-9211" r="-2202" b="-30263"/>
+                </a:stretch>
+              </a:blipFill>
+            </p:spPr>
+            <p:txBody>
+              <a:bodyPr/>
+              <a:lstStyle/>
+              <a:p>
+                <a:r>
+                  <a:rPr lang="en-US">
+                    <a:noFill/>
+                  </a:rPr>
+                  <a:t> </a:t>
+                </a:r>
+              </a:p>
+            </p:txBody>
+          </p:sp>
+        </mc:Fallback>
+      </mc:AlternateContent>
+      <mc:AlternateContent xmlns:mc="http://schemas.openxmlformats.org/markup-compatibility/2006">
+        <mc:Choice xmlns:a14="http://schemas.microsoft.com/office/drawing/2010/main" Requires="a14">
+          <p:sp>
+            <p:nvSpPr>
+              <p:cNvPr id="21" name="TextBox 20">
+                <a:extLst>
+                  <a:ext uri="{FF2B5EF4-FFF2-40B4-BE49-F238E27FC236}">
+                    <a16:creationId xmlns:a16="http://schemas.microsoft.com/office/drawing/2014/main" id="{ACBD6CCA-E102-4168-BAAA-233A3BBD0A65}"/>
+                  </a:ext>
+                </a:extLst>
+              </p:cNvPr>
+              <p:cNvSpPr txBox="1"/>
+              <p:nvPr/>
+            </p:nvSpPr>
+            <p:spPr>
+              <a:xfrm>
+                <a:off x="6004560" y="2552088"/>
+                <a:ext cx="3739678" cy="461665"/>
+              </a:xfrm>
+              <a:prstGeom prst="rect">
+                <a:avLst/>
+              </a:prstGeom>
+              <a:noFill/>
+            </p:spPr>
+            <p:txBody>
+              <a:bodyPr wrap="none" rtlCol="0">
+                <a:spAutoFit/>
+              </a:bodyPr>
+              <a:lstStyle/>
+              <a:p>
+                <a14:m>
+                  <m:oMath xmlns:m="http://schemas.openxmlformats.org/officeDocument/2006/math">
+                    <m:sSub>
+                      <m:sSubPr>
+                        <m:ctrlPr>
+                          <a:rPr lang="en-US" sz="2400" b="0" i="1" smtClean="0">
+                            <a:latin typeface="Cambria Math" panose="02040503050406030204" pitchFamily="18" charset="0"/>
+                          </a:rPr>
+                        </m:ctrlPr>
+                      </m:sSubPr>
+                      <m:e>
+                        <m:r>
+                          <a:rPr lang="en-US" sz="2400" b="0" i="1" smtClean="0">
+                            <a:latin typeface="Cambria Math" panose="02040503050406030204" pitchFamily="18" charset="0"/>
+                          </a:rPr>
+                          <m:t>𝑥</m:t>
+                        </m:r>
+                      </m:e>
+                      <m:sub>
+                        <m:r>
+                          <a:rPr lang="en-US" sz="2400" b="0" i="1" smtClean="0">
+                            <a:latin typeface="Cambria Math" panose="02040503050406030204" pitchFamily="18" charset="0"/>
+                          </a:rPr>
+                          <m:t>1</m:t>
+                        </m:r>
+                      </m:sub>
+                    </m:sSub>
+                    <m:r>
+                      <a:rPr lang="en-US" sz="2400" b="0" i="1" smtClean="0">
+                        <a:latin typeface="Cambria Math" panose="02040503050406030204" pitchFamily="18" charset="0"/>
+                      </a:rPr>
+                      <m:t>,</m:t>
+                    </m:r>
+                    <m:sSub>
+                      <m:sSubPr>
+                        <m:ctrlPr>
+                          <a:rPr lang="en-US" sz="2400" b="0" i="1" smtClean="0">
+                            <a:latin typeface="Cambria Math" panose="02040503050406030204" pitchFamily="18" charset="0"/>
+                          </a:rPr>
+                        </m:ctrlPr>
+                      </m:sSubPr>
+                      <m:e>
+                        <m:r>
+                          <a:rPr lang="en-US" sz="2400" b="0" i="1" smtClean="0">
+                            <a:latin typeface="Cambria Math" panose="02040503050406030204" pitchFamily="18" charset="0"/>
+                          </a:rPr>
+                          <m:t>𝑥</m:t>
+                        </m:r>
+                      </m:e>
+                      <m:sub>
+                        <m:r>
+                          <a:rPr lang="en-US" sz="2400" b="0" i="1" smtClean="0">
+                            <a:latin typeface="Cambria Math" panose="02040503050406030204" pitchFamily="18" charset="0"/>
+                          </a:rPr>
+                          <m:t>2</m:t>
+                        </m:r>
+                      </m:sub>
+                    </m:sSub>
+                  </m:oMath>
+                </a14:m>
+                <a:r>
+                  <a:rPr lang="en-US" sz="2400" dirty="0">
+                    <a:latin typeface="Arial" panose="020B0604020202020204" pitchFamily="34" charset="0"/>
+                    <a:cs typeface="Arial" panose="020B0604020202020204" pitchFamily="34" charset="0"/>
+                  </a:rPr>
+                  <a:t> on the opposite side</a:t>
+                </a:r>
+              </a:p>
+            </p:txBody>
+          </p:sp>
+        </mc:Choice>
+        <mc:Fallback>
+          <p:sp>
+            <p:nvSpPr>
+              <p:cNvPr id="21" name="TextBox 20">
+                <a:extLst>
+                  <a:ext uri="{FF2B5EF4-FFF2-40B4-BE49-F238E27FC236}">
+                    <a16:creationId xmlns:a16="http://schemas.microsoft.com/office/drawing/2014/main" id="{ACBD6CCA-E102-4168-BAAA-233A3BBD0A65}"/>
+                  </a:ext>
+                </a:extLst>
+              </p:cNvPr>
+              <p:cNvSpPr txBox="1">
+                <a:spLocks noRot="1" noChangeAspect="1" noMove="1" noResize="1" noEditPoints="1" noAdjustHandles="1" noChangeArrowheads="1" noChangeShapeType="1" noTextEdit="1"/>
+              </p:cNvSpPr>
+              <p:nvPr/>
+            </p:nvSpPr>
+            <p:spPr>
+              <a:xfrm>
+                <a:off x="6004560" y="2552088"/>
+                <a:ext cx="3739678" cy="461665"/>
+              </a:xfrm>
+              <a:prstGeom prst="rect">
+                <a:avLst/>
+              </a:prstGeom>
+              <a:blipFill>
+                <a:blip r:embed="rId4"/>
+                <a:stretch>
+                  <a:fillRect t="-9333" r="-1794" b="-32000"/>
+                </a:stretch>
+              </a:blipFill>
+            </p:spPr>
+            <p:txBody>
+              <a:bodyPr/>
+              <a:lstStyle/>
+              <a:p>
+                <a:r>
+                  <a:rPr lang="en-US">
+                    <a:noFill/>
+                  </a:rPr>
+                  <a:t> </a:t>
+                </a:r>
+              </a:p>
+            </p:txBody>
+          </p:sp>
+        </mc:Fallback>
+      </mc:AlternateContent>
+      <p:pic>
+        <p:nvPicPr>
+          <p:cNvPr id="24" name="Picture 23">
+            <a:extLst>
+              <a:ext uri="{FF2B5EF4-FFF2-40B4-BE49-F238E27FC236}">
+                <a16:creationId xmlns:a16="http://schemas.microsoft.com/office/drawing/2014/main" id="{C8E86428-5C70-43F2-B95E-77937267E4A8}"/>
+              </a:ext>
+            </a:extLst>
+          </p:cNvPr>
+          <p:cNvPicPr>
+            <a:picLocks noChangeAspect="1"/>
+          </p:cNvPicPr>
+          <p:nvPr/>
+        </p:nvPicPr>
+        <p:blipFill>
+          <a:blip r:embed="rId5"/>
+          <a:stretch>
+            <a:fillRect/>
+          </a:stretch>
+        </p:blipFill>
+        <p:spPr>
+          <a:xfrm>
+            <a:off x="2861435" y="173800"/>
+            <a:ext cx="3521703" cy="874633"/>
+          </a:xfrm>
+          <a:prstGeom prst="rect">
+            <a:avLst/>
+          </a:prstGeom>
+        </p:spPr>
+      </p:pic>
+      <p:sp>
+        <p:nvSpPr>
+          <p:cNvPr id="25" name="TextBox 24">
+            <a:extLst>
+              <a:ext uri="{FF2B5EF4-FFF2-40B4-BE49-F238E27FC236}">
+                <a16:creationId xmlns:a16="http://schemas.microsoft.com/office/drawing/2014/main" id="{286D01E0-4597-4754-BF62-388EDBEC64A2}"/>
+              </a:ext>
+            </a:extLst>
+          </p:cNvPr>
+          <p:cNvSpPr txBox="1"/>
+          <p:nvPr/>
+        </p:nvSpPr>
+        <p:spPr>
+          <a:xfrm>
+            <a:off x="868453" y="329354"/>
+            <a:ext cx="1778051" cy="584775"/>
+          </a:xfrm>
+          <a:prstGeom prst="rect">
+            <a:avLst/>
+          </a:prstGeom>
+          <a:noFill/>
+        </p:spPr>
+        <p:txBody>
+          <a:bodyPr wrap="none" rtlCol="0">
+            <a:spAutoFit/>
+          </a:bodyPr>
+          <a:lstStyle/>
+          <a:p>
+            <a:r>
+              <a:rPr lang="en-US" sz="3200" dirty="0">
+                <a:latin typeface="Arial" panose="020B0604020202020204" pitchFamily="34" charset="0"/>
+                <a:cs typeface="Arial" panose="020B0604020202020204" pitchFamily="34" charset="0"/>
+              </a:rPr>
+              <a:t>redefine:</a:t>
+            </a:r>
+          </a:p>
+        </p:txBody>
+      </p:sp>
+      <mc:AlternateContent xmlns:mc="http://schemas.openxmlformats.org/markup-compatibility/2006">
+        <mc:Choice xmlns:a14="http://schemas.microsoft.com/office/drawing/2010/main" Requires="a14">
+          <p:sp>
+            <p:nvSpPr>
+              <p:cNvPr id="26" name="TextBox 25">
+                <a:extLst>
+                  <a:ext uri="{FF2B5EF4-FFF2-40B4-BE49-F238E27FC236}">
+                    <a16:creationId xmlns:a16="http://schemas.microsoft.com/office/drawing/2014/main" id="{591E4CB8-3E7D-4A12-A6B6-7EB54BF0978D}"/>
+                  </a:ext>
+                </a:extLst>
+              </p:cNvPr>
+              <p:cNvSpPr txBox="1"/>
+              <p:nvPr/>
+            </p:nvSpPr>
+            <p:spPr>
+              <a:xfrm>
+                <a:off x="839068" y="3429000"/>
+                <a:ext cx="3838423" cy="523220"/>
+              </a:xfrm>
+              <a:prstGeom prst="rect">
+                <a:avLst/>
+              </a:prstGeom>
+              <a:noFill/>
+            </p:spPr>
+            <p:txBody>
+              <a:bodyPr wrap="none" rtlCol="0">
+                <a:spAutoFit/>
+              </a:bodyPr>
+              <a:lstStyle/>
+              <a:p>
+                <a14:m>
+                  <m:oMathPara xmlns:m="http://schemas.openxmlformats.org/officeDocument/2006/math">
+                    <m:oMathParaPr>
+                      <m:jc m:val="centerGroup"/>
+                    </m:oMathParaPr>
+                    <m:oMath xmlns:m="http://schemas.openxmlformats.org/officeDocument/2006/math">
+                      <m:r>
+                        <a:rPr lang="en-US" sz="2800" b="0" i="1" smtClean="0">
+                          <a:latin typeface="Cambria Math" panose="02040503050406030204" pitchFamily="18" charset="0"/>
+                        </a:rPr>
+                        <m:t>𝐼𝑚</m:t>
+                      </m:r>
+                      <m:sSub>
+                        <m:sSubPr>
+                          <m:ctrlPr>
+                            <a:rPr lang="en-US" sz="2800" b="0" i="1" smtClean="0">
+                              <a:latin typeface="Cambria Math" panose="02040503050406030204" pitchFamily="18" charset="0"/>
+                            </a:rPr>
+                          </m:ctrlPr>
+                        </m:sSubPr>
+                        <m:e>
+                          <m:r>
+                            <a:rPr lang="en-US" sz="2800" b="0" i="1" smtClean="0">
+                              <a:latin typeface="Cambria Math" panose="02040503050406030204" pitchFamily="18" charset="0"/>
+                            </a:rPr>
+                            <m:t>𝑞</m:t>
+                          </m:r>
+                        </m:e>
+                        <m:sub>
+                          <m:r>
+                            <a:rPr lang="en-US" sz="2800" b="0" i="1" smtClean="0">
+                              <a:latin typeface="Cambria Math" panose="02040503050406030204" pitchFamily="18" charset="0"/>
+                            </a:rPr>
+                            <m:t>2</m:t>
+                          </m:r>
+                        </m:sub>
+                      </m:sSub>
+                      <m:r>
+                        <a:rPr lang="en-US" sz="2800" b="0" i="1" smtClean="0">
+                          <a:latin typeface="Cambria Math" panose="02040503050406030204" pitchFamily="18" charset="0"/>
+                        </a:rPr>
+                        <m:t>&gt;</m:t>
+                      </m:r>
+                      <m:r>
+                        <a:rPr lang="en-US" sz="2800" b="0" i="1" smtClean="0">
+                          <a:latin typeface="Cambria Math" panose="02040503050406030204" pitchFamily="18" charset="0"/>
+                        </a:rPr>
+                        <m:t>𝐼𝑚</m:t>
+                      </m:r>
+                      <m:sSub>
+                        <m:sSubPr>
+                          <m:ctrlPr>
+                            <a:rPr lang="en-US" sz="2800" b="0" i="1" smtClean="0">
+                              <a:latin typeface="Cambria Math" panose="02040503050406030204" pitchFamily="18" charset="0"/>
+                            </a:rPr>
+                          </m:ctrlPr>
+                        </m:sSubPr>
+                        <m:e>
+                          <m:r>
+                            <a:rPr lang="en-US" sz="2800" b="0" i="1" smtClean="0">
+                              <a:latin typeface="Cambria Math" panose="02040503050406030204" pitchFamily="18" charset="0"/>
+                            </a:rPr>
+                            <m:t>𝑞</m:t>
+                          </m:r>
+                        </m:e>
+                        <m:sub>
+                          <m:r>
+                            <a:rPr lang="en-US" sz="2800" b="0" i="1" smtClean="0">
+                              <a:latin typeface="Cambria Math" panose="02040503050406030204" pitchFamily="18" charset="0"/>
+                            </a:rPr>
+                            <m:t>1</m:t>
+                          </m:r>
+                        </m:sub>
+                      </m:sSub>
+                      <m:r>
+                        <a:rPr lang="en-US" sz="2800" b="0" i="1" smtClean="0">
+                          <a:latin typeface="Cambria Math" panose="02040503050406030204" pitchFamily="18" charset="0"/>
+                        </a:rPr>
+                        <m:t> (</m:t>
+                      </m:r>
+                      <m:sSub>
+                        <m:sSubPr>
+                          <m:ctrlPr>
+                            <a:rPr lang="en-US" sz="2800" b="0" i="1" smtClean="0">
+                              <a:latin typeface="Cambria Math" panose="02040503050406030204" pitchFamily="18" charset="0"/>
+                            </a:rPr>
+                          </m:ctrlPr>
+                        </m:sSubPr>
+                        <m:e>
+                          <m:r>
+                            <m:rPr>
+                              <m:sty m:val="p"/>
+                            </m:rPr>
+                            <a:rPr lang="en-US" sz="2800" b="0" i="0" smtClean="0">
+                              <a:latin typeface="Cambria Math" panose="02040503050406030204" pitchFamily="18" charset="0"/>
+                            </a:rPr>
+                            <m:t>Γ</m:t>
+                          </m:r>
+                        </m:e>
+                        <m:sub>
+                          <m:r>
+                            <a:rPr lang="en-US" sz="2800" b="0" i="1" smtClean="0">
+                              <a:latin typeface="Cambria Math" panose="02040503050406030204" pitchFamily="18" charset="0"/>
+                            </a:rPr>
+                            <m:t>𝑎</m:t>
+                          </m:r>
+                        </m:sub>
+                      </m:sSub>
+                      <m:r>
+                        <a:rPr lang="en-US" sz="2800" b="0" i="1" smtClean="0">
+                          <a:latin typeface="Cambria Math" panose="02040503050406030204" pitchFamily="18" charset="0"/>
+                        </a:rPr>
+                        <m:t>&lt;</m:t>
+                      </m:r>
+                      <m:sSub>
+                        <m:sSubPr>
+                          <m:ctrlPr>
+                            <a:rPr lang="en-US" sz="2800" b="0" i="1" smtClean="0">
+                              <a:latin typeface="Cambria Math" panose="02040503050406030204" pitchFamily="18" charset="0"/>
+                            </a:rPr>
+                          </m:ctrlPr>
+                        </m:sSubPr>
+                        <m:e>
+                          <m:r>
+                            <m:rPr>
+                              <m:sty m:val="p"/>
+                            </m:rPr>
+                            <a:rPr lang="en-US" sz="2800" b="0" i="0" smtClean="0">
+                              <a:latin typeface="Cambria Math" panose="02040503050406030204" pitchFamily="18" charset="0"/>
+                            </a:rPr>
+                            <m:t>Γ</m:t>
+                          </m:r>
+                        </m:e>
+                        <m:sub>
+                          <m:r>
+                            <a:rPr lang="en-US" sz="2800" b="0" i="1" smtClean="0">
+                              <a:latin typeface="Cambria Math" panose="02040503050406030204" pitchFamily="18" charset="0"/>
+                            </a:rPr>
+                            <m:t>𝑏</m:t>
+                          </m:r>
+                        </m:sub>
+                      </m:sSub>
+                      <m:r>
+                        <a:rPr lang="en-US" sz="2800" b="0" i="1" smtClean="0">
+                          <a:latin typeface="Cambria Math" panose="02040503050406030204" pitchFamily="18" charset="0"/>
+                        </a:rPr>
+                        <m:t>)</m:t>
+                      </m:r>
+                    </m:oMath>
+                  </m:oMathPara>
+                </a14:m>
+                <a:endParaRPr lang="en-US" sz="2800" dirty="0"/>
+              </a:p>
+            </p:txBody>
+          </p:sp>
+        </mc:Choice>
+        <mc:Fallback>
+          <p:sp>
+            <p:nvSpPr>
+              <p:cNvPr id="26" name="TextBox 25">
+                <a:extLst>
+                  <a:ext uri="{FF2B5EF4-FFF2-40B4-BE49-F238E27FC236}">
+                    <a16:creationId xmlns:a16="http://schemas.microsoft.com/office/drawing/2014/main" id="{591E4CB8-3E7D-4A12-A6B6-7EB54BF0978D}"/>
+                  </a:ext>
+                </a:extLst>
+              </p:cNvPr>
+              <p:cNvSpPr txBox="1">
+                <a:spLocks noRot="1" noChangeAspect="1" noMove="1" noResize="1" noEditPoints="1" noAdjustHandles="1" noChangeArrowheads="1" noChangeShapeType="1" noTextEdit="1"/>
+              </p:cNvSpPr>
+              <p:nvPr/>
+            </p:nvSpPr>
+            <p:spPr>
+              <a:xfrm>
+                <a:off x="839068" y="3429000"/>
+                <a:ext cx="3838423" cy="523220"/>
+              </a:xfrm>
+              <a:prstGeom prst="rect">
+                <a:avLst/>
+              </a:prstGeom>
+              <a:blipFill>
+                <a:blip r:embed="rId6"/>
+                <a:stretch>
+                  <a:fillRect/>
+                </a:stretch>
+              </a:blipFill>
+            </p:spPr>
+            <p:txBody>
+              <a:bodyPr/>
+              <a:lstStyle/>
+              <a:p>
+                <a:r>
+                  <a:rPr lang="en-US">
+                    <a:noFill/>
+                  </a:rPr>
+                  <a:t> </a:t>
+                </a:r>
+              </a:p>
+            </p:txBody>
+          </p:sp>
+        </mc:Fallback>
+      </mc:AlternateContent>
+      <mc:AlternateContent xmlns:mc="http://schemas.openxmlformats.org/markup-compatibility/2006">
+        <mc:Choice xmlns:a14="http://schemas.microsoft.com/office/drawing/2010/main" Requires="a14">
+          <p:sp>
+            <p:nvSpPr>
+              <p:cNvPr id="27" name="TextBox 26">
+                <a:extLst>
+                  <a:ext uri="{FF2B5EF4-FFF2-40B4-BE49-F238E27FC236}">
+                    <a16:creationId xmlns:a16="http://schemas.microsoft.com/office/drawing/2014/main" id="{D51950B4-2B3F-4C06-AF3F-D2E42F45E1A4}"/>
+                  </a:ext>
+                </a:extLst>
+              </p:cNvPr>
+              <p:cNvSpPr txBox="1"/>
+              <p:nvPr/>
+            </p:nvSpPr>
+            <p:spPr>
+              <a:xfrm>
+                <a:off x="6627745" y="3429000"/>
+                <a:ext cx="3838423" cy="523220"/>
+              </a:xfrm>
+              <a:prstGeom prst="rect">
+                <a:avLst/>
+              </a:prstGeom>
+              <a:noFill/>
+            </p:spPr>
+            <p:txBody>
+              <a:bodyPr wrap="none" rtlCol="0">
+                <a:spAutoFit/>
+              </a:bodyPr>
+              <a:lstStyle/>
+              <a:p>
+                <a14:m>
+                  <m:oMathPara xmlns:m="http://schemas.openxmlformats.org/officeDocument/2006/math">
+                    <m:oMathParaPr>
+                      <m:jc m:val="centerGroup"/>
+                    </m:oMathParaPr>
+                    <m:oMath xmlns:m="http://schemas.openxmlformats.org/officeDocument/2006/math">
+                      <m:r>
+                        <a:rPr lang="en-US" sz="2800" b="0" i="1" smtClean="0">
+                          <a:latin typeface="Cambria Math" panose="02040503050406030204" pitchFamily="18" charset="0"/>
+                        </a:rPr>
+                        <m:t>𝐼𝑚</m:t>
+                      </m:r>
+                      <m:sSub>
+                        <m:sSubPr>
+                          <m:ctrlPr>
+                            <a:rPr lang="en-US" sz="2800" b="0" i="1" smtClean="0">
+                              <a:latin typeface="Cambria Math" panose="02040503050406030204" pitchFamily="18" charset="0"/>
+                            </a:rPr>
+                          </m:ctrlPr>
+                        </m:sSubPr>
+                        <m:e>
+                          <m:r>
+                            <a:rPr lang="en-US" sz="2800" b="0" i="1" smtClean="0">
+                              <a:latin typeface="Cambria Math" panose="02040503050406030204" pitchFamily="18" charset="0"/>
+                            </a:rPr>
+                            <m:t>𝑞</m:t>
+                          </m:r>
+                        </m:e>
+                        <m:sub>
+                          <m:r>
+                            <a:rPr lang="en-US" sz="2800" b="0" i="1" smtClean="0">
+                              <a:latin typeface="Cambria Math" panose="02040503050406030204" pitchFamily="18" charset="0"/>
+                            </a:rPr>
+                            <m:t>2</m:t>
+                          </m:r>
+                        </m:sub>
+                      </m:sSub>
+                      <m:r>
+                        <a:rPr lang="en-US" sz="2800" b="0" i="1" smtClean="0">
+                          <a:latin typeface="Cambria Math" panose="02040503050406030204" pitchFamily="18" charset="0"/>
+                        </a:rPr>
+                        <m:t>&lt;</m:t>
+                      </m:r>
+                      <m:r>
+                        <a:rPr lang="en-US" sz="2800" b="0" i="1" smtClean="0">
+                          <a:latin typeface="Cambria Math" panose="02040503050406030204" pitchFamily="18" charset="0"/>
+                        </a:rPr>
+                        <m:t>𝐼𝑚</m:t>
+                      </m:r>
+                      <m:sSub>
+                        <m:sSubPr>
+                          <m:ctrlPr>
+                            <a:rPr lang="en-US" sz="2800" b="0" i="1" smtClean="0">
+                              <a:latin typeface="Cambria Math" panose="02040503050406030204" pitchFamily="18" charset="0"/>
+                            </a:rPr>
+                          </m:ctrlPr>
+                        </m:sSubPr>
+                        <m:e>
+                          <m:r>
+                            <a:rPr lang="en-US" sz="2800" b="0" i="1" smtClean="0">
+                              <a:latin typeface="Cambria Math" panose="02040503050406030204" pitchFamily="18" charset="0"/>
+                            </a:rPr>
+                            <m:t>𝑞</m:t>
+                          </m:r>
+                        </m:e>
+                        <m:sub>
+                          <m:r>
+                            <a:rPr lang="en-US" sz="2800" b="0" i="1" smtClean="0">
+                              <a:latin typeface="Cambria Math" panose="02040503050406030204" pitchFamily="18" charset="0"/>
+                            </a:rPr>
+                            <m:t>1</m:t>
+                          </m:r>
+                        </m:sub>
+                      </m:sSub>
+                      <m:r>
+                        <a:rPr lang="en-US" sz="2800" b="0" i="1" smtClean="0">
+                          <a:latin typeface="Cambria Math" panose="02040503050406030204" pitchFamily="18" charset="0"/>
+                        </a:rPr>
+                        <m:t> (</m:t>
+                      </m:r>
+                      <m:sSub>
+                        <m:sSubPr>
+                          <m:ctrlPr>
+                            <a:rPr lang="en-US" sz="2800" b="0" i="1" smtClean="0">
+                              <a:latin typeface="Cambria Math" panose="02040503050406030204" pitchFamily="18" charset="0"/>
+                            </a:rPr>
+                          </m:ctrlPr>
+                        </m:sSubPr>
+                        <m:e>
+                          <m:r>
+                            <m:rPr>
+                              <m:sty m:val="p"/>
+                            </m:rPr>
+                            <a:rPr lang="en-US" sz="2800" b="0" i="0" smtClean="0">
+                              <a:latin typeface="Cambria Math" panose="02040503050406030204" pitchFamily="18" charset="0"/>
+                            </a:rPr>
+                            <m:t>Γ</m:t>
+                          </m:r>
+                        </m:e>
+                        <m:sub>
+                          <m:r>
+                            <a:rPr lang="en-US" sz="2800" b="0" i="1" smtClean="0">
+                              <a:latin typeface="Cambria Math" panose="02040503050406030204" pitchFamily="18" charset="0"/>
+                            </a:rPr>
+                            <m:t>𝑎</m:t>
+                          </m:r>
+                        </m:sub>
+                      </m:sSub>
+                      <m:r>
+                        <a:rPr lang="en-US" sz="2800" b="0" i="1" smtClean="0">
+                          <a:latin typeface="Cambria Math" panose="02040503050406030204" pitchFamily="18" charset="0"/>
+                        </a:rPr>
+                        <m:t>&gt;</m:t>
+                      </m:r>
+                      <m:sSub>
+                        <m:sSubPr>
+                          <m:ctrlPr>
+                            <a:rPr lang="en-US" sz="2800" b="0" i="1" smtClean="0">
+                              <a:latin typeface="Cambria Math" panose="02040503050406030204" pitchFamily="18" charset="0"/>
+                            </a:rPr>
+                          </m:ctrlPr>
+                        </m:sSubPr>
+                        <m:e>
+                          <m:r>
+                            <m:rPr>
+                              <m:sty m:val="p"/>
+                            </m:rPr>
+                            <a:rPr lang="en-US" sz="2800" b="0" i="0" smtClean="0">
+                              <a:latin typeface="Cambria Math" panose="02040503050406030204" pitchFamily="18" charset="0"/>
+                            </a:rPr>
+                            <m:t>Γ</m:t>
+                          </m:r>
+                        </m:e>
+                        <m:sub>
+                          <m:r>
+                            <a:rPr lang="en-US" sz="2800" b="0" i="1" smtClean="0">
+                              <a:latin typeface="Cambria Math" panose="02040503050406030204" pitchFamily="18" charset="0"/>
+                            </a:rPr>
+                            <m:t>𝑏</m:t>
+                          </m:r>
+                        </m:sub>
+                      </m:sSub>
+                      <m:r>
+                        <a:rPr lang="en-US" sz="2800" b="0" i="1" smtClean="0">
+                          <a:latin typeface="Cambria Math" panose="02040503050406030204" pitchFamily="18" charset="0"/>
+                        </a:rPr>
+                        <m:t>)</m:t>
+                      </m:r>
+                    </m:oMath>
+                  </m:oMathPara>
+                </a14:m>
+                <a:endParaRPr lang="en-US" sz="2800" dirty="0"/>
+              </a:p>
+            </p:txBody>
+          </p:sp>
+        </mc:Choice>
+        <mc:Fallback>
+          <p:sp>
+            <p:nvSpPr>
+              <p:cNvPr id="27" name="TextBox 26">
+                <a:extLst>
+                  <a:ext uri="{FF2B5EF4-FFF2-40B4-BE49-F238E27FC236}">
+                    <a16:creationId xmlns:a16="http://schemas.microsoft.com/office/drawing/2014/main" id="{D51950B4-2B3F-4C06-AF3F-D2E42F45E1A4}"/>
+                  </a:ext>
+                </a:extLst>
+              </p:cNvPr>
+              <p:cNvSpPr txBox="1">
+                <a:spLocks noRot="1" noChangeAspect="1" noMove="1" noResize="1" noEditPoints="1" noAdjustHandles="1" noChangeArrowheads="1" noChangeShapeType="1" noTextEdit="1"/>
+              </p:cNvSpPr>
+              <p:nvPr/>
+            </p:nvSpPr>
+            <p:spPr>
+              <a:xfrm>
+                <a:off x="6627745" y="3429000"/>
+                <a:ext cx="3838423" cy="523220"/>
+              </a:xfrm>
+              <a:prstGeom prst="rect">
+                <a:avLst/>
+              </a:prstGeom>
+              <a:blipFill>
+                <a:blip r:embed="rId7"/>
+                <a:stretch>
+                  <a:fillRect/>
+                </a:stretch>
+              </a:blipFill>
+            </p:spPr>
+            <p:txBody>
+              <a:bodyPr/>
+              <a:lstStyle/>
+              <a:p>
+                <a:r>
+                  <a:rPr lang="en-US">
+                    <a:noFill/>
+                  </a:rPr>
+                  <a:t> </a:t>
+                </a:r>
+              </a:p>
+            </p:txBody>
+          </p:sp>
+        </mc:Fallback>
+      </mc:AlternateContent>
+      <p:cxnSp>
+        <p:nvCxnSpPr>
+          <p:cNvPr id="29" name="Straight Arrow Connector 28">
+            <a:extLst>
+              <a:ext uri="{FF2B5EF4-FFF2-40B4-BE49-F238E27FC236}">
+                <a16:creationId xmlns:a16="http://schemas.microsoft.com/office/drawing/2014/main" id="{C8063B51-D4A0-422F-9235-9E8404315993}"/>
+              </a:ext>
+            </a:extLst>
+          </p:cNvPr>
+          <p:cNvCxnSpPr>
+            <a:cxnSpLocks/>
+          </p:cNvCxnSpPr>
+          <p:nvPr/>
+        </p:nvCxnSpPr>
+        <p:spPr>
+          <a:xfrm flipV="1">
+            <a:off x="6627745" y="5068333"/>
+            <a:ext cx="3922557" cy="11023"/>
+          </a:xfrm>
+          <a:prstGeom prst="straightConnector1">
+            <a:avLst/>
+          </a:prstGeom>
+          <a:ln w="38100">
+            <a:solidFill>
+              <a:schemeClr val="tx1"/>
+            </a:solidFill>
+            <a:tailEnd type="triangle"/>
+          </a:ln>
+        </p:spPr>
+        <p:style>
+          <a:lnRef idx="1">
+            <a:schemeClr val="accent1"/>
+          </a:lnRef>
+          <a:fillRef idx="0">
+            <a:schemeClr val="accent1"/>
+          </a:fillRef>
+          <a:effectRef idx="0">
+            <a:schemeClr val="accent1"/>
+          </a:effectRef>
+          <a:fontRef idx="minor">
+            <a:schemeClr val="tx1"/>
+          </a:fontRef>
+        </p:style>
+      </p:cxnSp>
+      <p:cxnSp>
+        <p:nvCxnSpPr>
+          <p:cNvPr id="30" name="Straight Arrow Connector 29">
+            <a:extLst>
+              <a:ext uri="{FF2B5EF4-FFF2-40B4-BE49-F238E27FC236}">
+                <a16:creationId xmlns:a16="http://schemas.microsoft.com/office/drawing/2014/main" id="{E0B800B4-FB6B-48C9-A8B2-BC06CCCE51A3}"/>
+              </a:ext>
+            </a:extLst>
+          </p:cNvPr>
+          <p:cNvCxnSpPr>
+            <a:cxnSpLocks/>
+          </p:cNvCxnSpPr>
+          <p:nvPr/>
+        </p:nvCxnSpPr>
+        <p:spPr>
+          <a:xfrm flipV="1">
+            <a:off x="8472574" y="3973335"/>
+            <a:ext cx="0" cy="2760062"/>
+          </a:xfrm>
+          <a:prstGeom prst="straightConnector1">
+            <a:avLst/>
+          </a:prstGeom>
+          <a:ln w="38100">
+            <a:solidFill>
+              <a:schemeClr val="tx1"/>
+            </a:solidFill>
+            <a:tailEnd type="triangle"/>
+          </a:ln>
+        </p:spPr>
+        <p:style>
+          <a:lnRef idx="1">
+            <a:schemeClr val="accent1"/>
+          </a:lnRef>
+          <a:fillRef idx="0">
+            <a:schemeClr val="accent1"/>
+          </a:fillRef>
+          <a:effectRef idx="0">
+            <a:schemeClr val="accent1"/>
+          </a:effectRef>
+          <a:fontRef idx="minor">
+            <a:schemeClr val="tx1"/>
+          </a:fontRef>
+        </p:style>
+      </p:cxnSp>
+      <p:sp>
+        <p:nvSpPr>
+          <p:cNvPr id="34" name="Partial Circle 33">
+            <a:extLst>
+              <a:ext uri="{FF2B5EF4-FFF2-40B4-BE49-F238E27FC236}">
+                <a16:creationId xmlns:a16="http://schemas.microsoft.com/office/drawing/2014/main" id="{4C5E6150-AE85-4D6C-B64B-9A916D98E008}"/>
+              </a:ext>
+            </a:extLst>
+          </p:cNvPr>
+          <p:cNvSpPr/>
+          <p:nvPr/>
+        </p:nvSpPr>
+        <p:spPr>
+          <a:xfrm>
+            <a:off x="6973050" y="3690610"/>
+            <a:ext cx="2881454" cy="2867013"/>
+          </a:xfrm>
+          <a:prstGeom prst="pie">
+            <a:avLst>
+              <a:gd name="adj1" fmla="val 0"/>
+              <a:gd name="adj2" fmla="val 10779898"/>
+            </a:avLst>
+          </a:prstGeom>
+          <a:noFill/>
+          <a:ln w="38100">
+            <a:solidFill>
+              <a:srgbClr val="FF0000"/>
+            </a:solidFill>
+          </a:ln>
+        </p:spPr>
+        <p:style>
+          <a:lnRef idx="2">
+            <a:schemeClr val="accent1">
+              <a:shade val="50000"/>
+            </a:schemeClr>
+          </a:lnRef>
+          <a:fillRef idx="1">
+            <a:schemeClr val="accent1"/>
+          </a:fillRef>
+          <a:effectRef idx="0">
+            <a:schemeClr val="accent1"/>
+          </a:effectRef>
+          <a:fontRef idx="minor">
+            <a:schemeClr val="lt1"/>
+          </a:fontRef>
+        </p:style>
+        <p:txBody>
+          <a:bodyPr rtlCol="0" anchor="ctr"/>
+          <a:lstStyle/>
+          <a:p>
+            <a:pPr algn="ctr"/>
+            <a:endParaRPr lang="en-US">
+              <a:solidFill>
+                <a:schemeClr val="tx1"/>
+              </a:solidFill>
+            </a:endParaRPr>
+          </a:p>
+        </p:txBody>
+      </p:sp>
+      <p:cxnSp>
+        <p:nvCxnSpPr>
+          <p:cNvPr id="39" name="Straight Arrow Connector 38">
+            <a:extLst>
+              <a:ext uri="{FF2B5EF4-FFF2-40B4-BE49-F238E27FC236}">
+                <a16:creationId xmlns:a16="http://schemas.microsoft.com/office/drawing/2014/main" id="{0DCFC998-DD90-429C-894A-B142E8CB9B94}"/>
+              </a:ext>
+            </a:extLst>
+          </p:cNvPr>
+          <p:cNvCxnSpPr>
+            <a:cxnSpLocks/>
+          </p:cNvCxnSpPr>
+          <p:nvPr/>
+        </p:nvCxnSpPr>
+        <p:spPr>
+          <a:xfrm flipV="1">
+            <a:off x="1021838" y="5978912"/>
+            <a:ext cx="3922557" cy="11023"/>
+          </a:xfrm>
+          <a:prstGeom prst="straightConnector1">
+            <a:avLst/>
+          </a:prstGeom>
+          <a:ln w="38100">
+            <a:solidFill>
+              <a:schemeClr val="tx1"/>
+            </a:solidFill>
+            <a:tailEnd type="triangle"/>
+          </a:ln>
+        </p:spPr>
+        <p:style>
+          <a:lnRef idx="1">
+            <a:schemeClr val="accent1"/>
+          </a:lnRef>
+          <a:fillRef idx="0">
+            <a:schemeClr val="accent1"/>
+          </a:fillRef>
+          <a:effectRef idx="0">
+            <a:schemeClr val="accent1"/>
+          </a:effectRef>
+          <a:fontRef idx="minor">
+            <a:schemeClr val="tx1"/>
+          </a:fontRef>
+        </p:style>
+      </p:cxnSp>
+      <p:cxnSp>
+        <p:nvCxnSpPr>
+          <p:cNvPr id="40" name="Straight Arrow Connector 39">
+            <a:extLst>
+              <a:ext uri="{FF2B5EF4-FFF2-40B4-BE49-F238E27FC236}">
+                <a16:creationId xmlns:a16="http://schemas.microsoft.com/office/drawing/2014/main" id="{076DCFB7-F601-4979-BBE5-29C9146B39DB}"/>
+              </a:ext>
+            </a:extLst>
+          </p:cNvPr>
+          <p:cNvCxnSpPr>
+            <a:cxnSpLocks/>
+          </p:cNvCxnSpPr>
+          <p:nvPr/>
+        </p:nvCxnSpPr>
+        <p:spPr>
+          <a:xfrm flipV="1">
+            <a:off x="2891459" y="3944017"/>
+            <a:ext cx="0" cy="2760062"/>
+          </a:xfrm>
+          <a:prstGeom prst="straightConnector1">
+            <a:avLst/>
+          </a:prstGeom>
+          <a:ln w="38100">
+            <a:solidFill>
+              <a:schemeClr val="tx1"/>
+            </a:solidFill>
+            <a:tailEnd type="triangle"/>
+          </a:ln>
+        </p:spPr>
+        <p:style>
+          <a:lnRef idx="1">
+            <a:schemeClr val="accent1"/>
+          </a:lnRef>
+          <a:fillRef idx="0">
+            <a:schemeClr val="accent1"/>
+          </a:fillRef>
+          <a:effectRef idx="0">
+            <a:schemeClr val="accent1"/>
+          </a:effectRef>
+          <a:fontRef idx="minor">
+            <a:schemeClr val="tx1"/>
+          </a:fontRef>
+        </p:style>
+      </p:cxnSp>
+      <p:sp>
+        <p:nvSpPr>
+          <p:cNvPr id="41" name="Partial Circle 40">
+            <a:extLst>
+              <a:ext uri="{FF2B5EF4-FFF2-40B4-BE49-F238E27FC236}">
+                <a16:creationId xmlns:a16="http://schemas.microsoft.com/office/drawing/2014/main" id="{7BFD92D0-0596-4DFD-AA42-39889641335A}"/>
+              </a:ext>
+            </a:extLst>
+          </p:cNvPr>
+          <p:cNvSpPr/>
+          <p:nvPr/>
+        </p:nvSpPr>
+        <p:spPr>
+          <a:xfrm flipV="1">
+            <a:off x="1492603" y="4524494"/>
+            <a:ext cx="2881454" cy="2908835"/>
+          </a:xfrm>
+          <a:prstGeom prst="pie">
+            <a:avLst>
+              <a:gd name="adj1" fmla="val 0"/>
+              <a:gd name="adj2" fmla="val 10779898"/>
+            </a:avLst>
+          </a:prstGeom>
+          <a:noFill/>
+          <a:ln w="38100">
+            <a:solidFill>
+              <a:srgbClr val="FF0000"/>
+            </a:solidFill>
+          </a:ln>
+        </p:spPr>
+        <p:style>
+          <a:lnRef idx="2">
+            <a:schemeClr val="accent1">
+              <a:shade val="50000"/>
+            </a:schemeClr>
+          </a:lnRef>
+          <a:fillRef idx="1">
+            <a:schemeClr val="accent1"/>
+          </a:fillRef>
+          <a:effectRef idx="0">
+            <a:schemeClr val="accent1"/>
+          </a:effectRef>
+          <a:fontRef idx="minor">
+            <a:schemeClr val="lt1"/>
+          </a:fontRef>
+        </p:style>
+        <p:txBody>
+          <a:bodyPr rtlCol="0" anchor="ctr"/>
+          <a:lstStyle/>
+          <a:p>
+            <a:pPr algn="ctr"/>
+            <a:endParaRPr lang="en-US">
+              <a:solidFill>
+                <a:schemeClr val="tx1"/>
+              </a:solidFill>
+            </a:endParaRPr>
+          </a:p>
+        </p:txBody>
+      </p:sp>
+      <p:sp>
+        <p:nvSpPr>
+          <p:cNvPr id="42" name="Oval 41">
+            <a:extLst>
+              <a:ext uri="{FF2B5EF4-FFF2-40B4-BE49-F238E27FC236}">
+                <a16:creationId xmlns:a16="http://schemas.microsoft.com/office/drawing/2014/main" id="{951B79B9-A023-4CA2-8783-4E375C7D856C}"/>
+              </a:ext>
+            </a:extLst>
+          </p:cNvPr>
+          <p:cNvSpPr/>
+          <p:nvPr/>
+        </p:nvSpPr>
+        <p:spPr>
+          <a:xfrm>
+            <a:off x="3366655" y="5353366"/>
+            <a:ext cx="116370" cy="149659"/>
+          </a:xfrm>
+          <a:prstGeom prst="ellipse">
+            <a:avLst/>
+          </a:prstGeom>
+        </p:spPr>
+        <p:style>
+          <a:lnRef idx="2">
+            <a:schemeClr val="accent1">
+              <a:shade val="50000"/>
+            </a:schemeClr>
+          </a:lnRef>
+          <a:fillRef idx="1">
+            <a:schemeClr val="accent1"/>
+          </a:fillRef>
+          <a:effectRef idx="0">
+            <a:schemeClr val="accent1"/>
+          </a:effectRef>
+          <a:fontRef idx="minor">
+            <a:schemeClr val="lt1"/>
+          </a:fontRef>
+        </p:style>
+        <p:txBody>
+          <a:bodyPr rtlCol="0" anchor="ctr"/>
+          <a:lstStyle/>
+          <a:p>
+            <a:pPr algn="ctr"/>
+            <a:endParaRPr lang="en-US"/>
+          </a:p>
+        </p:txBody>
+      </p:sp>
+      <p:sp>
+        <p:nvSpPr>
+          <p:cNvPr id="43" name="Oval 42">
+            <a:extLst>
+              <a:ext uri="{FF2B5EF4-FFF2-40B4-BE49-F238E27FC236}">
+                <a16:creationId xmlns:a16="http://schemas.microsoft.com/office/drawing/2014/main" id="{F8290C0F-6BE1-4708-9B08-621B894CBEEF}"/>
+              </a:ext>
+            </a:extLst>
+          </p:cNvPr>
+          <p:cNvSpPr/>
+          <p:nvPr/>
+        </p:nvSpPr>
+        <p:spPr>
+          <a:xfrm>
+            <a:off x="8988984" y="5638887"/>
+            <a:ext cx="116370" cy="149659"/>
+          </a:xfrm>
+          <a:prstGeom prst="ellipse">
+            <a:avLst/>
+          </a:prstGeom>
+        </p:spPr>
+        <p:style>
+          <a:lnRef idx="2">
+            <a:schemeClr val="accent1">
+              <a:shade val="50000"/>
+            </a:schemeClr>
+          </a:lnRef>
+          <a:fillRef idx="1">
+            <a:schemeClr val="accent1"/>
+          </a:fillRef>
+          <a:effectRef idx="0">
+            <a:schemeClr val="accent1"/>
+          </a:effectRef>
+          <a:fontRef idx="minor">
+            <a:schemeClr val="lt1"/>
+          </a:fontRef>
+        </p:style>
+        <p:txBody>
+          <a:bodyPr rtlCol="0" anchor="ctr"/>
+          <a:lstStyle/>
+          <a:p>
+            <a:pPr algn="ctr"/>
+            <a:endParaRPr lang="en-US"/>
+          </a:p>
+        </p:txBody>
+      </p:sp>
+      <p:cxnSp>
+        <p:nvCxnSpPr>
+          <p:cNvPr id="45" name="Straight Arrow Connector 44">
+            <a:extLst>
+              <a:ext uri="{FF2B5EF4-FFF2-40B4-BE49-F238E27FC236}">
+                <a16:creationId xmlns:a16="http://schemas.microsoft.com/office/drawing/2014/main" id="{A78F083C-57CE-42D7-A935-CBE9476F9542}"/>
+              </a:ext>
+            </a:extLst>
+          </p:cNvPr>
+          <p:cNvCxnSpPr/>
+          <p:nvPr/>
+        </p:nvCxnSpPr>
+        <p:spPr>
+          <a:xfrm flipH="1">
+            <a:off x="3591098" y="4721629"/>
+            <a:ext cx="652610" cy="602419"/>
+          </a:xfrm>
+          <a:prstGeom prst="straightConnector1">
+            <a:avLst/>
+          </a:prstGeom>
+          <a:ln w="25400">
+            <a:tailEnd type="triangle"/>
+          </a:ln>
+        </p:spPr>
+        <p:style>
+          <a:lnRef idx="1">
+            <a:schemeClr val="accent1"/>
+          </a:lnRef>
+          <a:fillRef idx="0">
+            <a:schemeClr val="accent1"/>
+          </a:fillRef>
+          <a:effectRef idx="0">
+            <a:schemeClr val="accent1"/>
+          </a:effectRef>
+          <a:fontRef idx="minor">
+            <a:schemeClr val="tx1"/>
+          </a:fontRef>
+        </p:style>
+      </p:cxnSp>
+      <p:cxnSp>
+        <p:nvCxnSpPr>
+          <p:cNvPr id="46" name="Straight Arrow Connector 45">
+            <a:extLst>
+              <a:ext uri="{FF2B5EF4-FFF2-40B4-BE49-F238E27FC236}">
+                <a16:creationId xmlns:a16="http://schemas.microsoft.com/office/drawing/2014/main" id="{0D8AFBAE-C14F-4BA0-B5B1-F84AD550F203}"/>
+              </a:ext>
+            </a:extLst>
+          </p:cNvPr>
+          <p:cNvCxnSpPr>
+            <a:cxnSpLocks/>
+          </p:cNvCxnSpPr>
+          <p:nvPr/>
+        </p:nvCxnSpPr>
+        <p:spPr>
+          <a:xfrm flipH="1" flipV="1">
+            <a:off x="9138360" y="5726535"/>
+            <a:ext cx="833739" cy="383320"/>
+          </a:xfrm>
+          <a:prstGeom prst="straightConnector1">
+            <a:avLst/>
+          </a:prstGeom>
+          <a:ln w="25400">
+            <a:tailEnd type="triangle"/>
+          </a:ln>
+        </p:spPr>
+        <p:style>
+          <a:lnRef idx="1">
+            <a:schemeClr val="accent1"/>
+          </a:lnRef>
+          <a:fillRef idx="0">
+            <a:schemeClr val="accent1"/>
+          </a:fillRef>
+          <a:effectRef idx="0">
+            <a:schemeClr val="accent1"/>
+          </a:effectRef>
+          <a:fontRef idx="minor">
+            <a:schemeClr val="tx1"/>
+          </a:fontRef>
+        </p:style>
+      </p:cxnSp>
+      <mc:AlternateContent xmlns:mc="http://schemas.openxmlformats.org/markup-compatibility/2006">
+        <mc:Choice xmlns:a14="http://schemas.microsoft.com/office/drawing/2010/main" Requires="a14">
+          <p:sp>
+            <p:nvSpPr>
+              <p:cNvPr id="48" name="TextBox 47">
+                <a:extLst>
+                  <a:ext uri="{FF2B5EF4-FFF2-40B4-BE49-F238E27FC236}">
+                    <a16:creationId xmlns:a16="http://schemas.microsoft.com/office/drawing/2014/main" id="{631EA880-77E5-4AA8-A7D4-AFD51217E571}"/>
+                  </a:ext>
+                </a:extLst>
+              </p:cNvPr>
+              <p:cNvSpPr txBox="1"/>
+              <p:nvPr/>
+            </p:nvSpPr>
+            <p:spPr>
+              <a:xfrm>
+                <a:off x="4240810" y="4364873"/>
+                <a:ext cx="1563441" cy="584775"/>
+              </a:xfrm>
+              <a:prstGeom prst="rect">
+                <a:avLst/>
+              </a:prstGeom>
+              <a:noFill/>
+            </p:spPr>
+            <p:txBody>
+              <a:bodyPr wrap="none" rtlCol="0">
+                <a:spAutoFit/>
+              </a:bodyPr>
+              <a:lstStyle/>
+              <a:p>
+                <a14:m>
+                  <m:oMathPara xmlns:m="http://schemas.openxmlformats.org/officeDocument/2006/math">
+                    <m:oMathParaPr>
+                      <m:jc m:val="centerGroup"/>
+                    </m:oMathParaPr>
+                    <m:oMath xmlns:m="http://schemas.openxmlformats.org/officeDocument/2006/math">
+                      <m:sSub>
+                        <m:sSubPr>
+                          <m:ctrlPr>
+                            <a:rPr lang="en-US" sz="3200" b="0" i="1" smtClean="0">
+                              <a:latin typeface="Cambria Math" panose="02040503050406030204" pitchFamily="18" charset="0"/>
+                            </a:rPr>
+                          </m:ctrlPr>
+                        </m:sSubPr>
+                        <m:e>
+                          <m:r>
+                            <a:rPr lang="en-US" sz="3200" b="0" i="1" smtClean="0">
+                              <a:latin typeface="Cambria Math" panose="02040503050406030204" pitchFamily="18" charset="0"/>
+                            </a:rPr>
+                            <m:t>𝑞</m:t>
+                          </m:r>
+                        </m:e>
+                        <m:sub>
+                          <m:r>
+                            <a:rPr lang="en-US" sz="3200" b="0" i="1" smtClean="0">
+                              <a:latin typeface="Cambria Math" panose="02040503050406030204" pitchFamily="18" charset="0"/>
+                            </a:rPr>
+                            <m:t>2</m:t>
+                          </m:r>
+                        </m:sub>
+                      </m:sSub>
+                      <m:r>
+                        <a:rPr lang="en-US" sz="3200" b="0" i="1" smtClean="0">
+                          <a:latin typeface="Cambria Math" panose="02040503050406030204" pitchFamily="18" charset="0"/>
+                        </a:rPr>
+                        <m:t>−</m:t>
+                      </m:r>
+                      <m:sSub>
+                        <m:sSubPr>
+                          <m:ctrlPr>
+                            <a:rPr lang="en-US" sz="3200" b="0" i="1" smtClean="0">
+                              <a:latin typeface="Cambria Math" panose="02040503050406030204" pitchFamily="18" charset="0"/>
+                            </a:rPr>
+                          </m:ctrlPr>
+                        </m:sSubPr>
+                        <m:e>
+                          <m:r>
+                            <a:rPr lang="en-US" sz="3200" b="0" i="1" smtClean="0">
+                              <a:latin typeface="Cambria Math" panose="02040503050406030204" pitchFamily="18" charset="0"/>
+                            </a:rPr>
+                            <m:t>𝑞</m:t>
+                          </m:r>
+                        </m:e>
+                        <m:sub>
+                          <m:r>
+                            <a:rPr lang="en-US" sz="3200" b="0" i="1" smtClean="0">
+                              <a:latin typeface="Cambria Math" panose="02040503050406030204" pitchFamily="18" charset="0"/>
+                            </a:rPr>
+                            <m:t>1</m:t>
+                          </m:r>
+                        </m:sub>
+                      </m:sSub>
+                    </m:oMath>
+                  </m:oMathPara>
+                </a14:m>
+                <a:endParaRPr lang="en-US" sz="3200" dirty="0"/>
+              </a:p>
+            </p:txBody>
+          </p:sp>
+        </mc:Choice>
+        <mc:Fallback>
+          <p:sp>
+            <p:nvSpPr>
+              <p:cNvPr id="48" name="TextBox 47">
+                <a:extLst>
+                  <a:ext uri="{FF2B5EF4-FFF2-40B4-BE49-F238E27FC236}">
+                    <a16:creationId xmlns:a16="http://schemas.microsoft.com/office/drawing/2014/main" id="{631EA880-77E5-4AA8-A7D4-AFD51217E571}"/>
+                  </a:ext>
+                </a:extLst>
+              </p:cNvPr>
+              <p:cNvSpPr txBox="1">
+                <a:spLocks noRot="1" noChangeAspect="1" noMove="1" noResize="1" noEditPoints="1" noAdjustHandles="1" noChangeArrowheads="1" noChangeShapeType="1" noTextEdit="1"/>
+              </p:cNvSpPr>
+              <p:nvPr/>
+            </p:nvSpPr>
+            <p:spPr>
+              <a:xfrm>
+                <a:off x="4240810" y="4364873"/>
+                <a:ext cx="1563441" cy="584775"/>
+              </a:xfrm>
+              <a:prstGeom prst="rect">
+                <a:avLst/>
+              </a:prstGeom>
+              <a:blipFill>
+                <a:blip r:embed="rId8"/>
+                <a:stretch>
+                  <a:fillRect/>
+                </a:stretch>
+              </a:blipFill>
+            </p:spPr>
+            <p:txBody>
+              <a:bodyPr/>
+              <a:lstStyle/>
+              <a:p>
+                <a:r>
+                  <a:rPr lang="en-US">
+                    <a:noFill/>
+                  </a:rPr>
+                  <a:t> </a:t>
+                </a:r>
+              </a:p>
+            </p:txBody>
+          </p:sp>
+        </mc:Fallback>
+      </mc:AlternateContent>
+      <mc:AlternateContent xmlns:mc="http://schemas.openxmlformats.org/markup-compatibility/2006">
+        <mc:Choice xmlns:a14="http://schemas.microsoft.com/office/drawing/2010/main" Requires="a14">
+          <p:sp>
+            <p:nvSpPr>
+              <p:cNvPr id="49" name="TextBox 48">
+                <a:extLst>
+                  <a:ext uri="{FF2B5EF4-FFF2-40B4-BE49-F238E27FC236}">
+                    <a16:creationId xmlns:a16="http://schemas.microsoft.com/office/drawing/2014/main" id="{676C3C46-791D-483C-A1D2-19B5C4F7652C}"/>
+                  </a:ext>
+                </a:extLst>
+              </p:cNvPr>
+              <p:cNvSpPr txBox="1"/>
+              <p:nvPr/>
+            </p:nvSpPr>
+            <p:spPr>
+              <a:xfrm>
+                <a:off x="9917676" y="5713716"/>
+                <a:ext cx="1563441" cy="584775"/>
+              </a:xfrm>
+              <a:prstGeom prst="rect">
+                <a:avLst/>
+              </a:prstGeom>
+              <a:noFill/>
+            </p:spPr>
+            <p:txBody>
+              <a:bodyPr wrap="none" rtlCol="0">
+                <a:spAutoFit/>
+              </a:bodyPr>
+              <a:lstStyle/>
+              <a:p>
+                <a14:m>
+                  <m:oMathPara xmlns:m="http://schemas.openxmlformats.org/officeDocument/2006/math">
+                    <m:oMathParaPr>
+                      <m:jc m:val="centerGroup"/>
+                    </m:oMathParaPr>
+                    <m:oMath xmlns:m="http://schemas.openxmlformats.org/officeDocument/2006/math">
+                      <m:sSub>
+                        <m:sSubPr>
+                          <m:ctrlPr>
+                            <a:rPr lang="en-US" sz="3200" b="0" i="1" smtClean="0">
+                              <a:latin typeface="Cambria Math" panose="02040503050406030204" pitchFamily="18" charset="0"/>
+                            </a:rPr>
+                          </m:ctrlPr>
+                        </m:sSubPr>
+                        <m:e>
+                          <m:r>
+                            <a:rPr lang="en-US" sz="3200" b="0" i="1" smtClean="0">
+                              <a:latin typeface="Cambria Math" panose="02040503050406030204" pitchFamily="18" charset="0"/>
+                            </a:rPr>
+                            <m:t>𝑞</m:t>
+                          </m:r>
+                        </m:e>
+                        <m:sub>
+                          <m:r>
+                            <a:rPr lang="en-US" sz="3200" b="0" i="1" smtClean="0">
+                              <a:latin typeface="Cambria Math" panose="02040503050406030204" pitchFamily="18" charset="0"/>
+                            </a:rPr>
+                            <m:t>2</m:t>
+                          </m:r>
+                        </m:sub>
+                      </m:sSub>
+                      <m:r>
+                        <a:rPr lang="en-US" sz="3200" b="0" i="1" smtClean="0">
+                          <a:latin typeface="Cambria Math" panose="02040503050406030204" pitchFamily="18" charset="0"/>
+                        </a:rPr>
+                        <m:t>−</m:t>
+                      </m:r>
+                      <m:sSub>
+                        <m:sSubPr>
+                          <m:ctrlPr>
+                            <a:rPr lang="en-US" sz="3200" b="0" i="1" smtClean="0">
+                              <a:latin typeface="Cambria Math" panose="02040503050406030204" pitchFamily="18" charset="0"/>
+                            </a:rPr>
+                          </m:ctrlPr>
+                        </m:sSubPr>
+                        <m:e>
+                          <m:r>
+                            <a:rPr lang="en-US" sz="3200" b="0" i="1" smtClean="0">
+                              <a:latin typeface="Cambria Math" panose="02040503050406030204" pitchFamily="18" charset="0"/>
+                            </a:rPr>
+                            <m:t>𝑞</m:t>
+                          </m:r>
+                        </m:e>
+                        <m:sub>
+                          <m:r>
+                            <a:rPr lang="en-US" sz="3200" b="0" i="1" smtClean="0">
+                              <a:latin typeface="Cambria Math" panose="02040503050406030204" pitchFamily="18" charset="0"/>
+                            </a:rPr>
+                            <m:t>1</m:t>
+                          </m:r>
+                        </m:sub>
+                      </m:sSub>
+                    </m:oMath>
+                  </m:oMathPara>
+                </a14:m>
+                <a:endParaRPr lang="en-US" sz="3200" dirty="0"/>
+              </a:p>
+            </p:txBody>
+          </p:sp>
+        </mc:Choice>
+        <mc:Fallback>
+          <p:sp>
+            <p:nvSpPr>
+              <p:cNvPr id="49" name="TextBox 48">
+                <a:extLst>
+                  <a:ext uri="{FF2B5EF4-FFF2-40B4-BE49-F238E27FC236}">
+                    <a16:creationId xmlns:a16="http://schemas.microsoft.com/office/drawing/2014/main" id="{676C3C46-791D-483C-A1D2-19B5C4F7652C}"/>
+                  </a:ext>
+                </a:extLst>
+              </p:cNvPr>
+              <p:cNvSpPr txBox="1">
+                <a:spLocks noRot="1" noChangeAspect="1" noMove="1" noResize="1" noEditPoints="1" noAdjustHandles="1" noChangeArrowheads="1" noChangeShapeType="1" noTextEdit="1"/>
+              </p:cNvSpPr>
+              <p:nvPr/>
+            </p:nvSpPr>
+            <p:spPr>
+              <a:xfrm>
+                <a:off x="9917676" y="5713716"/>
+                <a:ext cx="1563441" cy="584775"/>
+              </a:xfrm>
+              <a:prstGeom prst="rect">
+                <a:avLst/>
+              </a:prstGeom>
+              <a:blipFill>
+                <a:blip r:embed="rId9"/>
+                <a:stretch>
+                  <a:fillRect/>
+                </a:stretch>
+              </a:blipFill>
+            </p:spPr>
+            <p:txBody>
+              <a:bodyPr/>
+              <a:lstStyle/>
+              <a:p>
+                <a:r>
+                  <a:rPr lang="en-US">
+                    <a:noFill/>
+                  </a:rPr>
+                  <a:t> </a:t>
+                </a:r>
+              </a:p>
+            </p:txBody>
+          </p:sp>
+        </mc:Fallback>
+      </mc:AlternateContent>
+      <mc:AlternateContent xmlns:mc="http://schemas.openxmlformats.org/markup-compatibility/2006">
+        <mc:Choice xmlns:a14="http://schemas.microsoft.com/office/drawing/2010/main" Requires="a14">
+          <p:sp>
+            <p:nvSpPr>
+              <p:cNvPr id="50" name="Rectangle 49">
+                <a:extLst>
+                  <a:ext uri="{FF2B5EF4-FFF2-40B4-BE49-F238E27FC236}">
+                    <a16:creationId xmlns:a16="http://schemas.microsoft.com/office/drawing/2014/main" id="{8B68961E-1AEF-4713-B94F-8E1762B318F8}"/>
+                  </a:ext>
+                </a:extLst>
+              </p:cNvPr>
+              <p:cNvSpPr/>
+              <p:nvPr/>
+            </p:nvSpPr>
+            <p:spPr>
+              <a:xfrm>
+                <a:off x="6899778" y="5204"/>
+                <a:ext cx="3738972" cy="1007712"/>
+              </a:xfrm>
+              <a:prstGeom prst="rect">
+                <a:avLst/>
+              </a:prstGeom>
+            </p:spPr>
+            <p:txBody>
+              <a:bodyPr wrap="none">
+                <a:spAutoFit/>
+              </a:bodyPr>
+              <a:lstStyle/>
+              <a:p>
+                <a14:m>
+                  <m:oMathPara xmlns:m="http://schemas.openxmlformats.org/officeDocument/2006/math">
+                    <m:oMathParaPr>
+                      <m:jc m:val="centerGroup"/>
+                    </m:oMathParaPr>
+                    <m:oMath xmlns:m="http://schemas.openxmlformats.org/officeDocument/2006/math">
+                      <m:r>
+                        <a:rPr lang="en-US" sz="3200" b="0" i="1" smtClean="0">
+                          <a:latin typeface="Cambria Math" panose="02040503050406030204" pitchFamily="18" charset="0"/>
+                        </a:rPr>
+                        <m:t>(</m:t>
+                      </m:r>
+                      <m:sSub>
+                        <m:sSubPr>
+                          <m:ctrlPr>
+                            <a:rPr lang="en-US" sz="3200" i="1">
+                              <a:latin typeface="Cambria Math" panose="02040503050406030204" pitchFamily="18" charset="0"/>
+                            </a:rPr>
+                          </m:ctrlPr>
+                        </m:sSubPr>
+                        <m:e>
+                          <m:r>
+                            <a:rPr lang="en-US" sz="3200" i="1">
+                              <a:latin typeface="Cambria Math" panose="02040503050406030204" pitchFamily="18" charset="0"/>
+                            </a:rPr>
+                            <m:t>𝑞</m:t>
+                          </m:r>
+                        </m:e>
+                        <m:sub>
+                          <m:r>
+                            <a:rPr lang="en-US" sz="3200" i="1">
+                              <a:latin typeface="Cambria Math" panose="02040503050406030204" pitchFamily="18" charset="0"/>
+                            </a:rPr>
+                            <m:t>1</m:t>
+                          </m:r>
+                        </m:sub>
+                      </m:sSub>
+                      <m:r>
+                        <a:rPr lang="en-US" sz="3200" i="1">
+                          <a:latin typeface="Cambria Math" panose="02040503050406030204" pitchFamily="18" charset="0"/>
+                        </a:rPr>
+                        <m:t>=−</m:t>
+                      </m:r>
+                      <m:f>
+                        <m:fPr>
+                          <m:ctrlPr>
+                            <a:rPr lang="en-US" sz="3200" i="1">
+                              <a:latin typeface="Cambria Math" panose="02040503050406030204" pitchFamily="18" charset="0"/>
+                            </a:rPr>
+                          </m:ctrlPr>
+                        </m:fPr>
+                        <m:num>
+                          <m:r>
+                            <a:rPr lang="en-US" sz="3200" i="1">
+                              <a:latin typeface="Cambria Math" panose="02040503050406030204" pitchFamily="18" charset="0"/>
+                            </a:rPr>
+                            <m:t>𝑖</m:t>
+                          </m:r>
+                        </m:num>
+                        <m:den>
+                          <m:r>
+                            <a:rPr lang="en-US" sz="3200" i="1">
+                              <a:latin typeface="Cambria Math" panose="02040503050406030204" pitchFamily="18" charset="0"/>
+                            </a:rPr>
+                            <m:t>2</m:t>
+                          </m:r>
+                        </m:den>
+                      </m:f>
+                      <m:sSub>
+                        <m:sSubPr>
+                          <m:ctrlPr>
+                            <a:rPr lang="en-US" sz="3200" i="1">
+                              <a:latin typeface="Cambria Math" panose="02040503050406030204" pitchFamily="18" charset="0"/>
+                            </a:rPr>
+                          </m:ctrlPr>
+                        </m:sSubPr>
+                        <m:e>
+                          <m:r>
+                            <m:rPr>
+                              <m:sty m:val="p"/>
+                            </m:rPr>
+                            <a:rPr lang="en-US" sz="3200">
+                              <a:latin typeface="Cambria Math" panose="02040503050406030204" pitchFamily="18" charset="0"/>
+                            </a:rPr>
+                            <m:t>Γ</m:t>
+                          </m:r>
+                        </m:e>
+                        <m:sub>
+                          <m:r>
+                            <a:rPr lang="en-US" sz="3200" i="1">
+                              <a:latin typeface="Cambria Math" panose="02040503050406030204" pitchFamily="18" charset="0"/>
+                            </a:rPr>
+                            <m:t>𝑏</m:t>
+                          </m:r>
+                        </m:sub>
+                      </m:sSub>
+                      <m:r>
+                        <a:rPr lang="en-US" sz="3200" b="0" i="1" smtClean="0">
+                          <a:latin typeface="Cambria Math" panose="02040503050406030204" pitchFamily="18" charset="0"/>
+                        </a:rPr>
+                        <m:t>+</m:t>
+                      </m:r>
+                      <m:sSub>
+                        <m:sSubPr>
+                          <m:ctrlPr>
+                            <a:rPr lang="en-US" sz="3200" i="1">
+                              <a:latin typeface="Cambria Math" panose="02040503050406030204" pitchFamily="18" charset="0"/>
+                            </a:rPr>
+                          </m:ctrlPr>
+                        </m:sSubPr>
+                        <m:e>
+                          <m:r>
+                            <a:rPr lang="en-US" sz="3200" i="1">
+                              <a:latin typeface="Cambria Math" panose="02040503050406030204" pitchFamily="18" charset="0"/>
+                            </a:rPr>
+                            <m:t>𝜔</m:t>
+                          </m:r>
+                        </m:e>
+                        <m:sub>
+                          <m:r>
+                            <a:rPr lang="en-US" sz="3200" i="1">
+                              <a:latin typeface="Cambria Math" panose="02040503050406030204" pitchFamily="18" charset="0"/>
+                            </a:rPr>
+                            <m:t>𝑏𝑐</m:t>
+                          </m:r>
+                        </m:sub>
+                      </m:sSub>
+                      <m:r>
+                        <a:rPr lang="en-US" sz="3200" b="0" i="0" smtClean="0">
+                          <a:latin typeface="Cambria Math" panose="02040503050406030204" pitchFamily="18" charset="0"/>
+                        </a:rPr>
+                        <m:t>)</m:t>
+                      </m:r>
+                    </m:oMath>
+                  </m:oMathPara>
+                </a14:m>
+                <a:endParaRPr lang="en-US" sz="3200" dirty="0"/>
+              </a:p>
+            </p:txBody>
+          </p:sp>
+        </mc:Choice>
+        <mc:Fallback>
+          <p:sp>
+            <p:nvSpPr>
+              <p:cNvPr id="50" name="Rectangle 49">
+                <a:extLst>
+                  <a:ext uri="{FF2B5EF4-FFF2-40B4-BE49-F238E27FC236}">
+                    <a16:creationId xmlns:a16="http://schemas.microsoft.com/office/drawing/2014/main" id="{8B68961E-1AEF-4713-B94F-8E1762B318F8}"/>
+                  </a:ext>
+                </a:extLst>
+              </p:cNvPr>
+              <p:cNvSpPr>
+                <a:spLocks noRot="1" noChangeAspect="1" noMove="1" noResize="1" noEditPoints="1" noAdjustHandles="1" noChangeArrowheads="1" noChangeShapeType="1" noTextEdit="1"/>
+              </p:cNvSpPr>
+              <p:nvPr/>
+            </p:nvSpPr>
+            <p:spPr>
+              <a:xfrm>
+                <a:off x="6899778" y="5204"/>
+                <a:ext cx="3738972" cy="1007712"/>
+              </a:xfrm>
+              <a:prstGeom prst="rect">
+                <a:avLst/>
+              </a:prstGeom>
+              <a:blipFill>
+                <a:blip r:embed="rId10"/>
+                <a:stretch>
+                  <a:fillRect/>
+                </a:stretch>
+              </a:blipFill>
+            </p:spPr>
+            <p:txBody>
+              <a:bodyPr/>
+              <a:lstStyle/>
+              <a:p>
+                <a:r>
+                  <a:rPr lang="en-US">
+                    <a:noFill/>
+                  </a:rPr>
+                  <a:t> </a:t>
+                </a:r>
+              </a:p>
+            </p:txBody>
+          </p:sp>
+        </mc:Fallback>
+      </mc:AlternateContent>
+    </p:spTree>
+    <p:extLst>
+      <p:ext uri="{BB962C8B-B14F-4D97-AF65-F5344CB8AC3E}">
+        <p14:creationId xmlns:p14="http://schemas.microsoft.com/office/powerpoint/2010/main" val="3653917505"/>
+      </p:ext>
+    </p:extLst>
+  </p:cSld>
+  <p:clrMapOvr>
+    <a:masterClrMapping/>
+  </p:clrMapOvr>
+</p:sld>
+</file>
+
+<file path=ppt/slides/slide17.xml><?xml version="1.0" encoding="utf-8"?>
+<p:sld xmlns:a="http://schemas.openxmlformats.org/drawingml/2006/main" xmlns:r="http://schemas.openxmlformats.org/officeDocument/2006/relationships" xmlns:p="http://schemas.openxmlformats.org/presentationml/2006/main">
+  <p:cSld>
+    <p:spTree>
+      <p:nvGrpSpPr>
+        <p:cNvPr id="1" name=""/>
+        <p:cNvGrpSpPr/>
+        <p:nvPr/>
+      </p:nvGrpSpPr>
+      <p:grpSpPr>
+        <a:xfrm>
+          <a:off x="0" y="0"/>
+          <a:ext cx="0" cy="0"/>
+          <a:chOff x="0" y="0"/>
+          <a:chExt cx="0" cy="0"/>
+        </a:xfrm>
+      </p:grpSpPr>
+      <mc:AlternateContent xmlns:mc="http://schemas.openxmlformats.org/markup-compatibility/2006">
+        <mc:Choice xmlns:a14="http://schemas.microsoft.com/office/drawing/2010/main" Requires="a14">
+          <p:sp>
+            <p:nvSpPr>
+              <p:cNvPr id="4" name="TextBox 3">
+                <a:extLst>
+                  <a:ext uri="{FF2B5EF4-FFF2-40B4-BE49-F238E27FC236}">
+                    <a16:creationId xmlns:a16="http://schemas.microsoft.com/office/drawing/2014/main" id="{B2A86406-9EC6-42B2-B7A4-29C3AFCAA9E6}"/>
+                  </a:ext>
+                </a:extLst>
+              </p:cNvPr>
+              <p:cNvSpPr txBox="1"/>
+              <p:nvPr/>
+            </p:nvSpPr>
+            <p:spPr>
+              <a:xfrm>
+                <a:off x="731003" y="411480"/>
+                <a:ext cx="3838423" cy="523220"/>
+              </a:xfrm>
+              <a:prstGeom prst="rect">
+                <a:avLst/>
+              </a:prstGeom>
+              <a:noFill/>
+            </p:spPr>
+            <p:txBody>
+              <a:bodyPr wrap="none" rtlCol="0">
+                <a:spAutoFit/>
+              </a:bodyPr>
+              <a:lstStyle/>
+              <a:p>
+                <a14:m>
+                  <m:oMathPara xmlns:m="http://schemas.openxmlformats.org/officeDocument/2006/math">
+                    <m:oMathParaPr>
+                      <m:jc m:val="centerGroup"/>
+                    </m:oMathParaPr>
+                    <m:oMath xmlns:m="http://schemas.openxmlformats.org/officeDocument/2006/math">
+                      <m:r>
+                        <a:rPr lang="en-US" sz="2800" b="0" i="1" smtClean="0">
+                          <a:latin typeface="Cambria Math" panose="02040503050406030204" pitchFamily="18" charset="0"/>
+                        </a:rPr>
+                        <m:t>𝐼𝑚</m:t>
+                      </m:r>
+                      <m:sSub>
+                        <m:sSubPr>
+                          <m:ctrlPr>
+                            <a:rPr lang="en-US" sz="2800" b="0" i="1" smtClean="0">
+                              <a:latin typeface="Cambria Math" panose="02040503050406030204" pitchFamily="18" charset="0"/>
+                            </a:rPr>
+                          </m:ctrlPr>
+                        </m:sSubPr>
+                        <m:e>
+                          <m:r>
+                            <a:rPr lang="en-US" sz="2800" b="0" i="1" smtClean="0">
+                              <a:latin typeface="Cambria Math" panose="02040503050406030204" pitchFamily="18" charset="0"/>
+                            </a:rPr>
+                            <m:t>𝑞</m:t>
+                          </m:r>
+                        </m:e>
+                        <m:sub>
+                          <m:r>
+                            <a:rPr lang="en-US" sz="2800" b="0" i="1" smtClean="0">
+                              <a:latin typeface="Cambria Math" panose="02040503050406030204" pitchFamily="18" charset="0"/>
+                            </a:rPr>
+                            <m:t>2</m:t>
+                          </m:r>
+                        </m:sub>
+                      </m:sSub>
+                      <m:r>
+                        <a:rPr lang="en-US" sz="2800" b="0" i="1" smtClean="0">
+                          <a:latin typeface="Cambria Math" panose="02040503050406030204" pitchFamily="18" charset="0"/>
+                        </a:rPr>
+                        <m:t>&gt;</m:t>
+                      </m:r>
+                      <m:r>
+                        <a:rPr lang="en-US" sz="2800" b="0" i="1" smtClean="0">
+                          <a:latin typeface="Cambria Math" panose="02040503050406030204" pitchFamily="18" charset="0"/>
+                        </a:rPr>
+                        <m:t>𝐼𝑚</m:t>
+                      </m:r>
+                      <m:sSub>
+                        <m:sSubPr>
+                          <m:ctrlPr>
+                            <a:rPr lang="en-US" sz="2800" b="0" i="1" smtClean="0">
+                              <a:latin typeface="Cambria Math" panose="02040503050406030204" pitchFamily="18" charset="0"/>
+                            </a:rPr>
+                          </m:ctrlPr>
+                        </m:sSubPr>
+                        <m:e>
+                          <m:r>
+                            <a:rPr lang="en-US" sz="2800" b="0" i="1" smtClean="0">
+                              <a:latin typeface="Cambria Math" panose="02040503050406030204" pitchFamily="18" charset="0"/>
+                            </a:rPr>
+                            <m:t>𝑞</m:t>
+                          </m:r>
+                        </m:e>
+                        <m:sub>
+                          <m:r>
+                            <a:rPr lang="en-US" sz="2800" b="0" i="1" smtClean="0">
+                              <a:latin typeface="Cambria Math" panose="02040503050406030204" pitchFamily="18" charset="0"/>
+                            </a:rPr>
+                            <m:t>1</m:t>
+                          </m:r>
+                        </m:sub>
+                      </m:sSub>
+                      <m:r>
+                        <a:rPr lang="en-US" sz="2800" b="0" i="1" smtClean="0">
+                          <a:latin typeface="Cambria Math" panose="02040503050406030204" pitchFamily="18" charset="0"/>
+                        </a:rPr>
+                        <m:t> (</m:t>
+                      </m:r>
+                      <m:sSub>
+                        <m:sSubPr>
+                          <m:ctrlPr>
+                            <a:rPr lang="en-US" sz="2800" b="0" i="1" smtClean="0">
+                              <a:latin typeface="Cambria Math" panose="02040503050406030204" pitchFamily="18" charset="0"/>
+                            </a:rPr>
+                          </m:ctrlPr>
+                        </m:sSubPr>
+                        <m:e>
+                          <m:r>
+                            <m:rPr>
+                              <m:sty m:val="p"/>
+                            </m:rPr>
+                            <a:rPr lang="en-US" sz="2800" b="0" i="0" smtClean="0">
+                              <a:latin typeface="Cambria Math" panose="02040503050406030204" pitchFamily="18" charset="0"/>
+                            </a:rPr>
+                            <m:t>Γ</m:t>
+                          </m:r>
+                        </m:e>
+                        <m:sub>
+                          <m:r>
+                            <a:rPr lang="en-US" sz="2800" b="0" i="1" smtClean="0">
+                              <a:latin typeface="Cambria Math" panose="02040503050406030204" pitchFamily="18" charset="0"/>
+                            </a:rPr>
+                            <m:t>𝑎</m:t>
+                          </m:r>
+                        </m:sub>
+                      </m:sSub>
+                      <m:r>
+                        <a:rPr lang="en-US" sz="2800" b="0" i="1" smtClean="0">
+                          <a:latin typeface="Cambria Math" panose="02040503050406030204" pitchFamily="18" charset="0"/>
+                        </a:rPr>
+                        <m:t>&lt;</m:t>
+                      </m:r>
+                      <m:sSub>
+                        <m:sSubPr>
+                          <m:ctrlPr>
+                            <a:rPr lang="en-US" sz="2800" b="0" i="1" smtClean="0">
+                              <a:latin typeface="Cambria Math" panose="02040503050406030204" pitchFamily="18" charset="0"/>
+                            </a:rPr>
+                          </m:ctrlPr>
+                        </m:sSubPr>
+                        <m:e>
+                          <m:r>
+                            <m:rPr>
+                              <m:sty m:val="p"/>
+                            </m:rPr>
+                            <a:rPr lang="en-US" sz="2800" b="0" i="0" smtClean="0">
+                              <a:latin typeface="Cambria Math" panose="02040503050406030204" pitchFamily="18" charset="0"/>
+                            </a:rPr>
+                            <m:t>Γ</m:t>
+                          </m:r>
+                        </m:e>
+                        <m:sub>
+                          <m:r>
+                            <a:rPr lang="en-US" sz="2800" b="0" i="1" smtClean="0">
+                              <a:latin typeface="Cambria Math" panose="02040503050406030204" pitchFamily="18" charset="0"/>
+                            </a:rPr>
+                            <m:t>𝑏</m:t>
+                          </m:r>
+                        </m:sub>
+                      </m:sSub>
+                      <m:r>
+                        <a:rPr lang="en-US" sz="2800" b="0" i="1" smtClean="0">
+                          <a:latin typeface="Cambria Math" panose="02040503050406030204" pitchFamily="18" charset="0"/>
+                        </a:rPr>
+                        <m:t>)</m:t>
+                      </m:r>
+                    </m:oMath>
+                  </m:oMathPara>
+                </a14:m>
+                <a:endParaRPr lang="en-US" sz="2800" dirty="0"/>
+              </a:p>
+            </p:txBody>
+          </p:sp>
+        </mc:Choice>
+        <mc:Fallback>
+          <p:sp>
+            <p:nvSpPr>
+              <p:cNvPr id="4" name="TextBox 3">
+                <a:extLst>
+                  <a:ext uri="{FF2B5EF4-FFF2-40B4-BE49-F238E27FC236}">
+                    <a16:creationId xmlns:a16="http://schemas.microsoft.com/office/drawing/2014/main" id="{B2A86406-9EC6-42B2-B7A4-29C3AFCAA9E6}"/>
+                  </a:ext>
+                </a:extLst>
+              </p:cNvPr>
+              <p:cNvSpPr txBox="1">
+                <a:spLocks noRot="1" noChangeAspect="1" noMove="1" noResize="1" noEditPoints="1" noAdjustHandles="1" noChangeArrowheads="1" noChangeShapeType="1" noTextEdit="1"/>
+              </p:cNvSpPr>
+              <p:nvPr/>
+            </p:nvSpPr>
+            <p:spPr>
+              <a:xfrm>
+                <a:off x="731003" y="411480"/>
+                <a:ext cx="3838423" cy="523220"/>
+              </a:xfrm>
+              <a:prstGeom prst="rect">
+                <a:avLst/>
+              </a:prstGeom>
+              <a:blipFill>
+                <a:blip r:embed="rId2"/>
+                <a:stretch>
+                  <a:fillRect/>
+                </a:stretch>
+              </a:blipFill>
+            </p:spPr>
+            <p:txBody>
+              <a:bodyPr/>
+              <a:lstStyle/>
+              <a:p>
+                <a:r>
+                  <a:rPr lang="en-US">
+                    <a:noFill/>
+                  </a:rPr>
+                  <a:t> </a:t>
+                </a:r>
+              </a:p>
+            </p:txBody>
+          </p:sp>
+        </mc:Fallback>
+      </mc:AlternateContent>
+      <p:pic>
+        <p:nvPicPr>
+          <p:cNvPr id="5" name="Picture 4">
+            <a:extLst>
+              <a:ext uri="{FF2B5EF4-FFF2-40B4-BE49-F238E27FC236}">
+                <a16:creationId xmlns:a16="http://schemas.microsoft.com/office/drawing/2014/main" id="{C55C37B9-082D-4D06-BD7F-30BFC293DBD2}"/>
+              </a:ext>
+            </a:extLst>
+          </p:cNvPr>
+          <p:cNvPicPr>
+            <a:picLocks noChangeAspect="1"/>
+          </p:cNvPicPr>
+          <p:nvPr/>
+        </p:nvPicPr>
+        <p:blipFill>
+          <a:blip r:embed="rId3"/>
+          <a:stretch>
+            <a:fillRect/>
+          </a:stretch>
+        </p:blipFill>
+        <p:spPr>
+          <a:xfrm>
+            <a:off x="85709" y="2335798"/>
+            <a:ext cx="10211882" cy="2444020"/>
+          </a:xfrm>
+          <a:prstGeom prst="rect">
+            <a:avLst/>
+          </a:prstGeom>
+        </p:spPr>
+      </p:pic>
+      <p:cxnSp>
+        <p:nvCxnSpPr>
+          <p:cNvPr id="7" name="Straight Arrow Connector 6">
+            <a:extLst>
+              <a:ext uri="{FF2B5EF4-FFF2-40B4-BE49-F238E27FC236}">
+                <a16:creationId xmlns:a16="http://schemas.microsoft.com/office/drawing/2014/main" id="{8B73F4ED-C864-48D5-9E83-E927F8A2F5C9}"/>
+              </a:ext>
+            </a:extLst>
+          </p:cNvPr>
+          <p:cNvCxnSpPr>
+            <a:cxnSpLocks/>
+          </p:cNvCxnSpPr>
+          <p:nvPr/>
+        </p:nvCxnSpPr>
+        <p:spPr>
+          <a:xfrm flipH="1">
+            <a:off x="5472358" y="1688341"/>
+            <a:ext cx="1055715" cy="722351"/>
+          </a:xfrm>
+          <a:prstGeom prst="straightConnector1">
+            <a:avLst/>
+          </a:prstGeom>
+          <a:ln w="25400">
+            <a:tailEnd type="triangle"/>
+          </a:ln>
+        </p:spPr>
+        <p:style>
+          <a:lnRef idx="1">
+            <a:schemeClr val="accent1"/>
+          </a:lnRef>
+          <a:fillRef idx="0">
+            <a:schemeClr val="accent1"/>
+          </a:fillRef>
+          <a:effectRef idx="0">
+            <a:schemeClr val="accent1"/>
+          </a:effectRef>
+          <a:fontRef idx="minor">
+            <a:schemeClr val="tx1"/>
+          </a:fontRef>
+        </p:style>
+      </p:cxnSp>
+      <p:cxnSp>
+        <p:nvCxnSpPr>
+          <p:cNvPr id="10" name="Straight Arrow Connector 9">
+            <a:extLst>
+              <a:ext uri="{FF2B5EF4-FFF2-40B4-BE49-F238E27FC236}">
+                <a16:creationId xmlns:a16="http://schemas.microsoft.com/office/drawing/2014/main" id="{E7713DEF-BF03-47D1-A911-AAA0B8887A97}"/>
+              </a:ext>
+            </a:extLst>
+          </p:cNvPr>
+          <p:cNvCxnSpPr>
+            <a:cxnSpLocks/>
+          </p:cNvCxnSpPr>
+          <p:nvPr/>
+        </p:nvCxnSpPr>
+        <p:spPr>
+          <a:xfrm flipH="1">
+            <a:off x="5883839" y="1688341"/>
+            <a:ext cx="935179" cy="1337492"/>
+          </a:xfrm>
+          <a:prstGeom prst="straightConnector1">
+            <a:avLst/>
+          </a:prstGeom>
+          <a:ln w="25400">
+            <a:tailEnd type="triangle"/>
+          </a:ln>
+        </p:spPr>
+        <p:style>
+          <a:lnRef idx="1">
+            <a:schemeClr val="accent1"/>
+          </a:lnRef>
+          <a:fillRef idx="0">
+            <a:schemeClr val="accent1"/>
+          </a:fillRef>
+          <a:effectRef idx="0">
+            <a:schemeClr val="accent1"/>
+          </a:effectRef>
+          <a:fontRef idx="minor">
+            <a:schemeClr val="tx1"/>
+          </a:fontRef>
+        </p:style>
+      </p:cxnSp>
+      <mc:AlternateContent xmlns:mc="http://schemas.openxmlformats.org/markup-compatibility/2006">
+        <mc:Choice xmlns:a14="http://schemas.microsoft.com/office/drawing/2010/main" Requires="a14">
+          <p:sp>
+            <p:nvSpPr>
+              <p:cNvPr id="14" name="TextBox 13">
+                <a:extLst>
+                  <a:ext uri="{FF2B5EF4-FFF2-40B4-BE49-F238E27FC236}">
+                    <a16:creationId xmlns:a16="http://schemas.microsoft.com/office/drawing/2014/main" id="{21154C52-006E-454B-AFB1-E0308FB4C234}"/>
+                  </a:ext>
+                </a:extLst>
+              </p:cNvPr>
+              <p:cNvSpPr txBox="1"/>
+              <p:nvPr/>
+            </p:nvSpPr>
+            <p:spPr>
+              <a:xfrm>
+                <a:off x="4875766" y="1065658"/>
+                <a:ext cx="7316234" cy="584775"/>
+              </a:xfrm>
+              <a:prstGeom prst="rect">
+                <a:avLst/>
+              </a:prstGeom>
+              <a:noFill/>
+            </p:spPr>
+            <p:txBody>
+              <a:bodyPr wrap="none" rtlCol="0">
+                <a:spAutoFit/>
+              </a:bodyPr>
+              <a:lstStyle/>
+              <a:p>
+                <a14:m>
+                  <m:oMath xmlns:m="http://schemas.openxmlformats.org/officeDocument/2006/math">
+                    <m:d>
+                      <m:dPr>
+                        <m:begChr m:val="|"/>
+                        <m:endChr m:val="|"/>
+                        <m:ctrlPr>
+                          <a:rPr lang="en-US" sz="3200" b="0" i="1" smtClean="0">
+                            <a:latin typeface="Cambria Math" panose="02040503050406030204" pitchFamily="18" charset="0"/>
+                          </a:rPr>
+                        </m:ctrlPr>
+                      </m:dPr>
+                      <m:e>
+                        <m:sSub>
+                          <m:sSubPr>
+                            <m:ctrlPr>
+                              <a:rPr lang="en-US" sz="3200" b="0" i="1" smtClean="0">
+                                <a:latin typeface="Cambria Math" panose="02040503050406030204" pitchFamily="18" charset="0"/>
+                              </a:rPr>
+                            </m:ctrlPr>
+                          </m:sSubPr>
+                          <m:e>
+                            <m:r>
+                              <a:rPr lang="en-US" sz="3200" b="0" i="1" smtClean="0">
+                                <a:latin typeface="Cambria Math" panose="02040503050406030204" pitchFamily="18" charset="0"/>
+                              </a:rPr>
+                              <m:t>𝑥</m:t>
+                            </m:r>
+                          </m:e>
+                          <m:sub>
+                            <m:r>
+                              <a:rPr lang="en-US" sz="3200" b="0" i="1" smtClean="0">
+                                <a:latin typeface="Cambria Math" panose="02040503050406030204" pitchFamily="18" charset="0"/>
+                              </a:rPr>
+                              <m:t>1</m:t>
+                            </m:r>
+                          </m:sub>
+                        </m:sSub>
+                      </m:e>
+                    </m:d>
+                    <m:r>
+                      <a:rPr lang="en-US" sz="3200" b="0" i="1" smtClean="0">
+                        <a:latin typeface="Cambria Math" panose="02040503050406030204" pitchFamily="18" charset="0"/>
+                      </a:rPr>
+                      <m:t>&gt;|</m:t>
+                    </m:r>
+                    <m:sSub>
+                      <m:sSubPr>
+                        <m:ctrlPr>
+                          <a:rPr lang="en-US" sz="3200" b="0" i="1" smtClean="0">
+                            <a:latin typeface="Cambria Math" panose="02040503050406030204" pitchFamily="18" charset="0"/>
+                          </a:rPr>
+                        </m:ctrlPr>
+                      </m:sSubPr>
+                      <m:e>
+                        <m:r>
+                          <a:rPr lang="en-US" sz="3200" b="0" i="1" smtClean="0">
+                            <a:latin typeface="Cambria Math" panose="02040503050406030204" pitchFamily="18" charset="0"/>
+                          </a:rPr>
+                          <m:t>𝑥</m:t>
+                        </m:r>
+                      </m:e>
+                      <m:sub>
+                        <m:r>
+                          <a:rPr lang="en-US" sz="3200" b="0" i="1" smtClean="0">
+                            <a:latin typeface="Cambria Math" panose="02040503050406030204" pitchFamily="18" charset="0"/>
+                          </a:rPr>
+                          <m:t>2</m:t>
+                        </m:r>
+                      </m:sub>
+                    </m:sSub>
+                    <m:r>
+                      <a:rPr lang="en-US" sz="3200" b="0" i="1" smtClean="0">
+                        <a:latin typeface="Cambria Math" panose="02040503050406030204" pitchFamily="18" charset="0"/>
+                      </a:rPr>
+                      <m:t>|</m:t>
+                    </m:r>
+                  </m:oMath>
+                </a14:m>
+                <a:r>
+                  <a:rPr lang="en-US" sz="3200" dirty="0"/>
+                  <a:t>, the first photon travels further</a:t>
+                </a:r>
+              </a:p>
+            </p:txBody>
+          </p:sp>
+        </mc:Choice>
+        <mc:Fallback>
+          <p:sp>
+            <p:nvSpPr>
+              <p:cNvPr id="14" name="TextBox 13">
+                <a:extLst>
+                  <a:ext uri="{FF2B5EF4-FFF2-40B4-BE49-F238E27FC236}">
+                    <a16:creationId xmlns:a16="http://schemas.microsoft.com/office/drawing/2014/main" id="{21154C52-006E-454B-AFB1-E0308FB4C234}"/>
+                  </a:ext>
+                </a:extLst>
+              </p:cNvPr>
+              <p:cNvSpPr txBox="1">
+                <a:spLocks noRot="1" noChangeAspect="1" noMove="1" noResize="1" noEditPoints="1" noAdjustHandles="1" noChangeArrowheads="1" noChangeShapeType="1" noTextEdit="1"/>
+              </p:cNvSpPr>
+              <p:nvPr/>
+            </p:nvSpPr>
+            <p:spPr>
+              <a:xfrm>
+                <a:off x="4875766" y="1065658"/>
+                <a:ext cx="7316234" cy="584775"/>
+              </a:xfrm>
+              <a:prstGeom prst="rect">
+                <a:avLst/>
+              </a:prstGeom>
+              <a:blipFill>
+                <a:blip r:embed="rId4"/>
+                <a:stretch>
+                  <a:fillRect t="-12500" r="-1000" b="-34375"/>
+                </a:stretch>
+              </a:blipFill>
+            </p:spPr>
+            <p:txBody>
+              <a:bodyPr/>
+              <a:lstStyle/>
+              <a:p>
+                <a:r>
+                  <a:rPr lang="en-US">
+                    <a:noFill/>
+                  </a:rPr>
+                  <a:t> </a:t>
+                </a:r>
+              </a:p>
+            </p:txBody>
+          </p:sp>
+        </mc:Fallback>
+      </mc:AlternateContent>
+      <p:cxnSp>
+        <p:nvCxnSpPr>
+          <p:cNvPr id="17" name="Straight Arrow Connector 16">
+            <a:extLst>
+              <a:ext uri="{FF2B5EF4-FFF2-40B4-BE49-F238E27FC236}">
+                <a16:creationId xmlns:a16="http://schemas.microsoft.com/office/drawing/2014/main" id="{2B23B201-850D-444C-AFEA-0FD18267C1FD}"/>
+              </a:ext>
+            </a:extLst>
+          </p:cNvPr>
+          <p:cNvCxnSpPr>
+            <a:cxnSpLocks/>
+          </p:cNvCxnSpPr>
+          <p:nvPr/>
+        </p:nvCxnSpPr>
+        <p:spPr>
+          <a:xfrm flipH="1" flipV="1">
+            <a:off x="5286895" y="4131425"/>
+            <a:ext cx="315885" cy="1295851"/>
+          </a:xfrm>
+          <a:prstGeom prst="straightConnector1">
+            <a:avLst/>
+          </a:prstGeom>
+          <a:ln w="25400">
+            <a:tailEnd type="triangle"/>
+          </a:ln>
+        </p:spPr>
+        <p:style>
+          <a:lnRef idx="1">
+            <a:schemeClr val="accent1"/>
+          </a:lnRef>
+          <a:fillRef idx="0">
+            <a:schemeClr val="accent1"/>
+          </a:fillRef>
+          <a:effectRef idx="0">
+            <a:schemeClr val="accent1"/>
+          </a:effectRef>
+          <a:fontRef idx="minor">
+            <a:schemeClr val="tx1"/>
+          </a:fontRef>
+        </p:style>
+      </p:cxnSp>
+      <p:cxnSp>
+        <p:nvCxnSpPr>
+          <p:cNvPr id="18" name="Straight Arrow Connector 17">
+            <a:extLst>
+              <a:ext uri="{FF2B5EF4-FFF2-40B4-BE49-F238E27FC236}">
+                <a16:creationId xmlns:a16="http://schemas.microsoft.com/office/drawing/2014/main" id="{172C9534-D7AE-4EF9-B9F1-1A80B446F291}"/>
+              </a:ext>
+            </a:extLst>
+          </p:cNvPr>
+          <p:cNvCxnSpPr>
+            <a:cxnSpLocks/>
+          </p:cNvCxnSpPr>
+          <p:nvPr/>
+        </p:nvCxnSpPr>
+        <p:spPr>
+          <a:xfrm flipV="1">
+            <a:off x="5809810" y="4729005"/>
+            <a:ext cx="148057" cy="698270"/>
+          </a:xfrm>
+          <a:prstGeom prst="straightConnector1">
+            <a:avLst/>
+          </a:prstGeom>
+          <a:ln w="25400">
+            <a:tailEnd type="triangle"/>
+          </a:ln>
+        </p:spPr>
+        <p:style>
+          <a:lnRef idx="1">
+            <a:schemeClr val="accent1"/>
+          </a:lnRef>
+          <a:fillRef idx="0">
+            <a:schemeClr val="accent1"/>
+          </a:fillRef>
+          <a:effectRef idx="0">
+            <a:schemeClr val="accent1"/>
+          </a:effectRef>
+          <a:fontRef idx="minor">
+            <a:schemeClr val="tx1"/>
+          </a:fontRef>
+        </p:style>
+      </p:cxnSp>
+      <mc:AlternateContent xmlns:mc="http://schemas.openxmlformats.org/markup-compatibility/2006">
+        <mc:Choice xmlns:a14="http://schemas.microsoft.com/office/drawing/2010/main" Requires="a14">
+          <p:sp>
+            <p:nvSpPr>
+              <p:cNvPr id="27" name="TextBox 26">
+                <a:extLst>
+                  <a:ext uri="{FF2B5EF4-FFF2-40B4-BE49-F238E27FC236}">
+                    <a16:creationId xmlns:a16="http://schemas.microsoft.com/office/drawing/2014/main" id="{4E2573A6-DC19-48DF-8249-67E0E49FCB85}"/>
+                  </a:ext>
+                </a:extLst>
+              </p:cNvPr>
+              <p:cNvSpPr txBox="1"/>
+              <p:nvPr/>
+            </p:nvSpPr>
+            <p:spPr>
+              <a:xfrm>
+                <a:off x="3847701" y="5674522"/>
+                <a:ext cx="6134052" cy="584775"/>
+              </a:xfrm>
+              <a:prstGeom prst="rect">
+                <a:avLst/>
+              </a:prstGeom>
+              <a:noFill/>
+            </p:spPr>
+            <p:txBody>
+              <a:bodyPr wrap="none" rtlCol="0">
+                <a:spAutoFit/>
+              </a:bodyPr>
+              <a:lstStyle/>
+              <a:p>
+                <a:r>
+                  <a:rPr lang="en-US" sz="3200" dirty="0">
+                    <a:latin typeface="Arial" panose="020B0604020202020204" pitchFamily="34" charset="0"/>
+                    <a:cs typeface="Arial" panose="020B0604020202020204" pitchFamily="34" charset="0"/>
+                  </a:rPr>
+                  <a:t>unentangled part, but </a:t>
+                </a:r>
+                <a14:m>
+                  <m:oMath xmlns:m="http://schemas.openxmlformats.org/officeDocument/2006/math">
+                    <m:d>
+                      <m:dPr>
+                        <m:begChr m:val="|"/>
+                        <m:endChr m:val="|"/>
+                        <m:ctrlPr>
+                          <a:rPr lang="en-US" sz="3200" b="0" i="1" smtClean="0">
+                            <a:latin typeface="Cambria Math" panose="02040503050406030204" pitchFamily="18" charset="0"/>
+                            <a:cs typeface="Arial" panose="020B0604020202020204" pitchFamily="34" charset="0"/>
+                          </a:rPr>
+                        </m:ctrlPr>
+                      </m:dPr>
+                      <m:e>
+                        <m:sSub>
+                          <m:sSubPr>
+                            <m:ctrlPr>
+                              <a:rPr lang="en-US" sz="3200" b="0" i="1" smtClean="0">
+                                <a:latin typeface="Cambria Math" panose="02040503050406030204" pitchFamily="18" charset="0"/>
+                                <a:cs typeface="Arial" panose="020B0604020202020204" pitchFamily="34" charset="0"/>
+                              </a:rPr>
+                            </m:ctrlPr>
+                          </m:sSubPr>
+                          <m:e>
+                            <m:r>
+                              <a:rPr lang="en-US" sz="3200" b="0" i="1" smtClean="0">
+                                <a:latin typeface="Cambria Math" panose="02040503050406030204" pitchFamily="18" charset="0"/>
+                                <a:cs typeface="Arial" panose="020B0604020202020204" pitchFamily="34" charset="0"/>
+                              </a:rPr>
+                              <m:t>𝑥</m:t>
+                            </m:r>
+                          </m:e>
+                          <m:sub>
+                            <m:r>
+                              <a:rPr lang="en-US" sz="3200" b="0" i="1" smtClean="0">
+                                <a:latin typeface="Cambria Math" panose="02040503050406030204" pitchFamily="18" charset="0"/>
+                                <a:cs typeface="Arial" panose="020B0604020202020204" pitchFamily="34" charset="0"/>
+                              </a:rPr>
+                              <m:t>1</m:t>
+                            </m:r>
+                          </m:sub>
+                        </m:sSub>
+                      </m:e>
+                    </m:d>
+                    <m:r>
+                      <a:rPr lang="en-US" sz="3200" b="0" i="1" smtClean="0">
+                        <a:latin typeface="Cambria Math" panose="02040503050406030204" pitchFamily="18" charset="0"/>
+                        <a:cs typeface="Arial" panose="020B0604020202020204" pitchFamily="34" charset="0"/>
+                      </a:rPr>
+                      <m:t>&gt;</m:t>
+                    </m:r>
+                    <m:r>
+                      <a:rPr lang="en-US" sz="3200" b="0" i="1" smtClean="0">
+                        <a:latin typeface="Cambria Math" panose="02040503050406030204" pitchFamily="18" charset="0"/>
+                        <a:cs typeface="Arial" panose="020B0604020202020204" pitchFamily="34" charset="0"/>
+                      </a:rPr>
+                      <m:t>𝑐𝑡</m:t>
+                    </m:r>
+                    <m:r>
+                      <a:rPr lang="en-US" sz="3200" b="0" i="1" smtClean="0">
+                        <a:latin typeface="Cambria Math" panose="02040503050406030204" pitchFamily="18" charset="0"/>
+                        <a:cs typeface="Arial" panose="020B0604020202020204" pitchFamily="34" charset="0"/>
+                      </a:rPr>
+                      <m:t>??</m:t>
+                    </m:r>
+                  </m:oMath>
+                </a14:m>
+                <a:endParaRPr lang="en-US" sz="3200" dirty="0">
+                  <a:latin typeface="Arial" panose="020B0604020202020204" pitchFamily="34" charset="0"/>
+                  <a:cs typeface="Arial" panose="020B0604020202020204" pitchFamily="34" charset="0"/>
+                </a:endParaRPr>
+              </a:p>
+            </p:txBody>
+          </p:sp>
+        </mc:Choice>
+        <mc:Fallback>
+          <p:sp>
+            <p:nvSpPr>
+              <p:cNvPr id="27" name="TextBox 26">
+                <a:extLst>
+                  <a:ext uri="{FF2B5EF4-FFF2-40B4-BE49-F238E27FC236}">
+                    <a16:creationId xmlns:a16="http://schemas.microsoft.com/office/drawing/2014/main" id="{4E2573A6-DC19-48DF-8249-67E0E49FCB85}"/>
+                  </a:ext>
+                </a:extLst>
+              </p:cNvPr>
+              <p:cNvSpPr txBox="1">
+                <a:spLocks noRot="1" noChangeAspect="1" noMove="1" noResize="1" noEditPoints="1" noAdjustHandles="1" noChangeArrowheads="1" noChangeShapeType="1" noTextEdit="1"/>
+              </p:cNvSpPr>
+              <p:nvPr/>
+            </p:nvSpPr>
+            <p:spPr>
+              <a:xfrm>
+                <a:off x="3847701" y="5674522"/>
+                <a:ext cx="6134052" cy="584775"/>
+              </a:xfrm>
+              <a:prstGeom prst="rect">
+                <a:avLst/>
+              </a:prstGeom>
+              <a:blipFill>
+                <a:blip r:embed="rId5"/>
+                <a:stretch>
+                  <a:fillRect l="-2485" t="-13542" b="-33333"/>
+                </a:stretch>
+              </a:blipFill>
+            </p:spPr>
+            <p:txBody>
+              <a:bodyPr/>
+              <a:lstStyle/>
+              <a:p>
+                <a:r>
+                  <a:rPr lang="en-US">
+                    <a:noFill/>
+                  </a:rPr>
+                  <a:t> </a:t>
+                </a:r>
+              </a:p>
+            </p:txBody>
+          </p:sp>
+        </mc:Fallback>
+      </mc:AlternateContent>
+    </p:spTree>
+    <p:extLst>
+      <p:ext uri="{BB962C8B-B14F-4D97-AF65-F5344CB8AC3E}">
+        <p14:creationId xmlns:p14="http://schemas.microsoft.com/office/powerpoint/2010/main" val="2407502793"/>
+      </p:ext>
+    </p:extLst>
+  </p:cSld>
+  <p:clrMapOvr>
+    <a:masterClrMapping/>
+  </p:clrMapOvr>
+</p:sld>
+</file>
+
+<file path=ppt/slides/slide18.xml><?xml version="1.0" encoding="utf-8"?>
+<p:sld xmlns:a="http://schemas.openxmlformats.org/drawingml/2006/main" xmlns:r="http://schemas.openxmlformats.org/officeDocument/2006/relationships" xmlns:p="http://schemas.openxmlformats.org/presentationml/2006/main">
+  <p:cSld>
+    <p:spTree>
+      <p:nvGrpSpPr>
+        <p:cNvPr id="1" name=""/>
+        <p:cNvGrpSpPr/>
+        <p:nvPr/>
+      </p:nvGrpSpPr>
+      <p:grpSpPr>
+        <a:xfrm>
+          <a:off x="0" y="0"/>
+          <a:ext cx="0" cy="0"/>
+          <a:chOff x="0" y="0"/>
+          <a:chExt cx="0" cy="0"/>
+        </a:xfrm>
+      </p:grpSpPr>
+      <mc:AlternateContent xmlns:mc="http://schemas.openxmlformats.org/markup-compatibility/2006">
+        <mc:Choice xmlns:a14="http://schemas.microsoft.com/office/drawing/2010/main" Requires="a14">
+          <p:sp>
+            <p:nvSpPr>
+              <p:cNvPr id="4" name="TextBox 3">
+                <a:extLst>
+                  <a:ext uri="{FF2B5EF4-FFF2-40B4-BE49-F238E27FC236}">
+                    <a16:creationId xmlns:a16="http://schemas.microsoft.com/office/drawing/2014/main" id="{96C30F2F-DB47-4009-8DE5-EBEBCD793692}"/>
+                  </a:ext>
+                </a:extLst>
+              </p:cNvPr>
+              <p:cNvSpPr txBox="1"/>
+              <p:nvPr/>
+            </p:nvSpPr>
+            <p:spPr>
+              <a:xfrm>
+                <a:off x="731003" y="411480"/>
+                <a:ext cx="3838423" cy="523220"/>
+              </a:xfrm>
+              <a:prstGeom prst="rect">
+                <a:avLst/>
+              </a:prstGeom>
+              <a:noFill/>
+            </p:spPr>
+            <p:txBody>
+              <a:bodyPr wrap="none" rtlCol="0">
+                <a:spAutoFit/>
+              </a:bodyPr>
+              <a:lstStyle/>
+              <a:p>
+                <a14:m>
+                  <m:oMathPara xmlns:m="http://schemas.openxmlformats.org/officeDocument/2006/math">
+                    <m:oMathParaPr>
+                      <m:jc m:val="centerGroup"/>
+                    </m:oMathParaPr>
+                    <m:oMath xmlns:m="http://schemas.openxmlformats.org/officeDocument/2006/math">
+                      <m:r>
+                        <a:rPr lang="en-US" sz="2800" b="0" i="1" smtClean="0">
+                          <a:latin typeface="Cambria Math" panose="02040503050406030204" pitchFamily="18" charset="0"/>
+                        </a:rPr>
+                        <m:t>𝐼𝑚</m:t>
+                      </m:r>
+                      <m:sSub>
+                        <m:sSubPr>
+                          <m:ctrlPr>
+                            <a:rPr lang="en-US" sz="2800" b="0" i="1" smtClean="0">
+                              <a:latin typeface="Cambria Math" panose="02040503050406030204" pitchFamily="18" charset="0"/>
+                            </a:rPr>
+                          </m:ctrlPr>
+                        </m:sSubPr>
+                        <m:e>
+                          <m:r>
+                            <a:rPr lang="en-US" sz="2800" b="0" i="1" smtClean="0">
+                              <a:latin typeface="Cambria Math" panose="02040503050406030204" pitchFamily="18" charset="0"/>
+                            </a:rPr>
+                            <m:t>𝑞</m:t>
+                          </m:r>
+                        </m:e>
+                        <m:sub>
+                          <m:r>
+                            <a:rPr lang="en-US" sz="2800" b="0" i="1" smtClean="0">
+                              <a:latin typeface="Cambria Math" panose="02040503050406030204" pitchFamily="18" charset="0"/>
+                            </a:rPr>
+                            <m:t>2</m:t>
+                          </m:r>
+                        </m:sub>
+                      </m:sSub>
+                      <m:r>
+                        <a:rPr lang="en-US" sz="2800" b="0" i="1" smtClean="0">
+                          <a:latin typeface="Cambria Math" panose="02040503050406030204" pitchFamily="18" charset="0"/>
+                        </a:rPr>
+                        <m:t>&lt;</m:t>
+                      </m:r>
+                      <m:r>
+                        <a:rPr lang="en-US" sz="2800" b="0" i="1" smtClean="0">
+                          <a:latin typeface="Cambria Math" panose="02040503050406030204" pitchFamily="18" charset="0"/>
+                        </a:rPr>
+                        <m:t>𝐼𝑚</m:t>
+                      </m:r>
+                      <m:sSub>
+                        <m:sSubPr>
+                          <m:ctrlPr>
+                            <a:rPr lang="en-US" sz="2800" b="0" i="1" smtClean="0">
+                              <a:latin typeface="Cambria Math" panose="02040503050406030204" pitchFamily="18" charset="0"/>
+                            </a:rPr>
+                          </m:ctrlPr>
+                        </m:sSubPr>
+                        <m:e>
+                          <m:r>
+                            <a:rPr lang="en-US" sz="2800" b="0" i="1" smtClean="0">
+                              <a:latin typeface="Cambria Math" panose="02040503050406030204" pitchFamily="18" charset="0"/>
+                            </a:rPr>
+                            <m:t>𝑞</m:t>
+                          </m:r>
+                        </m:e>
+                        <m:sub>
+                          <m:r>
+                            <a:rPr lang="en-US" sz="2800" b="0" i="1" smtClean="0">
+                              <a:latin typeface="Cambria Math" panose="02040503050406030204" pitchFamily="18" charset="0"/>
+                            </a:rPr>
+                            <m:t>1</m:t>
+                          </m:r>
+                        </m:sub>
+                      </m:sSub>
+                      <m:r>
+                        <a:rPr lang="en-US" sz="2800" b="0" i="1" smtClean="0">
+                          <a:latin typeface="Cambria Math" panose="02040503050406030204" pitchFamily="18" charset="0"/>
+                        </a:rPr>
+                        <m:t> (</m:t>
+                      </m:r>
+                      <m:sSub>
+                        <m:sSubPr>
+                          <m:ctrlPr>
+                            <a:rPr lang="en-US" sz="2800" b="0" i="1" smtClean="0">
+                              <a:latin typeface="Cambria Math" panose="02040503050406030204" pitchFamily="18" charset="0"/>
+                            </a:rPr>
+                          </m:ctrlPr>
+                        </m:sSubPr>
+                        <m:e>
+                          <m:r>
+                            <m:rPr>
+                              <m:sty m:val="p"/>
+                            </m:rPr>
+                            <a:rPr lang="en-US" sz="2800" b="0" i="0" smtClean="0">
+                              <a:latin typeface="Cambria Math" panose="02040503050406030204" pitchFamily="18" charset="0"/>
+                            </a:rPr>
+                            <m:t>Γ</m:t>
+                          </m:r>
+                        </m:e>
+                        <m:sub>
+                          <m:r>
+                            <a:rPr lang="en-US" sz="2800" b="0" i="1" smtClean="0">
+                              <a:latin typeface="Cambria Math" panose="02040503050406030204" pitchFamily="18" charset="0"/>
+                            </a:rPr>
+                            <m:t>𝑎</m:t>
+                          </m:r>
+                        </m:sub>
+                      </m:sSub>
+                      <m:r>
+                        <a:rPr lang="en-US" sz="2800" b="0" i="1" smtClean="0">
+                          <a:latin typeface="Cambria Math" panose="02040503050406030204" pitchFamily="18" charset="0"/>
+                        </a:rPr>
+                        <m:t>&gt;</m:t>
+                      </m:r>
+                      <m:sSub>
+                        <m:sSubPr>
+                          <m:ctrlPr>
+                            <a:rPr lang="en-US" sz="2800" b="0" i="1" smtClean="0">
+                              <a:latin typeface="Cambria Math" panose="02040503050406030204" pitchFamily="18" charset="0"/>
+                            </a:rPr>
+                          </m:ctrlPr>
+                        </m:sSubPr>
+                        <m:e>
+                          <m:r>
+                            <m:rPr>
+                              <m:sty m:val="p"/>
+                            </m:rPr>
+                            <a:rPr lang="en-US" sz="2800" b="0" i="0" smtClean="0">
+                              <a:latin typeface="Cambria Math" panose="02040503050406030204" pitchFamily="18" charset="0"/>
+                            </a:rPr>
+                            <m:t>Γ</m:t>
+                          </m:r>
+                        </m:e>
+                        <m:sub>
+                          <m:r>
+                            <a:rPr lang="en-US" sz="2800" b="0" i="1" smtClean="0">
+                              <a:latin typeface="Cambria Math" panose="02040503050406030204" pitchFamily="18" charset="0"/>
+                            </a:rPr>
+                            <m:t>𝑏</m:t>
+                          </m:r>
+                        </m:sub>
+                      </m:sSub>
+                      <m:r>
+                        <a:rPr lang="en-US" sz="2800" b="0" i="1" smtClean="0">
+                          <a:latin typeface="Cambria Math" panose="02040503050406030204" pitchFamily="18" charset="0"/>
+                        </a:rPr>
+                        <m:t>)</m:t>
+                      </m:r>
+                    </m:oMath>
+                  </m:oMathPara>
+                </a14:m>
+                <a:endParaRPr lang="en-US" sz="2800" dirty="0"/>
+              </a:p>
+            </p:txBody>
+          </p:sp>
+        </mc:Choice>
+        <mc:Fallback>
+          <p:sp>
+            <p:nvSpPr>
+              <p:cNvPr id="4" name="TextBox 3">
+                <a:extLst>
+                  <a:ext uri="{FF2B5EF4-FFF2-40B4-BE49-F238E27FC236}">
+                    <a16:creationId xmlns:a16="http://schemas.microsoft.com/office/drawing/2014/main" id="{96C30F2F-DB47-4009-8DE5-EBEBCD793692}"/>
+                  </a:ext>
+                </a:extLst>
+              </p:cNvPr>
+              <p:cNvSpPr txBox="1">
+                <a:spLocks noRot="1" noChangeAspect="1" noMove="1" noResize="1" noEditPoints="1" noAdjustHandles="1" noChangeArrowheads="1" noChangeShapeType="1" noTextEdit="1"/>
+              </p:cNvSpPr>
+              <p:nvPr/>
+            </p:nvSpPr>
+            <p:spPr>
+              <a:xfrm>
+                <a:off x="731003" y="411480"/>
+                <a:ext cx="3838423" cy="523220"/>
+              </a:xfrm>
+              <a:prstGeom prst="rect">
+                <a:avLst/>
+              </a:prstGeom>
+              <a:blipFill>
+                <a:blip r:embed="rId2"/>
+                <a:stretch>
+                  <a:fillRect/>
+                </a:stretch>
+              </a:blipFill>
+            </p:spPr>
+            <p:txBody>
+              <a:bodyPr/>
+              <a:lstStyle/>
+              <a:p>
+                <a:r>
+                  <a:rPr lang="en-US">
+                    <a:noFill/>
+                  </a:rPr>
+                  <a:t> </a:t>
+                </a:r>
+              </a:p>
+            </p:txBody>
+          </p:sp>
+        </mc:Fallback>
+      </mc:AlternateContent>
+      <p:pic>
+        <p:nvPicPr>
+          <p:cNvPr id="5" name="Picture 4">
+            <a:extLst>
+              <a:ext uri="{FF2B5EF4-FFF2-40B4-BE49-F238E27FC236}">
+                <a16:creationId xmlns:a16="http://schemas.microsoft.com/office/drawing/2014/main" id="{89F877A3-95DB-46F6-B7EB-F39BB62B053B}"/>
+              </a:ext>
+            </a:extLst>
+          </p:cNvPr>
+          <p:cNvPicPr>
+            <a:picLocks noChangeAspect="1"/>
+          </p:cNvPicPr>
+          <p:nvPr/>
+        </p:nvPicPr>
+        <p:blipFill>
+          <a:blip r:embed="rId3"/>
+          <a:stretch>
+            <a:fillRect/>
+          </a:stretch>
+        </p:blipFill>
+        <p:spPr>
+          <a:xfrm>
+            <a:off x="427855" y="2148306"/>
+            <a:ext cx="10490662" cy="2670006"/>
+          </a:xfrm>
+          <a:prstGeom prst="rect">
+            <a:avLst/>
+          </a:prstGeom>
+        </p:spPr>
+      </p:pic>
+      <p:cxnSp>
+        <p:nvCxnSpPr>
+          <p:cNvPr id="6" name="Straight Arrow Connector 5">
+            <a:extLst>
+              <a:ext uri="{FF2B5EF4-FFF2-40B4-BE49-F238E27FC236}">
+                <a16:creationId xmlns:a16="http://schemas.microsoft.com/office/drawing/2014/main" id="{423F76B2-5ED2-422B-B3A7-7F47AD330B9E}"/>
+              </a:ext>
+            </a:extLst>
+          </p:cNvPr>
+          <p:cNvCxnSpPr>
+            <a:cxnSpLocks/>
+          </p:cNvCxnSpPr>
+          <p:nvPr/>
+        </p:nvCxnSpPr>
+        <p:spPr>
+          <a:xfrm flipH="1">
+            <a:off x="6001509" y="1630152"/>
+            <a:ext cx="1055715" cy="722351"/>
+          </a:xfrm>
+          <a:prstGeom prst="straightConnector1">
+            <a:avLst/>
+          </a:prstGeom>
+          <a:ln w="25400">
+            <a:tailEnd type="triangle"/>
+          </a:ln>
+        </p:spPr>
+        <p:style>
+          <a:lnRef idx="1">
+            <a:schemeClr val="accent1"/>
+          </a:lnRef>
+          <a:fillRef idx="0">
+            <a:schemeClr val="accent1"/>
+          </a:fillRef>
+          <a:effectRef idx="0">
+            <a:schemeClr val="accent1"/>
+          </a:effectRef>
+          <a:fontRef idx="minor">
+            <a:schemeClr val="tx1"/>
+          </a:fontRef>
+        </p:style>
+      </p:cxnSp>
+      <p:cxnSp>
+        <p:nvCxnSpPr>
+          <p:cNvPr id="7" name="Straight Arrow Connector 6">
+            <a:extLst>
+              <a:ext uri="{FF2B5EF4-FFF2-40B4-BE49-F238E27FC236}">
+                <a16:creationId xmlns:a16="http://schemas.microsoft.com/office/drawing/2014/main" id="{B88A36AA-7689-4436-857B-4A667573F42D}"/>
+              </a:ext>
+            </a:extLst>
+          </p:cNvPr>
+          <p:cNvCxnSpPr>
+            <a:cxnSpLocks/>
+          </p:cNvCxnSpPr>
+          <p:nvPr/>
+        </p:nvCxnSpPr>
+        <p:spPr>
+          <a:xfrm flipH="1">
+            <a:off x="6412990" y="1630152"/>
+            <a:ext cx="935179" cy="1337492"/>
+          </a:xfrm>
+          <a:prstGeom prst="straightConnector1">
+            <a:avLst/>
+          </a:prstGeom>
+          <a:ln w="25400">
+            <a:tailEnd type="triangle"/>
+          </a:ln>
+        </p:spPr>
+        <p:style>
+          <a:lnRef idx="1">
+            <a:schemeClr val="accent1"/>
+          </a:lnRef>
+          <a:fillRef idx="0">
+            <a:schemeClr val="accent1"/>
+          </a:fillRef>
+          <a:effectRef idx="0">
+            <a:schemeClr val="accent1"/>
+          </a:effectRef>
+          <a:fontRef idx="minor">
+            <a:schemeClr val="tx1"/>
+          </a:fontRef>
+        </p:style>
+      </p:cxnSp>
+      <mc:AlternateContent xmlns:mc="http://schemas.openxmlformats.org/markup-compatibility/2006">
+        <mc:Choice xmlns:a14="http://schemas.microsoft.com/office/drawing/2010/main" Requires="a14">
+          <p:sp>
+            <p:nvSpPr>
+              <p:cNvPr id="8" name="TextBox 7">
+                <a:extLst>
+                  <a:ext uri="{FF2B5EF4-FFF2-40B4-BE49-F238E27FC236}">
+                    <a16:creationId xmlns:a16="http://schemas.microsoft.com/office/drawing/2014/main" id="{AF8ED694-BB90-4343-B340-B94961791D9F}"/>
+                  </a:ext>
+                </a:extLst>
+              </p:cNvPr>
+              <p:cNvSpPr txBox="1"/>
+              <p:nvPr/>
+            </p:nvSpPr>
+            <p:spPr>
+              <a:xfrm>
+                <a:off x="3878239" y="1017243"/>
+                <a:ext cx="8231741" cy="584775"/>
+              </a:xfrm>
+              <a:prstGeom prst="rect">
+                <a:avLst/>
+              </a:prstGeom>
+              <a:noFill/>
+            </p:spPr>
+            <p:txBody>
+              <a:bodyPr wrap="none" rtlCol="0">
+                <a:spAutoFit/>
+              </a:bodyPr>
+              <a:lstStyle/>
+              <a:p>
+                <a14:m>
+                  <m:oMath xmlns:m="http://schemas.openxmlformats.org/officeDocument/2006/math">
+                    <m:d>
+                      <m:dPr>
+                        <m:begChr m:val="|"/>
+                        <m:endChr m:val="|"/>
+                        <m:ctrlPr>
+                          <a:rPr lang="en-US" sz="3200" b="0" i="1" smtClean="0">
+                            <a:latin typeface="Cambria Math" panose="02040503050406030204" pitchFamily="18" charset="0"/>
+                          </a:rPr>
+                        </m:ctrlPr>
+                      </m:dPr>
+                      <m:e>
+                        <m:sSub>
+                          <m:sSubPr>
+                            <m:ctrlPr>
+                              <a:rPr lang="en-US" sz="3200" b="0" i="1" smtClean="0">
+                                <a:latin typeface="Cambria Math" panose="02040503050406030204" pitchFamily="18" charset="0"/>
+                              </a:rPr>
+                            </m:ctrlPr>
+                          </m:sSubPr>
+                          <m:e>
+                            <m:r>
+                              <a:rPr lang="en-US" sz="3200" b="0" i="1" smtClean="0">
+                                <a:latin typeface="Cambria Math" panose="02040503050406030204" pitchFamily="18" charset="0"/>
+                              </a:rPr>
+                              <m:t>𝑥</m:t>
+                            </m:r>
+                          </m:e>
+                          <m:sub>
+                            <m:r>
+                              <a:rPr lang="en-US" sz="3200" b="0" i="1" smtClean="0">
+                                <a:latin typeface="Cambria Math" panose="02040503050406030204" pitchFamily="18" charset="0"/>
+                              </a:rPr>
+                              <m:t>1</m:t>
+                            </m:r>
+                          </m:sub>
+                        </m:sSub>
+                      </m:e>
+                    </m:d>
+                    <m:r>
+                      <a:rPr lang="en-US" sz="3200" b="0" i="1" smtClean="0">
+                        <a:latin typeface="Cambria Math" panose="02040503050406030204" pitchFamily="18" charset="0"/>
+                      </a:rPr>
+                      <m:t>&lt;|</m:t>
+                    </m:r>
+                    <m:sSub>
+                      <m:sSubPr>
+                        <m:ctrlPr>
+                          <a:rPr lang="en-US" sz="3200" b="0" i="1" smtClean="0">
+                            <a:latin typeface="Cambria Math" panose="02040503050406030204" pitchFamily="18" charset="0"/>
+                          </a:rPr>
+                        </m:ctrlPr>
+                      </m:sSubPr>
+                      <m:e>
+                        <m:r>
+                          <a:rPr lang="en-US" sz="3200" b="0" i="1" smtClean="0">
+                            <a:latin typeface="Cambria Math" panose="02040503050406030204" pitchFamily="18" charset="0"/>
+                          </a:rPr>
+                          <m:t>𝑥</m:t>
+                        </m:r>
+                      </m:e>
+                      <m:sub>
+                        <m:r>
+                          <a:rPr lang="en-US" sz="3200" b="0" i="1" smtClean="0">
+                            <a:latin typeface="Cambria Math" panose="02040503050406030204" pitchFamily="18" charset="0"/>
+                          </a:rPr>
+                          <m:t>2</m:t>
+                        </m:r>
+                      </m:sub>
+                    </m:sSub>
+                    <m:r>
+                      <a:rPr lang="en-US" sz="3200" b="0" i="1" smtClean="0">
+                        <a:latin typeface="Cambria Math" panose="02040503050406030204" pitchFamily="18" charset="0"/>
+                      </a:rPr>
+                      <m:t>|</m:t>
+                    </m:r>
+                  </m:oMath>
+                </a14:m>
+                <a:r>
+                  <a:rPr lang="en-US" sz="3200" dirty="0"/>
+                  <a:t>, the second photon travels further??</a:t>
+                </a:r>
+              </a:p>
+            </p:txBody>
+          </p:sp>
+        </mc:Choice>
+        <mc:Fallback>
+          <p:sp>
+            <p:nvSpPr>
+              <p:cNvPr id="8" name="TextBox 7">
+                <a:extLst>
+                  <a:ext uri="{FF2B5EF4-FFF2-40B4-BE49-F238E27FC236}">
+                    <a16:creationId xmlns:a16="http://schemas.microsoft.com/office/drawing/2014/main" id="{AF8ED694-BB90-4343-B340-B94961791D9F}"/>
+                  </a:ext>
+                </a:extLst>
+              </p:cNvPr>
+              <p:cNvSpPr txBox="1">
+                <a:spLocks noRot="1" noChangeAspect="1" noMove="1" noResize="1" noEditPoints="1" noAdjustHandles="1" noChangeArrowheads="1" noChangeShapeType="1" noTextEdit="1"/>
+              </p:cNvSpPr>
+              <p:nvPr/>
+            </p:nvSpPr>
+            <p:spPr>
+              <a:xfrm>
+                <a:off x="3878239" y="1017243"/>
+                <a:ext cx="8231741" cy="584775"/>
+              </a:xfrm>
+              <a:prstGeom prst="rect">
+                <a:avLst/>
+              </a:prstGeom>
+              <a:blipFill>
+                <a:blip r:embed="rId4"/>
+                <a:stretch>
+                  <a:fillRect t="-12500" r="-814" b="-34375"/>
+                </a:stretch>
+              </a:blipFill>
+            </p:spPr>
+            <p:txBody>
+              <a:bodyPr/>
+              <a:lstStyle/>
+              <a:p>
+                <a:r>
+                  <a:rPr lang="en-US">
+                    <a:noFill/>
+                  </a:rPr>
+                  <a:t> </a:t>
+                </a:r>
+              </a:p>
+            </p:txBody>
+          </p:sp>
+        </mc:Fallback>
+      </mc:AlternateContent>
+      <p:cxnSp>
+        <p:nvCxnSpPr>
+          <p:cNvPr id="9" name="Straight Arrow Connector 8">
+            <a:extLst>
+              <a:ext uri="{FF2B5EF4-FFF2-40B4-BE49-F238E27FC236}">
+                <a16:creationId xmlns:a16="http://schemas.microsoft.com/office/drawing/2014/main" id="{38C30956-9BA9-4F77-A401-3EDDFF6FFC7C}"/>
+              </a:ext>
+            </a:extLst>
+          </p:cNvPr>
+          <p:cNvCxnSpPr>
+            <a:cxnSpLocks/>
+          </p:cNvCxnSpPr>
+          <p:nvPr/>
+        </p:nvCxnSpPr>
+        <p:spPr>
+          <a:xfrm flipH="1" flipV="1">
+            <a:off x="5673186" y="4114800"/>
+            <a:ext cx="422814" cy="1113048"/>
+          </a:xfrm>
+          <a:prstGeom prst="straightConnector1">
+            <a:avLst/>
+          </a:prstGeom>
+          <a:ln w="25400">
+            <a:tailEnd type="triangle"/>
+          </a:ln>
+        </p:spPr>
+        <p:style>
+          <a:lnRef idx="1">
+            <a:schemeClr val="accent1"/>
+          </a:lnRef>
+          <a:fillRef idx="0">
+            <a:schemeClr val="accent1"/>
+          </a:fillRef>
+          <a:effectRef idx="0">
+            <a:schemeClr val="accent1"/>
+          </a:effectRef>
+          <a:fontRef idx="minor">
+            <a:schemeClr val="tx1"/>
+          </a:fontRef>
+        </p:style>
+      </p:cxnSp>
+      <p:cxnSp>
+        <p:nvCxnSpPr>
+          <p:cNvPr id="10" name="Straight Arrow Connector 9">
+            <a:extLst>
+              <a:ext uri="{FF2B5EF4-FFF2-40B4-BE49-F238E27FC236}">
+                <a16:creationId xmlns:a16="http://schemas.microsoft.com/office/drawing/2014/main" id="{CE0B0897-121E-4353-85B8-624F6249F3C2}"/>
+              </a:ext>
+            </a:extLst>
+          </p:cNvPr>
+          <p:cNvCxnSpPr>
+            <a:cxnSpLocks/>
+          </p:cNvCxnSpPr>
+          <p:nvPr/>
+        </p:nvCxnSpPr>
+        <p:spPr>
+          <a:xfrm flipV="1">
+            <a:off x="6334298" y="4666330"/>
+            <a:ext cx="265224" cy="561518"/>
+          </a:xfrm>
+          <a:prstGeom prst="straightConnector1">
+            <a:avLst/>
+          </a:prstGeom>
+          <a:ln w="25400">
+            <a:tailEnd type="triangle"/>
+          </a:ln>
+        </p:spPr>
+        <p:style>
+          <a:lnRef idx="1">
+            <a:schemeClr val="accent1"/>
+          </a:lnRef>
+          <a:fillRef idx="0">
+            <a:schemeClr val="accent1"/>
+          </a:fillRef>
+          <a:effectRef idx="0">
+            <a:schemeClr val="accent1"/>
+          </a:effectRef>
+          <a:fontRef idx="minor">
+            <a:schemeClr val="tx1"/>
+          </a:fontRef>
+        </p:style>
+      </p:cxnSp>
+      <mc:AlternateContent xmlns:mc="http://schemas.openxmlformats.org/markup-compatibility/2006">
+        <mc:Choice xmlns:a14="http://schemas.microsoft.com/office/drawing/2010/main" Requires="a14">
+          <p:sp>
+            <p:nvSpPr>
+              <p:cNvPr id="11" name="TextBox 10">
+                <a:extLst>
+                  <a:ext uri="{FF2B5EF4-FFF2-40B4-BE49-F238E27FC236}">
+                    <a16:creationId xmlns:a16="http://schemas.microsoft.com/office/drawing/2014/main" id="{EAF178CA-4D70-4C09-8748-C056D153B481}"/>
+                  </a:ext>
+                </a:extLst>
+              </p:cNvPr>
+              <p:cNvSpPr txBox="1"/>
+              <p:nvPr/>
+            </p:nvSpPr>
+            <p:spPr>
+              <a:xfrm>
+                <a:off x="4770414" y="5433453"/>
+                <a:ext cx="5150321" cy="584775"/>
+              </a:xfrm>
+              <a:prstGeom prst="rect">
+                <a:avLst/>
+              </a:prstGeom>
+              <a:noFill/>
+            </p:spPr>
+            <p:txBody>
+              <a:bodyPr wrap="none" rtlCol="0">
+                <a:spAutoFit/>
+              </a:bodyPr>
+              <a:lstStyle/>
+              <a:p>
+                <a:r>
+                  <a:rPr lang="en-US" sz="3200" dirty="0">
+                    <a:latin typeface="Arial" panose="020B0604020202020204" pitchFamily="34" charset="0"/>
+                    <a:cs typeface="Arial" panose="020B0604020202020204" pitchFamily="34" charset="0"/>
+                  </a:rPr>
+                  <a:t>unentangled part, </a:t>
+                </a:r>
+                <a14:m>
+                  <m:oMath xmlns:m="http://schemas.openxmlformats.org/officeDocument/2006/math">
+                    <m:d>
+                      <m:dPr>
+                        <m:begChr m:val="|"/>
+                        <m:endChr m:val="|"/>
+                        <m:ctrlPr>
+                          <a:rPr lang="en-US" sz="3200" b="0" i="1" smtClean="0">
+                            <a:latin typeface="Cambria Math" panose="02040503050406030204" pitchFamily="18" charset="0"/>
+                            <a:cs typeface="Arial" panose="020B0604020202020204" pitchFamily="34" charset="0"/>
+                          </a:rPr>
+                        </m:ctrlPr>
+                      </m:dPr>
+                      <m:e>
+                        <m:sSub>
+                          <m:sSubPr>
+                            <m:ctrlPr>
+                              <a:rPr lang="en-US" sz="3200" b="0" i="1" smtClean="0">
+                                <a:latin typeface="Cambria Math" panose="02040503050406030204" pitchFamily="18" charset="0"/>
+                                <a:cs typeface="Arial" panose="020B0604020202020204" pitchFamily="34" charset="0"/>
+                              </a:rPr>
+                            </m:ctrlPr>
+                          </m:sSubPr>
+                          <m:e>
+                            <m:r>
+                              <a:rPr lang="en-US" sz="3200" b="0" i="1" smtClean="0">
+                                <a:latin typeface="Cambria Math" panose="02040503050406030204" pitchFamily="18" charset="0"/>
+                                <a:cs typeface="Arial" panose="020B0604020202020204" pitchFamily="34" charset="0"/>
+                              </a:rPr>
+                              <m:t>𝑥</m:t>
+                            </m:r>
+                          </m:e>
+                          <m:sub>
+                            <m:r>
+                              <a:rPr lang="en-US" sz="3200" b="0" i="1" smtClean="0">
+                                <a:latin typeface="Cambria Math" panose="02040503050406030204" pitchFamily="18" charset="0"/>
+                                <a:cs typeface="Arial" panose="020B0604020202020204" pitchFamily="34" charset="0"/>
+                              </a:rPr>
+                              <m:t>1</m:t>
+                            </m:r>
+                          </m:sub>
+                        </m:sSub>
+                      </m:e>
+                    </m:d>
+                    <m:r>
+                      <a:rPr lang="en-US" sz="3200" b="0" i="1" smtClean="0">
+                        <a:latin typeface="Cambria Math" panose="02040503050406030204" pitchFamily="18" charset="0"/>
+                        <a:cs typeface="Arial" panose="020B0604020202020204" pitchFamily="34" charset="0"/>
+                      </a:rPr>
+                      <m:t>&lt;</m:t>
+                    </m:r>
+                    <m:r>
+                      <a:rPr lang="en-US" sz="3200" b="0" i="1" smtClean="0">
+                        <a:latin typeface="Cambria Math" panose="02040503050406030204" pitchFamily="18" charset="0"/>
+                        <a:cs typeface="Arial" panose="020B0604020202020204" pitchFamily="34" charset="0"/>
+                      </a:rPr>
+                      <m:t>𝑐𝑡</m:t>
+                    </m:r>
+                  </m:oMath>
+                </a14:m>
+                <a:endParaRPr lang="en-US" sz="3200" dirty="0">
+                  <a:latin typeface="Arial" panose="020B0604020202020204" pitchFamily="34" charset="0"/>
+                  <a:cs typeface="Arial" panose="020B0604020202020204" pitchFamily="34" charset="0"/>
+                </a:endParaRPr>
+              </a:p>
+            </p:txBody>
+          </p:sp>
+        </mc:Choice>
+        <mc:Fallback>
+          <p:sp>
+            <p:nvSpPr>
+              <p:cNvPr id="11" name="TextBox 10">
+                <a:extLst>
+                  <a:ext uri="{FF2B5EF4-FFF2-40B4-BE49-F238E27FC236}">
+                    <a16:creationId xmlns:a16="http://schemas.microsoft.com/office/drawing/2014/main" id="{EAF178CA-4D70-4C09-8748-C056D153B481}"/>
+                  </a:ext>
+                </a:extLst>
+              </p:cNvPr>
+              <p:cNvSpPr txBox="1">
+                <a:spLocks noRot="1" noChangeAspect="1" noMove="1" noResize="1" noEditPoints="1" noAdjustHandles="1" noChangeArrowheads="1" noChangeShapeType="1" noTextEdit="1"/>
+              </p:cNvSpPr>
+              <p:nvPr/>
+            </p:nvSpPr>
+            <p:spPr>
+              <a:xfrm>
+                <a:off x="4770414" y="5433453"/>
+                <a:ext cx="5150321" cy="584775"/>
+              </a:xfrm>
+              <a:prstGeom prst="rect">
+                <a:avLst/>
+              </a:prstGeom>
+              <a:blipFill>
+                <a:blip r:embed="rId5"/>
+                <a:stretch>
+                  <a:fillRect l="-3081" t="-13542" b="-33333"/>
+                </a:stretch>
+              </a:blipFill>
+            </p:spPr>
+            <p:txBody>
+              <a:bodyPr/>
+              <a:lstStyle/>
+              <a:p>
+                <a:r>
+                  <a:rPr lang="en-US">
+                    <a:noFill/>
+                  </a:rPr>
+                  <a:t> </a:t>
+                </a:r>
+              </a:p>
+            </p:txBody>
+          </p:sp>
+        </mc:Fallback>
+      </mc:AlternateContent>
+    </p:spTree>
+    <p:extLst>
+      <p:ext uri="{BB962C8B-B14F-4D97-AF65-F5344CB8AC3E}">
+        <p14:creationId xmlns:p14="http://schemas.microsoft.com/office/powerpoint/2010/main" val="197721674"/>
+      </p:ext>
+    </p:extLst>
+  </p:cSld>
+  <p:clrMapOvr>
+    <a:masterClrMapping/>
+  </p:clrMapOvr>
+</p:sld>
+</file>
+
 <file path=ppt/slides/slide2.xml><?xml version="1.0" encoding="utf-8"?>
+<p:sld xmlns:a="http://schemas.openxmlformats.org/drawingml/2006/main" xmlns:r="http://schemas.openxmlformats.org/officeDocument/2006/relationships" xmlns:p="http://schemas.openxmlformats.org/presentationml/2006/main">
+  <p:cSld>
+    <p:spTree>
+      <p:nvGrpSpPr>
+        <p:cNvPr id="1" name=""/>
+        <p:cNvGrpSpPr/>
+        <p:nvPr/>
+      </p:nvGrpSpPr>
+      <p:grpSpPr>
+        <a:xfrm>
+          <a:off x="0" y="0"/>
+          <a:ext cx="0" cy="0"/>
+          <a:chOff x="0" y="0"/>
+          <a:chExt cx="0" cy="0"/>
+        </a:xfrm>
+      </p:grpSpPr>
+      <mc:AlternateContent xmlns:mc="http://schemas.openxmlformats.org/markup-compatibility/2006">
+        <mc:Choice xmlns:a14="http://schemas.microsoft.com/office/drawing/2010/main" Requires="a14">
+          <p:sp>
+            <p:nvSpPr>
+              <p:cNvPr id="5" name="TextBox 4">
+                <a:extLst>
+                  <a:ext uri="{FF2B5EF4-FFF2-40B4-BE49-F238E27FC236}">
+                    <a16:creationId xmlns:a16="http://schemas.microsoft.com/office/drawing/2014/main" id="{79277970-A4E1-4ECF-B5B2-4F58CB0EAA76}"/>
+                  </a:ext>
+                </a:extLst>
+              </p:cNvPr>
+              <p:cNvSpPr txBox="1"/>
+              <p:nvPr/>
+            </p:nvSpPr>
+            <p:spPr>
+              <a:xfrm>
+                <a:off x="607819" y="667337"/>
+                <a:ext cx="10312737" cy="5016758"/>
+              </a:xfrm>
+              <a:prstGeom prst="rect">
+                <a:avLst/>
+              </a:prstGeom>
+              <a:noFill/>
+            </p:spPr>
+            <p:txBody>
+              <a:bodyPr wrap="square" rtlCol="0">
+                <a:spAutoFit/>
+              </a:bodyPr>
+              <a:lstStyle/>
+              <a:p>
+                <a:r>
+                  <a:rPr lang="en-US" sz="3200" dirty="0">
+                    <a:latin typeface="Arial" panose="020B0604020202020204" pitchFamily="34" charset="0"/>
+                    <a:cs typeface="Arial" panose="020B0604020202020204" pitchFamily="34" charset="0"/>
+                  </a:rPr>
+                  <a:t>Quantum entanglement: An entangled system is defined to be one whose quantum state cannot be factored as a product of states of its local constituents.</a:t>
+                </a:r>
+              </a:p>
+              <a:p>
+                <a:endParaRPr lang="en-US" sz="3200" dirty="0">
+                  <a:latin typeface="Arial" panose="020B0604020202020204" pitchFamily="34" charset="0"/>
+                  <a:cs typeface="Arial" panose="020B0604020202020204" pitchFamily="34" charset="0"/>
+                </a:endParaRPr>
+              </a:p>
+              <a:p>
+                <a:r>
+                  <a:rPr lang="en-US" sz="3200" dirty="0">
+                    <a:latin typeface="Arial" panose="020B0604020202020204" pitchFamily="34" charset="0"/>
+                    <a:cs typeface="Arial" panose="020B0604020202020204" pitchFamily="34" charset="0"/>
+                  </a:rPr>
+                  <a:t>two qubits </a:t>
+                </a:r>
+                <a:r>
+                  <a:rPr lang="en-US" sz="3200" dirty="0" err="1">
+                    <a:latin typeface="Arial" panose="020B0604020202020204" pitchFamily="34" charset="0"/>
+                    <a:cs typeface="Arial" panose="020B0604020202020204" pitchFamily="34" charset="0"/>
+                  </a:rPr>
+                  <a:t>a,b</a:t>
+                </a:r>
+                <a:r>
+                  <a:rPr lang="en-US" sz="3200" dirty="0">
+                    <a:latin typeface="Arial" panose="020B0604020202020204" pitchFamily="34" charset="0"/>
+                    <a:cs typeface="Arial" panose="020B0604020202020204" pitchFamily="34" charset="0"/>
+                  </a:rPr>
+                  <a:t>: </a:t>
+                </a:r>
+              </a:p>
+              <a:p>
+                <a14:m>
+                  <m:oMath xmlns:m="http://schemas.openxmlformats.org/officeDocument/2006/math">
+                    <m:d>
+                      <m:dPr>
+                        <m:begChr m:val="|"/>
+                        <m:endChr m:val="⟩"/>
+                        <m:ctrlPr>
+                          <a:rPr lang="en-US" sz="3200" b="0" i="1" smtClean="0">
+                            <a:latin typeface="Cambria Math" panose="02040503050406030204" pitchFamily="18" charset="0"/>
+                          </a:rPr>
+                        </m:ctrlPr>
+                      </m:dPr>
+                      <m:e>
+                        <m:sSub>
+                          <m:sSubPr>
+                            <m:ctrlPr>
+                              <a:rPr lang="en-US" sz="3200" b="0" i="1" smtClean="0">
+                                <a:latin typeface="Cambria Math" panose="02040503050406030204" pitchFamily="18" charset="0"/>
+                              </a:rPr>
+                            </m:ctrlPr>
+                          </m:sSubPr>
+                          <m:e>
+                            <m:r>
+                              <a:rPr lang="en-US" sz="3200" b="0" i="1" smtClean="0">
+                                <a:latin typeface="Cambria Math" panose="02040503050406030204" pitchFamily="18" charset="0"/>
+                              </a:rPr>
+                              <m:t>𝜓</m:t>
+                            </m:r>
+                          </m:e>
+                          <m:sub>
+                            <m:r>
+                              <a:rPr lang="en-US" sz="3200" b="0" i="1" smtClean="0">
+                                <a:latin typeface="Cambria Math" panose="02040503050406030204" pitchFamily="18" charset="0"/>
+                              </a:rPr>
+                              <m:t>𝑎</m:t>
+                            </m:r>
+                          </m:sub>
+                        </m:sSub>
+                      </m:e>
+                    </m:d>
+                    <m:r>
+                      <a:rPr lang="en-US" sz="3200" b="0" i="1" smtClean="0">
+                        <a:latin typeface="Cambria Math" panose="02040503050406030204" pitchFamily="18" charset="0"/>
+                      </a:rPr>
+                      <m:t>|</m:t>
+                    </m:r>
+                    <m:sSub>
+                      <m:sSubPr>
+                        <m:ctrlPr>
+                          <a:rPr lang="en-US" sz="3200" b="0" i="1" smtClean="0">
+                            <a:latin typeface="Cambria Math" panose="02040503050406030204" pitchFamily="18" charset="0"/>
+                          </a:rPr>
+                        </m:ctrlPr>
+                      </m:sSubPr>
+                      <m:e>
+                        <m:r>
+                          <a:rPr lang="en-US" sz="3200" b="0" i="1" smtClean="0">
+                            <a:latin typeface="Cambria Math" panose="02040503050406030204" pitchFamily="18" charset="0"/>
+                          </a:rPr>
+                          <m:t>𝜓</m:t>
+                        </m:r>
+                      </m:e>
+                      <m:sub>
+                        <m:r>
+                          <a:rPr lang="en-US" sz="3200" b="0" i="1" smtClean="0">
+                            <a:latin typeface="Cambria Math" panose="02040503050406030204" pitchFamily="18" charset="0"/>
+                          </a:rPr>
+                          <m:t>𝑏</m:t>
+                        </m:r>
+                      </m:sub>
+                    </m:sSub>
+                    <m:r>
+                      <a:rPr lang="en-US" sz="3200" b="0" i="1" smtClean="0">
+                        <a:latin typeface="Cambria Math" panose="02040503050406030204" pitchFamily="18" charset="0"/>
+                      </a:rPr>
+                      <m:t>⟩</m:t>
+                    </m:r>
+                  </m:oMath>
+                </a14:m>
+                <a:r>
+                  <a:rPr lang="en-US" sz="3200" dirty="0">
+                    <a:latin typeface="Arial" panose="020B0604020202020204" pitchFamily="34" charset="0"/>
+                    <a:cs typeface="Arial" panose="020B0604020202020204" pitchFamily="34" charset="0"/>
+                  </a:rPr>
+                  <a:t>: not entangled</a:t>
+                </a:r>
+              </a:p>
+              <a:p>
+                <a14:m>
+                  <m:oMath xmlns:m="http://schemas.openxmlformats.org/officeDocument/2006/math">
+                    <m:d>
+                      <m:dPr>
+                        <m:begChr m:val="|"/>
+                        <m:endChr m:val="⟩"/>
+                        <m:ctrlPr>
+                          <a:rPr lang="en-US" sz="3200" b="0" i="1" smtClean="0">
+                            <a:latin typeface="Cambria Math" panose="02040503050406030204" pitchFamily="18" charset="0"/>
+                          </a:rPr>
+                        </m:ctrlPr>
+                      </m:dPr>
+                      <m:e>
+                        <m:sSub>
+                          <m:sSubPr>
+                            <m:ctrlPr>
+                              <a:rPr lang="en-US" sz="3200" b="0" i="1" smtClean="0">
+                                <a:latin typeface="Cambria Math" panose="02040503050406030204" pitchFamily="18" charset="0"/>
+                              </a:rPr>
+                            </m:ctrlPr>
+                          </m:sSubPr>
+                          <m:e>
+                            <m:r>
+                              <a:rPr lang="en-US" sz="3200" b="0" i="1" smtClean="0">
+                                <a:latin typeface="Cambria Math" panose="02040503050406030204" pitchFamily="18" charset="0"/>
+                              </a:rPr>
+                              <m:t>0</m:t>
+                            </m:r>
+                          </m:e>
+                          <m:sub>
+                            <m:r>
+                              <a:rPr lang="en-US" sz="3200" b="0" i="1" smtClean="0">
+                                <a:latin typeface="Cambria Math" panose="02040503050406030204" pitchFamily="18" charset="0"/>
+                              </a:rPr>
+                              <m:t>𝑎</m:t>
+                            </m:r>
+                          </m:sub>
+                        </m:sSub>
+                      </m:e>
+                    </m:d>
+                    <m:d>
+                      <m:dPr>
+                        <m:begChr m:val="|"/>
+                        <m:endChr m:val="⟩"/>
+                        <m:ctrlPr>
+                          <a:rPr lang="en-US" sz="3200" b="0" i="1" smtClean="0">
+                            <a:latin typeface="Cambria Math" panose="02040503050406030204" pitchFamily="18" charset="0"/>
+                          </a:rPr>
+                        </m:ctrlPr>
+                      </m:dPr>
+                      <m:e>
+                        <m:sSub>
+                          <m:sSubPr>
+                            <m:ctrlPr>
+                              <a:rPr lang="en-US" sz="3200" b="0" i="1" smtClean="0">
+                                <a:latin typeface="Cambria Math" panose="02040503050406030204" pitchFamily="18" charset="0"/>
+                              </a:rPr>
+                            </m:ctrlPr>
+                          </m:sSubPr>
+                          <m:e>
+                            <m:r>
+                              <a:rPr lang="en-US" sz="3200" b="0" i="1" smtClean="0">
+                                <a:latin typeface="Cambria Math" panose="02040503050406030204" pitchFamily="18" charset="0"/>
+                              </a:rPr>
+                              <m:t>0</m:t>
+                            </m:r>
+                          </m:e>
+                          <m:sub>
+                            <m:r>
+                              <a:rPr lang="en-US" sz="3200" b="0" i="1" smtClean="0">
+                                <a:latin typeface="Cambria Math" panose="02040503050406030204" pitchFamily="18" charset="0"/>
+                              </a:rPr>
+                              <m:t>𝑏</m:t>
+                            </m:r>
+                          </m:sub>
+                        </m:sSub>
+                      </m:e>
+                    </m:d>
+                    <m:r>
+                      <a:rPr lang="en-US" sz="3200" b="0" i="1" smtClean="0">
+                        <a:latin typeface="Cambria Math" panose="02040503050406030204" pitchFamily="18" charset="0"/>
+                      </a:rPr>
+                      <m:t>+|</m:t>
+                    </m:r>
+                    <m:sSub>
+                      <m:sSubPr>
+                        <m:ctrlPr>
+                          <a:rPr lang="en-US" sz="3200" b="0" i="1" smtClean="0">
+                            <a:latin typeface="Cambria Math" panose="02040503050406030204" pitchFamily="18" charset="0"/>
+                          </a:rPr>
+                        </m:ctrlPr>
+                      </m:sSubPr>
+                      <m:e>
+                        <m:r>
+                          <a:rPr lang="en-US" sz="3200" b="0" i="1" smtClean="0">
+                            <a:latin typeface="Cambria Math" panose="02040503050406030204" pitchFamily="18" charset="0"/>
+                          </a:rPr>
+                          <m:t>1</m:t>
+                        </m:r>
+                      </m:e>
+                      <m:sub>
+                        <m:r>
+                          <a:rPr lang="en-US" sz="3200" b="0" i="1" smtClean="0">
+                            <a:latin typeface="Cambria Math" panose="02040503050406030204" pitchFamily="18" charset="0"/>
+                          </a:rPr>
+                          <m:t>𝑎</m:t>
+                        </m:r>
+                      </m:sub>
+                    </m:sSub>
+                    <m:r>
+                      <a:rPr lang="en-US" sz="3200" b="0" i="1" smtClean="0">
+                        <a:latin typeface="Cambria Math" panose="02040503050406030204" pitchFamily="18" charset="0"/>
+                      </a:rPr>
+                      <m:t>⟩|</m:t>
+                    </m:r>
+                    <m:sSub>
+                      <m:sSubPr>
+                        <m:ctrlPr>
+                          <a:rPr lang="en-US" sz="3200" b="0" i="1" smtClean="0">
+                            <a:latin typeface="Cambria Math" panose="02040503050406030204" pitchFamily="18" charset="0"/>
+                          </a:rPr>
+                        </m:ctrlPr>
+                      </m:sSubPr>
+                      <m:e>
+                        <m:r>
+                          <a:rPr lang="en-US" sz="3200" b="0" i="1" smtClean="0">
+                            <a:latin typeface="Cambria Math" panose="02040503050406030204" pitchFamily="18" charset="0"/>
+                          </a:rPr>
+                          <m:t>1</m:t>
+                        </m:r>
+                      </m:e>
+                      <m:sub>
+                        <m:r>
+                          <a:rPr lang="en-US" sz="3200" b="0" i="1" smtClean="0">
+                            <a:latin typeface="Cambria Math" panose="02040503050406030204" pitchFamily="18" charset="0"/>
+                          </a:rPr>
+                          <m:t>𝑏</m:t>
+                        </m:r>
+                      </m:sub>
+                    </m:sSub>
+                    <m:r>
+                      <a:rPr lang="en-US" sz="3200" b="0" i="1" smtClean="0">
+                        <a:latin typeface="Cambria Math" panose="02040503050406030204" pitchFamily="18" charset="0"/>
+                      </a:rPr>
+                      <m:t>⟩</m:t>
+                    </m:r>
+                  </m:oMath>
+                </a14:m>
+                <a:r>
+                  <a:rPr lang="en-US" sz="3200" dirty="0">
+                    <a:latin typeface="Arial" panose="020B0604020202020204" pitchFamily="34" charset="0"/>
+                    <a:cs typeface="Arial" panose="020B0604020202020204" pitchFamily="34" charset="0"/>
+                  </a:rPr>
+                  <a:t>: maximum entangled</a:t>
+                </a:r>
+              </a:p>
+              <a:p>
+                <a:r>
+                  <a:rPr lang="en-US" sz="3200" dirty="0">
+                    <a:latin typeface="Arial" panose="020B0604020202020204" pitchFamily="34" charset="0"/>
+                    <a:cs typeface="Arial" panose="020B0604020202020204" pitchFamily="34" charset="0"/>
+                  </a:rPr>
+                  <a:t> </a:t>
+                </a:r>
+              </a:p>
+              <a:p>
+                <a:r>
+                  <a:rPr lang="en-US" sz="3200" dirty="0">
+                    <a:latin typeface="Arial" panose="020B0604020202020204" pitchFamily="34" charset="0"/>
+                    <a:cs typeface="Arial" panose="020B0604020202020204" pitchFamily="34" charset="0"/>
+                  </a:rPr>
+                  <a:t>somewhere between them can be described by the concurrence: </a:t>
+                </a:r>
+                <a14:m>
+                  <m:oMath xmlns:m="http://schemas.openxmlformats.org/officeDocument/2006/math">
+                    <m:r>
+                      <a:rPr lang="en-US" sz="3200" b="0" i="1" smtClean="0">
+                        <a:latin typeface="Cambria Math" panose="02040503050406030204" pitchFamily="18" charset="0"/>
+                      </a:rPr>
+                      <m:t>𝐶</m:t>
+                    </m:r>
+                    <m:d>
+                      <m:dPr>
+                        <m:ctrlPr>
+                          <a:rPr lang="en-US" sz="3200" b="0" i="1" smtClean="0">
+                            <a:latin typeface="Cambria Math" panose="02040503050406030204" pitchFamily="18" charset="0"/>
+                          </a:rPr>
+                        </m:ctrlPr>
+                      </m:dPr>
+                      <m:e>
+                        <m:r>
+                          <a:rPr lang="en-US" sz="3200" b="0" i="1" smtClean="0">
+                            <a:latin typeface="Cambria Math" panose="02040503050406030204" pitchFamily="18" charset="0"/>
+                          </a:rPr>
+                          <m:t>𝜌</m:t>
+                        </m:r>
+                      </m:e>
+                    </m:d>
+                  </m:oMath>
+                </a14:m>
+                <a:endParaRPr lang="en-US" sz="3200" dirty="0">
+                  <a:latin typeface="Arial" panose="020B0604020202020204" pitchFamily="34" charset="0"/>
+                  <a:cs typeface="Arial" panose="020B0604020202020204" pitchFamily="34" charset="0"/>
+                </a:endParaRPr>
+              </a:p>
+            </p:txBody>
+          </p:sp>
+        </mc:Choice>
+        <mc:Fallback>
+          <p:sp>
+            <p:nvSpPr>
+              <p:cNvPr id="5" name="TextBox 4">
+                <a:extLst>
+                  <a:ext uri="{FF2B5EF4-FFF2-40B4-BE49-F238E27FC236}">
+                    <a16:creationId xmlns:a16="http://schemas.microsoft.com/office/drawing/2014/main" id="{79277970-A4E1-4ECF-B5B2-4F58CB0EAA76}"/>
+                  </a:ext>
+                </a:extLst>
+              </p:cNvPr>
+              <p:cNvSpPr txBox="1">
+                <a:spLocks noRot="1" noChangeAspect="1" noMove="1" noResize="1" noEditPoints="1" noAdjustHandles="1" noChangeArrowheads="1" noChangeShapeType="1" noTextEdit="1"/>
+              </p:cNvSpPr>
+              <p:nvPr/>
+            </p:nvSpPr>
+            <p:spPr>
+              <a:xfrm>
+                <a:off x="607819" y="667337"/>
+                <a:ext cx="10312737" cy="5016758"/>
+              </a:xfrm>
+              <a:prstGeom prst="rect">
+                <a:avLst/>
+              </a:prstGeom>
+              <a:blipFill>
+                <a:blip r:embed="rId2"/>
+                <a:stretch>
+                  <a:fillRect l="-1538" t="-1580" r="-2129" b="-3038"/>
+                </a:stretch>
+              </a:blipFill>
+            </p:spPr>
+            <p:txBody>
+              <a:bodyPr/>
+              <a:lstStyle/>
+              <a:p>
+                <a:r>
+                  <a:rPr lang="en-US">
+                    <a:noFill/>
+                  </a:rPr>
+                  <a:t> </a:t>
+                </a:r>
+              </a:p>
+            </p:txBody>
+          </p:sp>
+        </mc:Fallback>
+      </mc:AlternateContent>
+    </p:spTree>
+    <p:extLst>
+      <p:ext uri="{BB962C8B-B14F-4D97-AF65-F5344CB8AC3E}">
+        <p14:creationId xmlns:p14="http://schemas.microsoft.com/office/powerpoint/2010/main" val="457518840"/>
+      </p:ext>
+    </p:extLst>
+  </p:cSld>
+  <p:clrMapOvr>
+    <a:masterClrMapping/>
+  </p:clrMapOvr>
+</p:sld>
+</file>
+
+<file path=ppt/slides/slide3.xml><?xml version="1.0" encoding="utf-8"?>
+<p:sld xmlns:a="http://schemas.openxmlformats.org/drawingml/2006/main" xmlns:r="http://schemas.openxmlformats.org/officeDocument/2006/relationships" xmlns:p="http://schemas.openxmlformats.org/presentationml/2006/main">
+  <p:cSld>
+    <p:spTree>
+      <p:nvGrpSpPr>
+        <p:cNvPr id="1" name=""/>
+        <p:cNvGrpSpPr/>
+        <p:nvPr/>
+      </p:nvGrpSpPr>
+      <p:grpSpPr>
+        <a:xfrm>
+          <a:off x="0" y="0"/>
+          <a:ext cx="0" cy="0"/>
+          <a:chOff x="0" y="0"/>
+          <a:chExt cx="0" cy="0"/>
+        </a:xfrm>
+      </p:grpSpPr>
+      <p:sp>
+        <p:nvSpPr>
+          <p:cNvPr id="3" name="Content Placeholder 2">
+            <a:extLst>
+              <a:ext uri="{FF2B5EF4-FFF2-40B4-BE49-F238E27FC236}">
+                <a16:creationId xmlns:a16="http://schemas.microsoft.com/office/drawing/2014/main" id="{05A9C606-43E0-434D-A528-CF99613E7088}"/>
+              </a:ext>
+            </a:extLst>
+          </p:cNvPr>
+          <p:cNvSpPr>
+            <a:spLocks noGrp="1"/>
+          </p:cNvSpPr>
+          <p:nvPr>
+            <p:ph idx="1"/>
+          </p:nvPr>
+        </p:nvSpPr>
+        <p:spPr>
+          <a:xfrm>
+            <a:off x="741310" y="475220"/>
+            <a:ext cx="10515600" cy="4351338"/>
+          </a:xfrm>
+        </p:spPr>
+        <p:txBody>
+          <a:bodyPr>
+            <a:normAutofit/>
+          </a:bodyPr>
+          <a:lstStyle/>
+          <a:p>
+            <a:pPr marL="0" indent="0">
+              <a:buNone/>
+            </a:pPr>
+            <a:r>
+              <a:rPr lang="en-US" sz="3600" dirty="0">
+                <a:latin typeface="Arial" panose="020B0604020202020204" pitchFamily="34" charset="0"/>
+                <a:cs typeface="Arial" panose="020B0604020202020204" pitchFamily="34" charset="0"/>
+              </a:rPr>
+              <a:t>What about two photons?</a:t>
+            </a:r>
+          </a:p>
+          <a:p>
+            <a:pPr lvl="1"/>
+            <a:r>
+              <a:rPr lang="en-US" sz="3200" dirty="0">
+                <a:latin typeface="Arial" panose="020B0604020202020204" pitchFamily="34" charset="0"/>
+                <a:cs typeface="Arial" panose="020B0604020202020204" pitchFamily="34" charset="0"/>
+              </a:rPr>
+              <a:t>difficulty: infinite number of modes!</a:t>
+            </a:r>
+          </a:p>
+          <a:p>
+            <a:pPr marL="0" indent="0">
+              <a:buNone/>
+            </a:pPr>
+            <a:endParaRPr lang="en-US" sz="3600" dirty="0">
+              <a:latin typeface="Arial" panose="020B0604020202020204" pitchFamily="34" charset="0"/>
+              <a:cs typeface="Arial" panose="020B0604020202020204" pitchFamily="34" charset="0"/>
+            </a:endParaRPr>
+          </a:p>
+          <a:p>
+            <a:pPr marL="0" indent="0">
+              <a:buNone/>
+            </a:pPr>
+            <a:r>
+              <a:rPr lang="en-US" sz="3600" dirty="0" err="1">
+                <a:latin typeface="Arial" panose="020B0604020202020204" pitchFamily="34" charset="0"/>
+                <a:cs typeface="Arial" panose="020B0604020202020204" pitchFamily="34" charset="0"/>
+              </a:rPr>
+              <a:t>eg</a:t>
+            </a:r>
+            <a:r>
+              <a:rPr lang="en-US" sz="3600" dirty="0">
+                <a:latin typeface="Arial" panose="020B0604020202020204" pitchFamily="34" charset="0"/>
+                <a:cs typeface="Arial" panose="020B0604020202020204" pitchFamily="34" charset="0"/>
+              </a:rPr>
+              <a:t>: wave packet from two-photon cascade:</a:t>
+            </a:r>
+          </a:p>
+        </p:txBody>
+      </p:sp>
+      <p:pic>
+        <p:nvPicPr>
+          <p:cNvPr id="4" name="Picture 3">
+            <a:extLst>
+              <a:ext uri="{FF2B5EF4-FFF2-40B4-BE49-F238E27FC236}">
+                <a16:creationId xmlns:a16="http://schemas.microsoft.com/office/drawing/2014/main" id="{0BBBD3EA-0B7E-40D5-94D0-03407B70417B}"/>
+              </a:ext>
+            </a:extLst>
+          </p:cNvPr>
+          <p:cNvPicPr>
+            <a:picLocks noChangeAspect="1"/>
+          </p:cNvPicPr>
+          <p:nvPr/>
+        </p:nvPicPr>
+        <p:blipFill>
+          <a:blip r:embed="rId2"/>
+          <a:stretch>
+            <a:fillRect/>
+          </a:stretch>
+        </p:blipFill>
+        <p:spPr>
+          <a:xfrm>
+            <a:off x="1046654" y="3429000"/>
+            <a:ext cx="2914580" cy="2752283"/>
+          </a:xfrm>
+          <a:prstGeom prst="rect">
+            <a:avLst/>
+          </a:prstGeom>
+        </p:spPr>
+      </p:pic>
+      <p:pic>
+        <p:nvPicPr>
+          <p:cNvPr id="6" name="Picture 5">
+            <a:extLst>
+              <a:ext uri="{FF2B5EF4-FFF2-40B4-BE49-F238E27FC236}">
+                <a16:creationId xmlns:a16="http://schemas.microsoft.com/office/drawing/2014/main" id="{53AA38A7-0A94-43C6-BDED-A6A432B3AEBB}"/>
+              </a:ext>
+            </a:extLst>
+          </p:cNvPr>
+          <p:cNvPicPr>
+            <a:picLocks noChangeAspect="1"/>
+          </p:cNvPicPr>
+          <p:nvPr/>
+        </p:nvPicPr>
+        <p:blipFill>
+          <a:blip r:embed="rId3"/>
+          <a:stretch>
+            <a:fillRect/>
+          </a:stretch>
+        </p:blipFill>
+        <p:spPr>
+          <a:xfrm>
+            <a:off x="4266578" y="3531193"/>
+            <a:ext cx="6040597" cy="734347"/>
+          </a:xfrm>
+          <a:prstGeom prst="rect">
+            <a:avLst/>
+          </a:prstGeom>
+        </p:spPr>
+      </p:pic>
+      <p:sp>
+        <p:nvSpPr>
+          <p:cNvPr id="7" name="TextBox 6">
+            <a:extLst>
+              <a:ext uri="{FF2B5EF4-FFF2-40B4-BE49-F238E27FC236}">
+                <a16:creationId xmlns:a16="http://schemas.microsoft.com/office/drawing/2014/main" id="{EC3798D0-D20B-4B9A-B280-8FF873BCDDE7}"/>
+              </a:ext>
+            </a:extLst>
+          </p:cNvPr>
+          <p:cNvSpPr txBox="1"/>
+          <p:nvPr/>
+        </p:nvSpPr>
+        <p:spPr>
+          <a:xfrm>
+            <a:off x="4449674" y="5009322"/>
+            <a:ext cx="6309741" cy="584775"/>
+          </a:xfrm>
+          <a:prstGeom prst="rect">
+            <a:avLst/>
+          </a:prstGeom>
+          <a:noFill/>
+        </p:spPr>
+        <p:txBody>
+          <a:bodyPr wrap="none" rtlCol="0">
+            <a:spAutoFit/>
+          </a:bodyPr>
+          <a:lstStyle/>
+          <a:p>
+            <a:r>
+              <a:rPr lang="en-US" sz="3200" dirty="0">
+                <a:latin typeface="Arial" panose="020B0604020202020204" pitchFamily="34" charset="0"/>
+                <a:cs typeface="Arial" panose="020B0604020202020204" pitchFamily="34" charset="0"/>
+              </a:rPr>
+              <a:t>idea: convert it into the real space</a:t>
+            </a:r>
+          </a:p>
+        </p:txBody>
+      </p:sp>
+    </p:spTree>
+    <p:extLst>
+      <p:ext uri="{BB962C8B-B14F-4D97-AF65-F5344CB8AC3E}">
+        <p14:creationId xmlns:p14="http://schemas.microsoft.com/office/powerpoint/2010/main" val="2723398017"/>
+      </p:ext>
+    </p:extLst>
+  </p:cSld>
+  <p:clrMapOvr>
+    <a:masterClrMapping/>
+  </p:clrMapOvr>
+</p:sld>
+</file>
+
+<file path=ppt/slides/slide4.xml><?xml version="1.0" encoding="utf-8"?>
 <p:sld xmlns:a="http://schemas.openxmlformats.org/drawingml/2006/main" xmlns:r="http://schemas.openxmlformats.org/officeDocument/2006/relationships" xmlns:p="http://schemas.openxmlformats.org/presentationml/2006/main">
   <p:cSld>
     <p:spTree>
@@ -6005,7 +14039,7 @@
 </p:sld>
 </file>
 
-<file path=ppt/slides/slide3.xml><?xml version="1.0" encoding="utf-8"?>
+<file path=ppt/slides/slide5.xml><?xml version="1.0" encoding="utf-8"?>
 <p:sld xmlns:a="http://schemas.openxmlformats.org/drawingml/2006/main" xmlns:r="http://schemas.openxmlformats.org/officeDocument/2006/relationships" xmlns:p="http://schemas.openxmlformats.org/presentationml/2006/main">
   <p:cSld>
     <p:spTree>
@@ -6322,7 +14356,7 @@
 </p:sld>
 </file>
 
-<file path=ppt/slides/slide4.xml><?xml version="1.0" encoding="utf-8"?>
+<file path=ppt/slides/slide6.xml><?xml version="1.0" encoding="utf-8"?>
 <p:sld xmlns:a="http://schemas.openxmlformats.org/drawingml/2006/main" xmlns:r="http://schemas.openxmlformats.org/officeDocument/2006/relationships" xmlns:p="http://schemas.openxmlformats.org/presentationml/2006/main">
   <p:cSld>
     <p:spTree>
@@ -7054,8 +15088,8 @@
             </a:p>
           </p:txBody>
         </p:sp>
-        <mc:AlternateContent xmlns:mc="http://schemas.openxmlformats.org/markup-compatibility/2006">
-          <mc:Choice xmlns:a14="http://schemas.microsoft.com/office/drawing/2010/main" Requires="a14">
+        <mc:AlternateContent xmlns:mc="http://schemas.openxmlformats.org/markup-compatibility/2006" xmlns:a14="http://schemas.microsoft.com/office/drawing/2010/main">
+          <mc:Choice Requires="a14">
             <p:sp>
               <p:nvSpPr>
                 <p:cNvPr id="51" name="TextBox 50">
@@ -7084,6 +15118,7 @@
                 </a:bodyPr>
                 <a:lstStyle/>
                 <a:p>
+                  <a:pPr/>
                   <a14:m>
                     <m:oMathPara xmlns:m="http://schemas.openxmlformats.org/officeDocument/2006/math">
                       <m:oMathParaPr>
@@ -7115,7 +15150,7 @@
               </p:txBody>
             </p:sp>
           </mc:Choice>
-          <mc:Fallback>
+          <mc:Fallback xmlns="">
             <p:sp>
               <p:nvSpPr>
                 <p:cNvPr id="51" name="TextBox 50">
@@ -7161,8 +15196,8 @@
           </mc:Fallback>
         </mc:AlternateContent>
       </p:grpSp>
-      <mc:AlternateContent xmlns:mc="http://schemas.openxmlformats.org/markup-compatibility/2006">
-        <mc:Choice xmlns:a14="http://schemas.microsoft.com/office/drawing/2010/main" Requires="a14">
+      <mc:AlternateContent xmlns:mc="http://schemas.openxmlformats.org/markup-compatibility/2006" xmlns:a14="http://schemas.microsoft.com/office/drawing/2010/main">
+        <mc:Choice Requires="a14">
           <p:sp>
             <p:nvSpPr>
               <p:cNvPr id="52" name="TextBox 51">
@@ -7191,6 +15226,7 @@
               </a:bodyPr>
               <a:lstStyle/>
               <a:p>
+                <a:pPr/>
                 <a14:m>
                   <m:oMathPara xmlns:m="http://schemas.openxmlformats.org/officeDocument/2006/math">
                     <m:oMathParaPr>
@@ -7282,7 +15318,7 @@
             </p:txBody>
           </p:sp>
         </mc:Choice>
-        <mc:Fallback>
+        <mc:Fallback xmlns="">
           <p:sp>
             <p:nvSpPr>
               <p:cNvPr id="52" name="TextBox 51">
@@ -7327,8 +15363,8 @@
           </p:sp>
         </mc:Fallback>
       </mc:AlternateContent>
-      <mc:AlternateContent xmlns:mc="http://schemas.openxmlformats.org/markup-compatibility/2006">
-        <mc:Choice xmlns:a14="http://schemas.microsoft.com/office/drawing/2010/main" Requires="a14">
+      <mc:AlternateContent xmlns:mc="http://schemas.openxmlformats.org/markup-compatibility/2006" xmlns:a14="http://schemas.microsoft.com/office/drawing/2010/main">
+        <mc:Choice Requires="a14">
           <p:sp>
             <p:nvSpPr>
               <p:cNvPr id="54" name="TextBox 53">
@@ -7388,7 +15424,7 @@
             </p:txBody>
           </p:sp>
         </mc:Choice>
-        <mc:Fallback>
+        <mc:Fallback xmlns="">
           <p:sp>
             <p:nvSpPr>
               <p:cNvPr id="54" name="TextBox 53">
@@ -7446,7 +15482,7 @@
 </p:sld>
 </file>
 
-<file path=ppt/slides/slide5.xml><?xml version="1.0" encoding="utf-8"?>
+<file path=ppt/slides/slide7.xml><?xml version="1.0" encoding="utf-8"?>
 <p:sld xmlns:a="http://schemas.openxmlformats.org/drawingml/2006/main" xmlns:r="http://schemas.openxmlformats.org/officeDocument/2006/relationships" xmlns:p="http://schemas.openxmlformats.org/presentationml/2006/main">
   <p:cSld>
     <p:spTree>
@@ -7495,8 +15531,8 @@
           </a:p>
         </p:txBody>
       </p:sp>
-      <mc:AlternateContent xmlns:mc="http://schemas.openxmlformats.org/markup-compatibility/2006">
-        <mc:Choice xmlns:a14="http://schemas.microsoft.com/office/drawing/2010/main" Requires="a14">
+      <mc:AlternateContent xmlns:mc="http://schemas.openxmlformats.org/markup-compatibility/2006" xmlns:a14="http://schemas.microsoft.com/office/drawing/2010/main">
+        <mc:Choice Requires="a14">
           <p:sp>
             <p:nvSpPr>
               <p:cNvPr id="4" name="TextBox 3">
@@ -7621,7 +15657,6 @@
                 <a:endParaRPr lang="en-US" sz="3200" b="0" dirty="0"/>
               </a:p>
               <a:p>
-                <a:pPr/>
                 <a:endParaRPr lang="en-US" sz="3200" i="1" dirty="0">
                   <a:latin typeface="Cambria Math" panose="02040503050406030204" pitchFamily="18" charset="0"/>
                   <a:ea typeface="Cambria Math" panose="02040503050406030204" pitchFamily="18" charset="0"/>
@@ -7704,7 +15739,7 @@
             </p:txBody>
           </p:sp>
         </mc:Choice>
-        <mc:Fallback>
+        <mc:Fallback xmlns="">
           <p:sp>
             <p:nvSpPr>
               <p:cNvPr id="4" name="TextBox 3">
@@ -7857,8 +15892,8 @@
             </a:fontRef>
           </p:style>
         </p:cxnSp>
-        <mc:AlternateContent xmlns:mc="http://schemas.openxmlformats.org/markup-compatibility/2006">
-          <mc:Choice xmlns:a14="http://schemas.microsoft.com/office/drawing/2010/main" Requires="a14">
+        <mc:AlternateContent xmlns:mc="http://schemas.openxmlformats.org/markup-compatibility/2006" xmlns:a14="http://schemas.microsoft.com/office/drawing/2010/main">
+          <mc:Choice Requires="a14">
             <p:sp>
               <p:nvSpPr>
                 <p:cNvPr id="8" name="TextBox 7">
@@ -7977,7 +16012,7 @@
               </p:txBody>
             </p:sp>
           </mc:Choice>
-          <mc:Fallback>
+          <mc:Fallback xmlns="">
             <p:sp>
               <p:nvSpPr>
                 <p:cNvPr id="8" name="TextBox 7">
@@ -8212,7 +16247,7 @@
 </p:sld>
 </file>
 
-<file path=ppt/slides/slide6.xml><?xml version="1.0" encoding="utf-8"?>
+<file path=ppt/slides/slide8.xml><?xml version="1.0" encoding="utf-8"?>
 <p:sld xmlns:a="http://schemas.openxmlformats.org/drawingml/2006/main" xmlns:r="http://schemas.openxmlformats.org/officeDocument/2006/relationships" xmlns:p="http://schemas.openxmlformats.org/presentationml/2006/main">
   <p:cSld>
     <p:spTree>
@@ -8266,38 +16301,8 @@
           </a:p>
         </p:txBody>
       </p:sp>
-      <p:pic>
-        <p:nvPicPr>
-          <p:cNvPr id="4" name="Picture 3">
-            <a:extLst>
-              <a:ext uri="{FF2B5EF4-FFF2-40B4-BE49-F238E27FC236}">
-                <a16:creationId xmlns:a16="http://schemas.microsoft.com/office/drawing/2014/main" id="{A2B27455-1717-41F8-9550-33EC35C113EF}"/>
-              </a:ext>
-            </a:extLst>
-          </p:cNvPr>
-          <p:cNvPicPr>
-            <a:picLocks noChangeAspect="1"/>
-          </p:cNvPicPr>
-          <p:nvPr/>
-        </p:nvPicPr>
-        <p:blipFill>
-          <a:blip r:embed="rId2"/>
-          <a:stretch>
-            <a:fillRect/>
-          </a:stretch>
-        </p:blipFill>
-        <p:spPr>
-          <a:xfrm>
-            <a:off x="1006642" y="1338262"/>
-            <a:ext cx="5905500" cy="981075"/>
-          </a:xfrm>
-          <a:prstGeom prst="rect">
-            <a:avLst/>
-          </a:prstGeom>
-        </p:spPr>
-      </p:pic>
-      <mc:AlternateContent xmlns:mc="http://schemas.openxmlformats.org/markup-compatibility/2006">
-        <mc:Choice xmlns:a14="http://schemas.microsoft.com/office/drawing/2010/main" Requires="a14">
+      <mc:AlternateContent xmlns:mc="http://schemas.openxmlformats.org/markup-compatibility/2006" xmlns:a14="http://schemas.microsoft.com/office/drawing/2010/main">
+        <mc:Choice Requires="a14">
           <p:sp>
             <p:nvSpPr>
               <p:cNvPr id="12" name="Rectangle 11">
@@ -8399,7 +16404,7 @@
             </p:txBody>
           </p:sp>
         </mc:Choice>
-        <mc:Fallback>
+        <mc:Fallback xmlns="">
           <p:sp>
             <p:nvSpPr>
               <p:cNvPr id="12" name="Rectangle 11">
@@ -8444,153 +16449,204 @@
           </p:sp>
         </mc:Fallback>
       </mc:AlternateContent>
-      <p:pic>
-        <p:nvPicPr>
-          <p:cNvPr id="14" name="Picture 13">
+      <p:grpSp>
+        <p:nvGrpSpPr>
+          <p:cNvPr id="3" name="Group 2">
             <a:extLst>
               <a:ext uri="{FF2B5EF4-FFF2-40B4-BE49-F238E27FC236}">
-                <a16:creationId xmlns:a16="http://schemas.microsoft.com/office/drawing/2014/main" id="{E4B8A2F2-E05B-4137-A9D9-64A61A8FE7BE}"/>
+                <a16:creationId xmlns:a16="http://schemas.microsoft.com/office/drawing/2014/main" id="{D987272B-9C1B-4C1B-82D8-D22A36D997F5}"/>
               </a:ext>
             </a:extLst>
           </p:cNvPr>
-          <p:cNvPicPr>
-            <a:picLocks noChangeAspect="1"/>
-          </p:cNvPicPr>
+          <p:cNvGrpSpPr/>
           <p:nvPr/>
-        </p:nvPicPr>
-        <p:blipFill>
-          <a:blip r:embed="rId4"/>
-          <a:stretch>
-            <a:fillRect/>
-          </a:stretch>
-        </p:blipFill>
-        <p:spPr>
+        </p:nvGrpSpPr>
+        <p:grpSpPr>
           <a:xfrm>
-            <a:off x="2137785" y="2319337"/>
-            <a:ext cx="8301615" cy="888033"/>
+            <a:off x="1040719" y="1724469"/>
+            <a:ext cx="9432758" cy="2457496"/>
+            <a:chOff x="1006642" y="1338262"/>
+            <a:chExt cx="9432758" cy="2457496"/>
           </a:xfrm>
-          <a:prstGeom prst="rect">
-            <a:avLst/>
-          </a:prstGeom>
-        </p:spPr>
-      </p:pic>
-      <p:cxnSp>
-        <p:nvCxnSpPr>
-          <p:cNvPr id="16" name="Straight Connector 15">
-            <a:extLst>
-              <a:ext uri="{FF2B5EF4-FFF2-40B4-BE49-F238E27FC236}">
-                <a16:creationId xmlns:a16="http://schemas.microsoft.com/office/drawing/2014/main" id="{539B65AA-BA82-4000-B3AE-95957511D7BF}"/>
-              </a:ext>
-            </a:extLst>
-          </p:cNvPr>
-          <p:cNvCxnSpPr/>
-          <p:nvPr/>
-        </p:nvCxnSpPr>
-        <p:spPr>
-          <a:xfrm>
-            <a:off x="7743825" y="2095500"/>
-            <a:ext cx="1943100" cy="1428750"/>
-          </a:xfrm>
-          <a:prstGeom prst="line">
-            <a:avLst/>
-          </a:prstGeom>
-          <a:ln w="63500">
-            <a:solidFill>
-              <a:srgbClr val="FF0000"/>
-            </a:solidFill>
-          </a:ln>
-        </p:spPr>
-        <p:style>
-          <a:lnRef idx="1">
-            <a:schemeClr val="accent1"/>
-          </a:lnRef>
-          <a:fillRef idx="0">
-            <a:schemeClr val="accent1"/>
-          </a:fillRef>
-          <a:effectRef idx="0">
-            <a:schemeClr val="accent1"/>
-          </a:effectRef>
-          <a:fontRef idx="minor">
-            <a:schemeClr val="tx1"/>
-          </a:fontRef>
-        </p:style>
-      </p:cxnSp>
-      <p:sp>
-        <p:nvSpPr>
-          <p:cNvPr id="17" name="TextBox 16">
-            <a:extLst>
-              <a:ext uri="{FF2B5EF4-FFF2-40B4-BE49-F238E27FC236}">
-                <a16:creationId xmlns:a16="http://schemas.microsoft.com/office/drawing/2014/main" id="{7E4286DB-3610-4402-92FC-05BA779A4A85}"/>
-              </a:ext>
-            </a:extLst>
-          </p:cNvPr>
-          <p:cNvSpPr txBox="1"/>
-          <p:nvPr/>
-        </p:nvSpPr>
-        <p:spPr>
-          <a:xfrm>
-            <a:off x="7603532" y="3327877"/>
-            <a:ext cx="2223686" cy="461665"/>
-          </a:xfrm>
-          <a:prstGeom prst="rect">
-            <a:avLst/>
-          </a:prstGeom>
-          <a:noFill/>
-        </p:spPr>
-        <p:txBody>
-          <a:bodyPr wrap="none" rtlCol="0">
-            <a:spAutoFit/>
-          </a:bodyPr>
-          <a:lstStyle/>
-          <a:p>
-            <a:r>
-              <a:rPr lang="en-US" sz="2400" dirty="0">
-                <a:latin typeface="Arial" panose="020B0604020202020204" pitchFamily="34" charset="0"/>
-                <a:cs typeface="Arial" panose="020B0604020202020204" pitchFamily="34" charset="0"/>
-              </a:rPr>
-              <a:t>incoming wave</a:t>
-            </a:r>
-          </a:p>
-        </p:txBody>
-      </p:sp>
-      <p:sp>
-        <p:nvSpPr>
-          <p:cNvPr id="18" name="TextBox 17">
-            <a:extLst>
-              <a:ext uri="{FF2B5EF4-FFF2-40B4-BE49-F238E27FC236}">
-                <a16:creationId xmlns:a16="http://schemas.microsoft.com/office/drawing/2014/main" id="{057B971A-DDE0-48AC-897D-540711E1CE5B}"/>
-              </a:ext>
-            </a:extLst>
-          </p:cNvPr>
-          <p:cNvSpPr txBox="1"/>
-          <p:nvPr/>
-        </p:nvSpPr>
-        <p:spPr>
-          <a:xfrm>
-            <a:off x="3688669" y="3334093"/>
-            <a:ext cx="2172390" cy="461665"/>
-          </a:xfrm>
-          <a:prstGeom prst="rect">
-            <a:avLst/>
-          </a:prstGeom>
-          <a:noFill/>
-        </p:spPr>
-        <p:txBody>
-          <a:bodyPr wrap="none" rtlCol="0">
-            <a:spAutoFit/>
-          </a:bodyPr>
-          <a:lstStyle/>
-          <a:p>
-            <a:r>
-              <a:rPr lang="en-US" sz="2400" dirty="0">
-                <a:latin typeface="Arial" panose="020B0604020202020204" pitchFamily="34" charset="0"/>
-                <a:cs typeface="Arial" panose="020B0604020202020204" pitchFamily="34" charset="0"/>
-              </a:rPr>
-              <a:t>outgoing wave</a:t>
-            </a:r>
-          </a:p>
-        </p:txBody>
-      </p:sp>
+        </p:grpSpPr>
+        <p:pic>
+          <p:nvPicPr>
+            <p:cNvPr id="4" name="Picture 3">
+              <a:extLst>
+                <a:ext uri="{FF2B5EF4-FFF2-40B4-BE49-F238E27FC236}">
+                  <a16:creationId xmlns:a16="http://schemas.microsoft.com/office/drawing/2014/main" id="{A2B27455-1717-41F8-9550-33EC35C113EF}"/>
+                </a:ext>
+              </a:extLst>
+            </p:cNvPr>
+            <p:cNvPicPr>
+              <a:picLocks noChangeAspect="1"/>
+            </p:cNvPicPr>
+            <p:nvPr/>
+          </p:nvPicPr>
+          <p:blipFill>
+            <a:blip r:embed="rId4"/>
+            <a:stretch>
+              <a:fillRect/>
+            </a:stretch>
+          </p:blipFill>
+          <p:spPr>
+            <a:xfrm>
+              <a:off x="1006642" y="1338262"/>
+              <a:ext cx="5905500" cy="981075"/>
+            </a:xfrm>
+            <a:prstGeom prst="rect">
+              <a:avLst/>
+            </a:prstGeom>
+          </p:spPr>
+        </p:pic>
+        <p:pic>
+          <p:nvPicPr>
+            <p:cNvPr id="14" name="Picture 13">
+              <a:extLst>
+                <a:ext uri="{FF2B5EF4-FFF2-40B4-BE49-F238E27FC236}">
+                  <a16:creationId xmlns:a16="http://schemas.microsoft.com/office/drawing/2014/main" id="{E4B8A2F2-E05B-4137-A9D9-64A61A8FE7BE}"/>
+                </a:ext>
+              </a:extLst>
+            </p:cNvPr>
+            <p:cNvPicPr>
+              <a:picLocks noChangeAspect="1"/>
+            </p:cNvPicPr>
+            <p:nvPr/>
+          </p:nvPicPr>
+          <p:blipFill>
+            <a:blip r:embed="rId5"/>
+            <a:stretch>
+              <a:fillRect/>
+            </a:stretch>
+          </p:blipFill>
+          <p:spPr>
+            <a:xfrm>
+              <a:off x="2137785" y="2319337"/>
+              <a:ext cx="8301615" cy="888033"/>
+            </a:xfrm>
+            <a:prstGeom prst="rect">
+              <a:avLst/>
+            </a:prstGeom>
+          </p:spPr>
+        </p:pic>
+        <p:cxnSp>
+          <p:nvCxnSpPr>
+            <p:cNvPr id="16" name="Straight Connector 15">
+              <a:extLst>
+                <a:ext uri="{FF2B5EF4-FFF2-40B4-BE49-F238E27FC236}">
+                  <a16:creationId xmlns:a16="http://schemas.microsoft.com/office/drawing/2014/main" id="{539B65AA-BA82-4000-B3AE-95957511D7BF}"/>
+                </a:ext>
+              </a:extLst>
+            </p:cNvPr>
+            <p:cNvCxnSpPr/>
+            <p:nvPr/>
+          </p:nvCxnSpPr>
+          <p:spPr>
+            <a:xfrm>
+              <a:off x="7743825" y="2095500"/>
+              <a:ext cx="1943100" cy="1428750"/>
+            </a:xfrm>
+            <a:prstGeom prst="line">
+              <a:avLst/>
+            </a:prstGeom>
+            <a:ln w="63500">
+              <a:solidFill>
+                <a:srgbClr val="FF0000"/>
+              </a:solidFill>
+            </a:ln>
+          </p:spPr>
+          <p:style>
+            <a:lnRef idx="1">
+              <a:schemeClr val="accent1"/>
+            </a:lnRef>
+            <a:fillRef idx="0">
+              <a:schemeClr val="accent1"/>
+            </a:fillRef>
+            <a:effectRef idx="0">
+              <a:schemeClr val="accent1"/>
+            </a:effectRef>
+            <a:fontRef idx="minor">
+              <a:schemeClr val="tx1"/>
+            </a:fontRef>
+          </p:style>
+        </p:cxnSp>
+        <p:sp>
+          <p:nvSpPr>
+            <p:cNvPr id="17" name="TextBox 16">
+              <a:extLst>
+                <a:ext uri="{FF2B5EF4-FFF2-40B4-BE49-F238E27FC236}">
+                  <a16:creationId xmlns:a16="http://schemas.microsoft.com/office/drawing/2014/main" id="{7E4286DB-3610-4402-92FC-05BA779A4A85}"/>
+                </a:ext>
+              </a:extLst>
+            </p:cNvPr>
+            <p:cNvSpPr txBox="1"/>
+            <p:nvPr/>
+          </p:nvSpPr>
+          <p:spPr>
+            <a:xfrm>
+              <a:off x="7603532" y="3327877"/>
+              <a:ext cx="2223686" cy="461665"/>
+            </a:xfrm>
+            <a:prstGeom prst="rect">
+              <a:avLst/>
+            </a:prstGeom>
+            <a:noFill/>
+          </p:spPr>
+          <p:txBody>
+            <a:bodyPr wrap="none" rtlCol="0">
+              <a:spAutoFit/>
+            </a:bodyPr>
+            <a:lstStyle/>
+            <a:p>
+              <a:r>
+                <a:rPr lang="en-US" sz="2400" dirty="0">
+                  <a:latin typeface="Arial" panose="020B0604020202020204" pitchFamily="34" charset="0"/>
+                  <a:cs typeface="Arial" panose="020B0604020202020204" pitchFamily="34" charset="0"/>
+                </a:rPr>
+                <a:t>incoming wave</a:t>
+              </a:r>
+            </a:p>
+          </p:txBody>
+        </p:sp>
+        <p:sp>
+          <p:nvSpPr>
+            <p:cNvPr id="18" name="TextBox 17">
+              <a:extLst>
+                <a:ext uri="{FF2B5EF4-FFF2-40B4-BE49-F238E27FC236}">
+                  <a16:creationId xmlns:a16="http://schemas.microsoft.com/office/drawing/2014/main" id="{057B971A-DDE0-48AC-897D-540711E1CE5B}"/>
+                </a:ext>
+              </a:extLst>
+            </p:cNvPr>
+            <p:cNvSpPr txBox="1"/>
+            <p:nvPr/>
+          </p:nvSpPr>
+          <p:spPr>
+            <a:xfrm>
+              <a:off x="3688669" y="3334093"/>
+              <a:ext cx="2172390" cy="461665"/>
+            </a:xfrm>
+            <a:prstGeom prst="rect">
+              <a:avLst/>
+            </a:prstGeom>
+            <a:noFill/>
+          </p:spPr>
+          <p:txBody>
+            <a:bodyPr wrap="none" rtlCol="0">
+              <a:spAutoFit/>
+            </a:bodyPr>
+            <a:lstStyle/>
+            <a:p>
+              <a:r>
+                <a:rPr lang="en-US" sz="2400" dirty="0">
+                  <a:latin typeface="Arial" panose="020B0604020202020204" pitchFamily="34" charset="0"/>
+                  <a:cs typeface="Arial" panose="020B0604020202020204" pitchFamily="34" charset="0"/>
+                </a:rPr>
+                <a:t>outgoing wave</a:t>
+              </a:r>
+            </a:p>
+          </p:txBody>
+        </p:sp>
+      </p:grpSp>
     </p:spTree>
     <p:extLst>
       <p:ext uri="{BB962C8B-B14F-4D97-AF65-F5344CB8AC3E}">
@@ -8604,7 +16660,7 @@
 </p:sld>
 </file>
 
-<file path=ppt/slides/slide7.xml><?xml version="1.0" encoding="utf-8"?>
+<file path=ppt/slides/slide9.xml><?xml version="1.0" encoding="utf-8"?>
 <p:sld xmlns:a="http://schemas.openxmlformats.org/drawingml/2006/main" xmlns:r="http://schemas.openxmlformats.org/officeDocument/2006/relationships" xmlns:p="http://schemas.openxmlformats.org/presentationml/2006/main">
   <p:cSld>
     <p:spTree>
@@ -8681,8 +16737,8 @@
           </a:prstGeom>
         </p:spPr>
       </p:pic>
-      <mc:AlternateContent xmlns:mc="http://schemas.openxmlformats.org/markup-compatibility/2006">
-        <mc:Choice xmlns:a14="http://schemas.microsoft.com/office/drawing/2010/main" Requires="a14">
+      <mc:AlternateContent xmlns:mc="http://schemas.openxmlformats.org/markup-compatibility/2006" xmlns:a14="http://schemas.microsoft.com/office/drawing/2010/main">
+        <mc:Choice Requires="a14">
           <p:sp>
             <p:nvSpPr>
               <p:cNvPr id="9" name="TextBox 8">
@@ -8711,6 +16767,7 @@
               </a:bodyPr>
               <a:lstStyle/>
               <a:p>
+                <a:pPr/>
                 <a14:m>
                   <m:oMathPara xmlns:m="http://schemas.openxmlformats.org/officeDocument/2006/math">
                     <m:oMathParaPr>
@@ -8749,7 +16806,7 @@
             </p:txBody>
           </p:sp>
         </mc:Choice>
-        <mc:Fallback>
+        <mc:Fallback xmlns="">
           <p:sp>
             <p:nvSpPr>
               <p:cNvPr id="9" name="TextBox 8">
@@ -8839,386 +16896,6 @@
     <p:extLst>
       <p:ext uri="{BB962C8B-B14F-4D97-AF65-F5344CB8AC3E}">
         <p14:creationId xmlns:p14="http://schemas.microsoft.com/office/powerpoint/2010/main" val="2998116614"/>
-      </p:ext>
-    </p:extLst>
-  </p:cSld>
-  <p:clrMapOvr>
-    <a:masterClrMapping/>
-  </p:clrMapOvr>
-</p:sld>
-</file>
-
-<file path=ppt/slides/slide8.xml><?xml version="1.0" encoding="utf-8"?>
-<p:sld xmlns:a="http://schemas.openxmlformats.org/drawingml/2006/main" xmlns:r="http://schemas.openxmlformats.org/officeDocument/2006/relationships" xmlns:p="http://schemas.openxmlformats.org/presentationml/2006/main">
-  <p:cSld>
-    <p:spTree>
-      <p:nvGrpSpPr>
-        <p:cNvPr id="1" name=""/>
-        <p:cNvGrpSpPr/>
-        <p:nvPr/>
-      </p:nvGrpSpPr>
-      <p:grpSpPr>
-        <a:xfrm>
-          <a:off x="0" y="0"/>
-          <a:ext cx="0" cy="0"/>
-          <a:chOff x="0" y="0"/>
-          <a:chExt cx="0" cy="0"/>
-        </a:xfrm>
-      </p:grpSpPr>
-      <p:sp>
-        <p:nvSpPr>
-          <p:cNvPr id="2" name="Title 1">
-            <a:extLst>
-              <a:ext uri="{FF2B5EF4-FFF2-40B4-BE49-F238E27FC236}">
-                <a16:creationId xmlns:a16="http://schemas.microsoft.com/office/drawing/2014/main" id="{DF013F3B-3449-424D-95A0-697AED35EE75}"/>
-              </a:ext>
-            </a:extLst>
-          </p:cNvPr>
-          <p:cNvSpPr>
-            <a:spLocks noGrp="1"/>
-          </p:cNvSpPr>
-          <p:nvPr>
-            <p:ph type="title"/>
-          </p:nvPr>
-        </p:nvSpPr>
-        <p:spPr/>
-        <p:txBody>
-          <a:bodyPr/>
-          <a:lstStyle/>
-          <a:p>
-            <a:endParaRPr lang="en-US" dirty="0"/>
-          </a:p>
-        </p:txBody>
-      </p:sp>
-      <p:sp>
-        <p:nvSpPr>
-          <p:cNvPr id="3" name="Content Placeholder 2">
-            <a:extLst>
-              <a:ext uri="{FF2B5EF4-FFF2-40B4-BE49-F238E27FC236}">
-                <a16:creationId xmlns:a16="http://schemas.microsoft.com/office/drawing/2014/main" id="{28768374-39AA-4D46-8314-7ED8021ADF18}"/>
-              </a:ext>
-            </a:extLst>
-          </p:cNvPr>
-          <p:cNvSpPr>
-            <a:spLocks noGrp="1"/>
-          </p:cNvSpPr>
-          <p:nvPr>
-            <p:ph idx="1"/>
-          </p:nvPr>
-        </p:nvSpPr>
-        <p:spPr/>
-        <p:txBody>
-          <a:bodyPr/>
-          <a:lstStyle/>
-          <a:p>
-            <a:pPr marL="0" indent="0">
-              <a:buNone/>
-            </a:pPr>
-            <a:endParaRPr lang="en-US" dirty="0"/>
-          </a:p>
-        </p:txBody>
-      </p:sp>
-    </p:spTree>
-    <p:extLst>
-      <p:ext uri="{BB962C8B-B14F-4D97-AF65-F5344CB8AC3E}">
-        <p14:creationId xmlns:p14="http://schemas.microsoft.com/office/powerpoint/2010/main" val="759041446"/>
-      </p:ext>
-    </p:extLst>
-  </p:cSld>
-  <p:clrMapOvr>
-    <a:masterClrMapping/>
-  </p:clrMapOvr>
-</p:sld>
-</file>
-
-<file path=ppt/slides/slide9.xml><?xml version="1.0" encoding="utf-8"?>
-<p:sld xmlns:a="http://schemas.openxmlformats.org/drawingml/2006/main" xmlns:r="http://schemas.openxmlformats.org/officeDocument/2006/relationships" xmlns:p="http://schemas.openxmlformats.org/presentationml/2006/main">
-  <p:cSld>
-    <p:spTree>
-      <p:nvGrpSpPr>
-        <p:cNvPr id="1" name=""/>
-        <p:cNvGrpSpPr/>
-        <p:nvPr/>
-      </p:nvGrpSpPr>
-      <p:grpSpPr>
-        <a:xfrm>
-          <a:off x="0" y="0"/>
-          <a:ext cx="0" cy="0"/>
-          <a:chOff x="0" y="0"/>
-          <a:chExt cx="0" cy="0"/>
-        </a:xfrm>
-      </p:grpSpPr>
-      <p:pic>
-        <p:nvPicPr>
-          <p:cNvPr id="7" name="Picture 6">
-            <a:extLst>
-              <a:ext uri="{FF2B5EF4-FFF2-40B4-BE49-F238E27FC236}">
-                <a16:creationId xmlns:a16="http://schemas.microsoft.com/office/drawing/2014/main" id="{37ACEB4A-F930-4FC7-A781-2229F05CD8B8}"/>
-              </a:ext>
-            </a:extLst>
-          </p:cNvPr>
-          <p:cNvPicPr>
-            <a:picLocks noChangeAspect="1"/>
-          </p:cNvPicPr>
-          <p:nvPr/>
-        </p:nvPicPr>
-        <p:blipFill>
-          <a:blip r:embed="rId2"/>
-          <a:stretch>
-            <a:fillRect/>
-          </a:stretch>
-        </p:blipFill>
-        <p:spPr>
-          <a:xfrm>
-            <a:off x="555859" y="1067673"/>
-            <a:ext cx="9201150" cy="3162300"/>
-          </a:xfrm>
-          <a:prstGeom prst="rect">
-            <a:avLst/>
-          </a:prstGeom>
-        </p:spPr>
-      </p:pic>
-      <p:cxnSp>
-        <p:nvCxnSpPr>
-          <p:cNvPr id="9" name="Straight Arrow Connector 8">
-            <a:extLst>
-              <a:ext uri="{FF2B5EF4-FFF2-40B4-BE49-F238E27FC236}">
-                <a16:creationId xmlns:a16="http://schemas.microsoft.com/office/drawing/2014/main" id="{813C823D-E272-422F-93C9-C2B7857E6590}"/>
-              </a:ext>
-            </a:extLst>
-          </p:cNvPr>
-          <p:cNvCxnSpPr>
-            <a:cxnSpLocks/>
-          </p:cNvCxnSpPr>
-          <p:nvPr/>
-        </p:nvCxnSpPr>
-        <p:spPr>
-          <a:xfrm flipH="1">
-            <a:off x="7147421" y="2080470"/>
-            <a:ext cx="2743199" cy="369117"/>
-          </a:xfrm>
-          <a:prstGeom prst="straightConnector1">
-            <a:avLst/>
-          </a:prstGeom>
-          <a:ln w="38100">
-            <a:tailEnd type="triangle"/>
-          </a:ln>
-        </p:spPr>
-        <p:style>
-          <a:lnRef idx="1">
-            <a:schemeClr val="accent1"/>
-          </a:lnRef>
-          <a:fillRef idx="0">
-            <a:schemeClr val="accent1"/>
-          </a:fillRef>
-          <a:effectRef idx="0">
-            <a:schemeClr val="accent1"/>
-          </a:effectRef>
-          <a:fontRef idx="minor">
-            <a:schemeClr val="tx1"/>
-          </a:fontRef>
-        </p:style>
-      </p:cxnSp>
-      <p:cxnSp>
-        <p:nvCxnSpPr>
-          <p:cNvPr id="13" name="Straight Arrow Connector 12">
-            <a:extLst>
-              <a:ext uri="{FF2B5EF4-FFF2-40B4-BE49-F238E27FC236}">
-                <a16:creationId xmlns:a16="http://schemas.microsoft.com/office/drawing/2014/main" id="{73B382AC-DD82-4151-9C72-E154D16234F4}"/>
-              </a:ext>
-            </a:extLst>
-          </p:cNvPr>
-          <p:cNvCxnSpPr>
-            <a:cxnSpLocks/>
-          </p:cNvCxnSpPr>
-          <p:nvPr/>
-        </p:nvCxnSpPr>
-        <p:spPr>
-          <a:xfrm flipH="1">
-            <a:off x="7013810" y="3155221"/>
-            <a:ext cx="2743199" cy="369117"/>
-          </a:xfrm>
-          <a:prstGeom prst="straightConnector1">
-            <a:avLst/>
-          </a:prstGeom>
-          <a:ln w="38100">
-            <a:tailEnd type="triangle"/>
-          </a:ln>
-        </p:spPr>
-        <p:style>
-          <a:lnRef idx="1">
-            <a:schemeClr val="accent1"/>
-          </a:lnRef>
-          <a:fillRef idx="0">
-            <a:schemeClr val="accent1"/>
-          </a:fillRef>
-          <a:effectRef idx="0">
-            <a:schemeClr val="accent1"/>
-          </a:effectRef>
-          <a:fontRef idx="minor">
-            <a:schemeClr val="tx1"/>
-          </a:fontRef>
-        </p:style>
-      </p:cxnSp>
-      <p:cxnSp>
-        <p:nvCxnSpPr>
-          <p:cNvPr id="14" name="Straight Arrow Connector 13">
-            <a:extLst>
-              <a:ext uri="{FF2B5EF4-FFF2-40B4-BE49-F238E27FC236}">
-                <a16:creationId xmlns:a16="http://schemas.microsoft.com/office/drawing/2014/main" id="{9EE32A2D-FFBA-455E-9B6C-10269AF52FA2}"/>
-              </a:ext>
-            </a:extLst>
-          </p:cNvPr>
-          <p:cNvCxnSpPr>
-            <a:cxnSpLocks/>
-          </p:cNvCxnSpPr>
-          <p:nvPr/>
-        </p:nvCxnSpPr>
-        <p:spPr>
-          <a:xfrm flipH="1">
-            <a:off x="6452328" y="1067673"/>
-            <a:ext cx="2743199" cy="369117"/>
-          </a:xfrm>
-          <a:prstGeom prst="straightConnector1">
-            <a:avLst/>
-          </a:prstGeom>
-          <a:ln w="38100">
-            <a:tailEnd type="triangle"/>
-          </a:ln>
-        </p:spPr>
-        <p:style>
-          <a:lnRef idx="1">
-            <a:schemeClr val="accent1"/>
-          </a:lnRef>
-          <a:fillRef idx="0">
-            <a:schemeClr val="accent1"/>
-          </a:fillRef>
-          <a:effectRef idx="0">
-            <a:schemeClr val="accent1"/>
-          </a:effectRef>
-          <a:fontRef idx="minor">
-            <a:schemeClr val="tx1"/>
-          </a:fontRef>
-        </p:style>
-      </p:cxnSp>
-      <p:sp>
-        <p:nvSpPr>
-          <p:cNvPr id="15" name="TextBox 14">
-            <a:extLst>
-              <a:ext uri="{FF2B5EF4-FFF2-40B4-BE49-F238E27FC236}">
-                <a16:creationId xmlns:a16="http://schemas.microsoft.com/office/drawing/2014/main" id="{A98F517C-9F77-49D7-9C7A-BD80B6C8A1FE}"/>
-              </a:ext>
-            </a:extLst>
-          </p:cNvPr>
-          <p:cNvSpPr txBox="1"/>
-          <p:nvPr/>
-        </p:nvSpPr>
-        <p:spPr>
-          <a:xfrm>
-            <a:off x="9363232" y="798869"/>
-            <a:ext cx="1843774" cy="461665"/>
-          </a:xfrm>
-          <a:prstGeom prst="rect">
-            <a:avLst/>
-          </a:prstGeom>
-          <a:noFill/>
-        </p:spPr>
-        <p:txBody>
-          <a:bodyPr wrap="none" rtlCol="0">
-            <a:spAutoFit/>
-          </a:bodyPr>
-          <a:lstStyle/>
-          <a:p>
-            <a:r>
-              <a:rPr lang="en-US" sz="2400" dirty="0">
-                <a:latin typeface="Arial" panose="020B0604020202020204" pitchFamily="34" charset="0"/>
-                <a:cs typeface="Arial" panose="020B0604020202020204" pitchFamily="34" charset="0"/>
-              </a:rPr>
-              <a:t>steady state</a:t>
-            </a:r>
-          </a:p>
-        </p:txBody>
-      </p:sp>
-      <p:sp>
-        <p:nvSpPr>
-          <p:cNvPr id="16" name="TextBox 15">
-            <a:extLst>
-              <a:ext uri="{FF2B5EF4-FFF2-40B4-BE49-F238E27FC236}">
-                <a16:creationId xmlns:a16="http://schemas.microsoft.com/office/drawing/2014/main" id="{ED7DB206-1CA0-44B5-8709-13752FFA847E}"/>
-              </a:ext>
-            </a:extLst>
-          </p:cNvPr>
-          <p:cNvSpPr txBox="1"/>
-          <p:nvPr/>
-        </p:nvSpPr>
-        <p:spPr>
-          <a:xfrm>
-            <a:off x="9890620" y="1759097"/>
-            <a:ext cx="2223686" cy="461665"/>
-          </a:xfrm>
-          <a:prstGeom prst="rect">
-            <a:avLst/>
-          </a:prstGeom>
-          <a:noFill/>
-        </p:spPr>
-        <p:txBody>
-          <a:bodyPr wrap="none" rtlCol="0">
-            <a:spAutoFit/>
-          </a:bodyPr>
-          <a:lstStyle/>
-          <a:p>
-            <a:r>
-              <a:rPr lang="en-US" sz="2400" dirty="0">
-                <a:latin typeface="Arial" panose="020B0604020202020204" pitchFamily="34" charset="0"/>
-                <a:cs typeface="Arial" panose="020B0604020202020204" pitchFamily="34" charset="0"/>
-              </a:rPr>
-              <a:t>decay from |a&gt;</a:t>
-            </a:r>
-          </a:p>
-        </p:txBody>
-      </p:sp>
-      <p:sp>
-        <p:nvSpPr>
-          <p:cNvPr id="17" name="TextBox 16">
-            <a:extLst>
-              <a:ext uri="{FF2B5EF4-FFF2-40B4-BE49-F238E27FC236}">
-                <a16:creationId xmlns:a16="http://schemas.microsoft.com/office/drawing/2014/main" id="{33A61C8E-772A-4BF3-B04D-E6534CF74487}"/>
-              </a:ext>
-            </a:extLst>
-          </p:cNvPr>
-          <p:cNvSpPr txBox="1"/>
-          <p:nvPr/>
-        </p:nvSpPr>
-        <p:spPr>
-          <a:xfrm>
-            <a:off x="9890620" y="2889647"/>
-            <a:ext cx="2223686" cy="461665"/>
-          </a:xfrm>
-          <a:prstGeom prst="rect">
-            <a:avLst/>
-          </a:prstGeom>
-          <a:noFill/>
-        </p:spPr>
-        <p:txBody>
-          <a:bodyPr wrap="none" rtlCol="0">
-            <a:spAutoFit/>
-          </a:bodyPr>
-          <a:lstStyle/>
-          <a:p>
-            <a:r>
-              <a:rPr lang="en-US" sz="2400" dirty="0">
-                <a:latin typeface="Arial" panose="020B0604020202020204" pitchFamily="34" charset="0"/>
-                <a:cs typeface="Arial" panose="020B0604020202020204" pitchFamily="34" charset="0"/>
-              </a:rPr>
-              <a:t>decay from |b&gt;</a:t>
-            </a:r>
-          </a:p>
-        </p:txBody>
-      </p:sp>
-    </p:spTree>
-    <p:extLst>
-      <p:ext uri="{BB962C8B-B14F-4D97-AF65-F5344CB8AC3E}">
-        <p14:creationId xmlns:p14="http://schemas.microsoft.com/office/powerpoint/2010/main" val="1576109682"/>
       </p:ext>
     </p:extLst>
   </p:cSld>
